--- a/Apresentação/TFC.pptx
+++ b/Apresentação/TFC.pptx
@@ -5,7 +5,7 @@
     <p:sldMasterId id="2147483938" r:id="rId1"/>
   </p:sldMasterIdLst>
   <p:notesMasterIdLst>
-    <p:notesMasterId r:id="rId26"/>
+    <p:notesMasterId r:id="rId28"/>
   </p:notesMasterIdLst>
   <p:sldIdLst>
     <p:sldId id="269" r:id="rId2"/>
@@ -21,17 +21,19 @@
     <p:sldId id="309" r:id="rId12"/>
     <p:sldId id="292" r:id="rId13"/>
     <p:sldId id="295" r:id="rId14"/>
-    <p:sldId id="299" r:id="rId15"/>
-    <p:sldId id="300" r:id="rId16"/>
-    <p:sldId id="258" r:id="rId17"/>
-    <p:sldId id="283" r:id="rId18"/>
-    <p:sldId id="302" r:id="rId19"/>
-    <p:sldId id="305" r:id="rId20"/>
-    <p:sldId id="303" r:id="rId21"/>
-    <p:sldId id="306" r:id="rId22"/>
-    <p:sldId id="304" r:id="rId23"/>
-    <p:sldId id="307" r:id="rId24"/>
-    <p:sldId id="278" r:id="rId25"/>
+    <p:sldId id="314" r:id="rId15"/>
+    <p:sldId id="299" r:id="rId16"/>
+    <p:sldId id="300" r:id="rId17"/>
+    <p:sldId id="315" r:id="rId18"/>
+    <p:sldId id="258" r:id="rId19"/>
+    <p:sldId id="283" r:id="rId20"/>
+    <p:sldId id="302" r:id="rId21"/>
+    <p:sldId id="305" r:id="rId22"/>
+    <p:sldId id="303" r:id="rId23"/>
+    <p:sldId id="306" r:id="rId24"/>
+    <p:sldId id="304" r:id="rId25"/>
+    <p:sldId id="307" r:id="rId26"/>
+    <p:sldId id="278" r:id="rId27"/>
   </p:sldIdLst>
   <p:sldSz cx="12192000" cy="6858000"/>
   <p:notesSz cx="6858000" cy="9144000"/>
@@ -148,8 +150,10 @@
             <p14:sldId id="309"/>
             <p14:sldId id="292"/>
             <p14:sldId id="295"/>
+            <p14:sldId id="314"/>
             <p14:sldId id="299"/>
             <p14:sldId id="300"/>
+            <p14:sldId id="315"/>
             <p14:sldId id="258"/>
             <p14:sldId id="283"/>
             <p14:sldId id="302"/>
@@ -263,7 +267,7 @@
           <a:p>
             <a:fld id="{8D980AF6-012E-48EC-B6FF-B729D5392FE6}" type="datetimeFigureOut">
               <a:rPr lang="pt-BR" smtClean="0"/>
-              <a:t>29/04/2024</a:t>
+              <a:t>21/05/2024</a:t>
             </a:fld>
             <a:endParaRPr lang="pt-BR"/>
           </a:p>
@@ -679,7 +683,7 @@
           <a:p>
             <a:fld id="{376D31F0-8553-420C-90BF-086E6FD6F2F8}" type="slidenum">
               <a:rPr lang="pt-BR" smtClean="0"/>
-              <a:t>14</a:t>
+              <a:t>15</a:t>
             </a:fld>
             <a:endParaRPr lang="pt-BR"/>
           </a:p>
@@ -763,7 +767,7 @@
           <a:p>
             <a:fld id="{376D31F0-8553-420C-90BF-086E6FD6F2F8}" type="slidenum">
               <a:rPr lang="pt-BR" smtClean="0"/>
-              <a:t>15</a:t>
+              <a:t>16</a:t>
             </a:fld>
             <a:endParaRPr lang="pt-BR"/>
           </a:p>
@@ -1986,7 +1990,7 @@
             <a:fld id="{5A5E2DE2-A0B4-45FD-A905-FEFD5975439B}" type="datetimeFigureOut">
               <a:rPr lang="pt-PT" smtClean="0"/>
               <a:pPr/>
-              <a:t>29/04/2024</a:t>
+              <a:t>21/05/2024</a:t>
             </a:fld>
             <a:endParaRPr lang="pt-PT" dirty="0"/>
           </a:p>
@@ -2226,7 +2230,7 @@
             <a:fld id="{5A5E2DE2-A0B4-45FD-A905-FEFD5975439B}" type="datetimeFigureOut">
               <a:rPr lang="pt-PT" smtClean="0"/>
               <a:pPr/>
-              <a:t>29/04/2024</a:t>
+              <a:t>21/05/2024</a:t>
             </a:fld>
             <a:endParaRPr lang="pt-PT" dirty="0"/>
           </a:p>
@@ -2408,7 +2412,7 @@
             <a:fld id="{5A5E2DE2-A0B4-45FD-A905-FEFD5975439B}" type="datetimeFigureOut">
               <a:rPr lang="pt-PT" smtClean="0"/>
               <a:pPr/>
-              <a:t>29/04/2024</a:t>
+              <a:t>21/05/2024</a:t>
             </a:fld>
             <a:endParaRPr lang="pt-PT" dirty="0"/>
           </a:p>
@@ -2580,7 +2584,7 @@
             <a:fld id="{5A5E2DE2-A0B4-45FD-A905-FEFD5975439B}" type="datetimeFigureOut">
               <a:rPr lang="pt-PT" smtClean="0"/>
               <a:pPr/>
-              <a:t>29/04/2024</a:t>
+              <a:t>21/05/2024</a:t>
             </a:fld>
             <a:endParaRPr lang="pt-PT" dirty="0"/>
           </a:p>
@@ -2850,7 +2854,7 @@
             <a:fld id="{5A5E2DE2-A0B4-45FD-A905-FEFD5975439B}" type="datetimeFigureOut">
               <a:rPr lang="pt-PT" smtClean="0"/>
               <a:pPr/>
-              <a:t>29/04/2024</a:t>
+              <a:t>21/05/2024</a:t>
             </a:fld>
             <a:endParaRPr lang="pt-PT" dirty="0"/>
           </a:p>
@@ -4053,7 +4057,7 @@
             <a:fld id="{5A5E2DE2-A0B4-45FD-A905-FEFD5975439B}" type="datetimeFigureOut">
               <a:rPr lang="pt-PT" smtClean="0"/>
               <a:pPr/>
-              <a:t>29/04/2024</a:t>
+              <a:t>21/05/2024</a:t>
             </a:fld>
             <a:endParaRPr lang="pt-PT" dirty="0"/>
           </a:p>
@@ -4445,7 +4449,7 @@
             <a:fld id="{5A5E2DE2-A0B4-45FD-A905-FEFD5975439B}" type="datetimeFigureOut">
               <a:rPr lang="pt-PT" smtClean="0"/>
               <a:pPr/>
-              <a:t>29/04/2024</a:t>
+              <a:t>21/05/2024</a:t>
             </a:fld>
             <a:endParaRPr lang="pt-PT" dirty="0"/>
           </a:p>
@@ -4570,7 +4574,7 @@
             <a:fld id="{5A5E2DE2-A0B4-45FD-A905-FEFD5975439B}" type="datetimeFigureOut">
               <a:rPr lang="pt-PT" smtClean="0"/>
               <a:pPr/>
-              <a:t>29/04/2024</a:t>
+              <a:t>21/05/2024</a:t>
             </a:fld>
             <a:endParaRPr lang="pt-PT" dirty="0"/>
           </a:p>
@@ -4667,7 +4671,7 @@
             <a:fld id="{5A5E2DE2-A0B4-45FD-A905-FEFD5975439B}" type="datetimeFigureOut">
               <a:rPr lang="pt-PT" smtClean="0"/>
               <a:pPr/>
-              <a:t>29/04/2024</a:t>
+              <a:t>21/05/2024</a:t>
             </a:fld>
             <a:endParaRPr lang="pt-PT" dirty="0"/>
           </a:p>
@@ -5432,7 +5436,7 @@
             <a:fld id="{5A5E2DE2-A0B4-45FD-A905-FEFD5975439B}" type="datetimeFigureOut">
               <a:rPr lang="pt-PT" smtClean="0"/>
               <a:pPr/>
-              <a:t>29/04/2024</a:t>
+              <a:t>21/05/2024</a:t>
             </a:fld>
             <a:endParaRPr lang="pt-PT" dirty="0"/>
           </a:p>
@@ -6274,7 +6278,7 @@
             <a:fld id="{5A5E2DE2-A0B4-45FD-A905-FEFD5975439B}" type="datetimeFigureOut">
               <a:rPr lang="pt-PT" smtClean="0"/>
               <a:pPr/>
-              <a:t>29/04/2024</a:t>
+              <a:t>21/05/2024</a:t>
             </a:fld>
             <a:endParaRPr lang="pt-PT" dirty="0"/>
           </a:p>
@@ -6503,7 +6507,7 @@
             <a:fld id="{5A5E2DE2-A0B4-45FD-A905-FEFD5975439B}" type="datetimeFigureOut">
               <a:rPr lang="pt-PT" smtClean="0"/>
               <a:pPr/>
-              <a:t>29/04/2024</a:t>
+              <a:t>21/05/2024</a:t>
             </a:fld>
             <a:endParaRPr lang="pt-PT" dirty="0"/>
           </a:p>
@@ -7821,7 +7825,7 @@
           <a:p>
             <a:pPr algn="ctr"/>
             <a:r>
-              <a:rPr lang="pt-PT" sz="2100" dirty="0" smtClean="0">
+              <a:rPr lang="pt-PT" sz="2100" dirty="0">
                 <a:latin typeface="+mj-lt"/>
               </a:rPr>
               <a:t>Adilson Mendonça da Silva</a:t>
@@ -7856,7 +7860,7 @@
           <a:p>
             <a:pPr algn="ctr"/>
             <a:r>
-              <a:rPr lang="pt-PT" sz="2400" b="1" dirty="0" smtClean="0">
+              <a:rPr lang="pt-PT" sz="2400" b="1" dirty="0">
                 <a:effectLst/>
                 <a:latin typeface="+mj-lt"/>
                 <a:ea typeface="Times New Roman" panose="02020603050405020304" pitchFamily="18" charset="0"/>
@@ -7902,16 +7906,10 @@
           <a:p>
             <a:pPr algn="ctr"/>
             <a:r>
-              <a:rPr lang="pt-PT" sz="1200" b="1" dirty="0" smtClean="0">
-                <a:latin typeface="+mj-lt"/>
-              </a:rPr>
-              <a:t>Maio </a:t>
-            </a:r>
-            <a:r>
               <a:rPr lang="pt-PT" sz="1200" b="1" dirty="0">
                 <a:latin typeface="+mj-lt"/>
               </a:rPr>
-              <a:t>2024</a:t>
+              <a:t>Maio 2024</a:t>
             </a:r>
             <a:endParaRPr lang="pt-BR" sz="1200" b="1" dirty="0">
               <a:latin typeface="+mj-lt"/>
@@ -7948,31 +7946,31 @@
               <a:t>Sob orientação do </a:t>
             </a:r>
             <a:r>
-              <a:rPr lang="pt-PT" sz="1600" dirty="0" err="1" smtClean="0">
+              <a:rPr lang="pt-PT" sz="1600" dirty="0" err="1">
                 <a:latin typeface="+mj-lt"/>
               </a:rPr>
               <a:t>Eng</a:t>
             </a:r>
             <a:r>
-              <a:rPr lang="pt-PT" sz="1600" dirty="0" smtClean="0">
+              <a:rPr lang="pt-PT" sz="1600" dirty="0">
                 <a:latin typeface="+mj-lt"/>
               </a:rPr>
               <a:t>: </a:t>
             </a:r>
             <a:r>
-              <a:rPr lang="pt-PT" sz="1600" dirty="0" err="1" smtClean="0">
+              <a:rPr lang="pt-PT" sz="1600" dirty="0" err="1">
                 <a:latin typeface="+mj-lt"/>
               </a:rPr>
               <a:t>Kwenda</a:t>
             </a:r>
             <a:r>
-              <a:rPr lang="pt-PT" sz="1600" dirty="0" smtClean="0">
+              <a:rPr lang="pt-PT" sz="1600" dirty="0">
                 <a:latin typeface="+mj-lt"/>
               </a:rPr>
               <a:t> </a:t>
             </a:r>
             <a:r>
-              <a:rPr lang="pt-PT" sz="1600" dirty="0" err="1" smtClean="0">
+              <a:rPr lang="pt-PT" sz="1600" dirty="0" err="1">
                 <a:latin typeface="+mj-lt"/>
               </a:rPr>
               <a:t>Mayeye</a:t>
@@ -8555,7 +8553,7 @@
 </file>
 
 <file path=ppt/slides/slide13.xml><?xml version="1.0" encoding="utf-8"?>
-<p:sld xmlns:a="http://schemas.openxmlformats.org/drawingml/2006/main" xmlns:r="http://schemas.openxmlformats.org/officeDocument/2006/relationships" xmlns:p="http://schemas.openxmlformats.org/presentationml/2006/main">
+<p:sld xmlns:a="http://schemas.openxmlformats.org/drawingml/2006/main" xmlns:r="http://schemas.openxmlformats.org/officeDocument/2006/relationships" xmlns:p="http://schemas.openxmlformats.org/presentationml/2006/main" show="0">
   <p:cSld>
     <p:spTree>
       <p:nvGrpSpPr>
@@ -8586,14 +8584,14 @@
           <p:nvPr>
             <p:extLst>
               <p:ext uri="{D42A27DB-BD31-4B8C-83A1-F6EECF244321}">
-                <p14:modId xmlns:p14="http://schemas.microsoft.com/office/powerpoint/2010/main" val="1713175509"/>
+                <p14:modId xmlns:p14="http://schemas.microsoft.com/office/powerpoint/2010/main" val="3753139637"/>
               </p:ext>
             </p:extLst>
           </p:nvPr>
         </p:nvGraphicFramePr>
         <p:xfrm>
           <a:off x="1259457" y="1128942"/>
-          <a:ext cx="10187795" cy="4967171"/>
+          <a:ext cx="10187795" cy="4933326"/>
         </p:xfrm>
         <a:graphic>
           <a:graphicData uri="http://schemas.openxmlformats.org/drawingml/2006/table">
@@ -8821,11 +8819,11 @@
                         </a:spcAft>
                       </a:pPr>
                       <a:r>
-                        <a:rPr lang="pt-PT" sz="1200" b="0" dirty="0">
+                        <a:rPr lang="pt-BR" sz="1200" b="0" dirty="0">
                           <a:effectLst/>
                           <a:latin typeface="+mj-lt"/>
                         </a:rPr>
-                        <a:t>REGISTRAR HOSPITAIS</a:t>
+                        <a:t>SUBMETER A PROPOSTA DE TFC</a:t>
                       </a:r>
                       <a:endParaRPr lang="pt-PT" sz="1200" b="0" dirty="0">
                         <a:effectLst/>
@@ -8858,7 +8856,7 @@
                           <a:effectLst/>
                           <a:latin typeface="+mj-lt"/>
                         </a:rPr>
-                        <a:t>O SISTEMA DEVERÁ POSSIBILITAR O REGISTRO DOS HOSPITAIS NO MÓDULO</a:t>
+                        <a:t>O SISTEMA DEVERÁ POSSIBILITAR O REGISTRO DE PROPOSTAS DE TFC</a:t>
                       </a:r>
                       <a:endParaRPr lang="pt-PT" sz="1200" b="0" dirty="0">
                         <a:effectLst/>
@@ -9103,7 +9101,7 @@
                           <a:effectLst/>
                           <a:latin typeface="+mj-lt"/>
                         </a:rPr>
-                        <a:t>EMITIR RECIBO OU CÓDIGO DE TRANSFERÊNCIA</a:t>
+                        <a:t>LISTAR PROPOSTAS DE TFC</a:t>
                       </a:r>
                       <a:endParaRPr lang="pt-PT" sz="1200" b="0" dirty="0">
                         <a:effectLst/>
@@ -9965,6 +9963,294 @@
           <a:chExt cx="0" cy="0"/>
         </a:xfrm>
       </p:grpSpPr>
+      <p:sp>
+        <p:nvSpPr>
+          <p:cNvPr id="3" name="Marcador de Posição de Conteúdo 2">
+            <a:extLst>
+              <a:ext uri="{FF2B5EF4-FFF2-40B4-BE49-F238E27FC236}">
+                <a16:creationId xmlns:a16="http://schemas.microsoft.com/office/drawing/2014/main" id="{C3A250EE-B073-DA2A-92DA-FB77A16F313D}"/>
+              </a:ext>
+            </a:extLst>
+          </p:cNvPr>
+          <p:cNvSpPr>
+            <a:spLocks noGrp="1"/>
+          </p:cNvSpPr>
+          <p:nvPr>
+            <p:ph idx="1"/>
+          </p:nvPr>
+        </p:nvSpPr>
+        <p:spPr>
+          <a:xfrm>
+            <a:off x="1251678" y="1196792"/>
+            <a:ext cx="10178322" cy="5253751"/>
+          </a:xfrm>
+        </p:spPr>
+        <p:txBody>
+          <a:bodyPr>
+            <a:normAutofit lnSpcReduction="10000"/>
+          </a:bodyPr>
+          <a:lstStyle/>
+          <a:p>
+            <a:pPr marL="0" indent="0">
+              <a:buNone/>
+            </a:pPr>
+            <a:r>
+              <a:rPr lang="pt-BR" b="1" dirty="0">
+                <a:latin typeface="+mj-lt"/>
+              </a:rPr>
+              <a:t>RF1 - </a:t>
+            </a:r>
+            <a:r>
+              <a:rPr lang="pt-BR" sz="2000" b="1" dirty="0">
+                <a:effectLst/>
+                <a:latin typeface="+mj-lt"/>
+              </a:rPr>
+              <a:t>Submeter a Proposta de TFC</a:t>
+            </a:r>
+          </a:p>
+          <a:p>
+            <a:pPr marL="0" indent="0">
+              <a:buNone/>
+            </a:pPr>
+            <a:r>
+              <a:rPr lang="pt-BR" b="1" dirty="0">
+                <a:latin typeface="+mj-lt"/>
+              </a:rPr>
+              <a:t>RF2 - Listar Propostas De TFC</a:t>
+            </a:r>
+          </a:p>
+          <a:p>
+            <a:pPr marL="0" indent="0">
+              <a:buNone/>
+            </a:pPr>
+            <a:r>
+              <a:rPr lang="pt-BR" b="1" dirty="0">
+                <a:latin typeface="+mj-lt"/>
+              </a:rPr>
+              <a:t>RF3 - Aprovar Tema Proposto</a:t>
+            </a:r>
+          </a:p>
+          <a:p>
+            <a:pPr marL="0" indent="0">
+              <a:buNone/>
+            </a:pPr>
+            <a:r>
+              <a:rPr lang="pt-BR" b="1" dirty="0">
+                <a:latin typeface="+mj-lt"/>
+              </a:rPr>
+              <a:t>RF4 - Meus Orientandos</a:t>
+            </a:r>
+          </a:p>
+          <a:p>
+            <a:pPr marL="0" indent="0">
+              <a:buNone/>
+            </a:pPr>
+            <a:r>
+              <a:rPr lang="pt-BR" b="1" dirty="0">
+                <a:latin typeface="+mj-lt"/>
+              </a:rPr>
+              <a:t>RF5 - Meu Tema</a:t>
+            </a:r>
+          </a:p>
+          <a:p>
+            <a:pPr marL="0" indent="0">
+              <a:buNone/>
+            </a:pPr>
+            <a:r>
+              <a:rPr lang="pt-BR" b="1" dirty="0">
+                <a:latin typeface="+mj-lt"/>
+              </a:rPr>
+              <a:t>RF6 - Submeter a versão final do TFC</a:t>
+            </a:r>
+          </a:p>
+          <a:p>
+            <a:pPr marL="0" indent="0">
+              <a:buNone/>
+            </a:pPr>
+            <a:r>
+              <a:rPr lang="pt-BR" b="1" dirty="0">
+                <a:latin typeface="+mj-lt"/>
+              </a:rPr>
+              <a:t>RF7 - Cadastrar Tarefa</a:t>
+            </a:r>
+          </a:p>
+          <a:p>
+            <a:pPr marL="0" indent="0">
+              <a:buNone/>
+            </a:pPr>
+            <a:r>
+              <a:rPr lang="pt-BR" b="1" dirty="0">
+                <a:latin typeface="+mj-lt"/>
+              </a:rPr>
+              <a:t>RF8 - Concluir Tarefa</a:t>
+            </a:r>
+          </a:p>
+          <a:p>
+            <a:pPr marL="0" indent="0">
+              <a:buNone/>
+            </a:pPr>
+            <a:r>
+              <a:rPr lang="pt-BR" b="1" dirty="0">
+                <a:latin typeface="+mj-lt"/>
+              </a:rPr>
+              <a:t>RF9 - Agendar Encontro</a:t>
+            </a:r>
+          </a:p>
+          <a:p>
+            <a:pPr marL="0" indent="0">
+              <a:buNone/>
+            </a:pPr>
+            <a:r>
+              <a:rPr lang="pt-BR" b="1" dirty="0">
+                <a:latin typeface="+mj-lt"/>
+              </a:rPr>
+              <a:t>RF10 - Listar  Encontro</a:t>
+            </a:r>
+          </a:p>
+          <a:p>
+            <a:pPr marL="0" indent="0">
+              <a:buNone/>
+            </a:pPr>
+            <a:r>
+              <a:rPr lang="pt-BR" b="1" dirty="0">
+                <a:latin typeface="+mj-lt"/>
+              </a:rPr>
+              <a:t>RF11 - Finalizar TFC</a:t>
+            </a:r>
+          </a:p>
+          <a:p>
+            <a:pPr marL="0" indent="0">
+              <a:buNone/>
+            </a:pPr>
+            <a:r>
+              <a:rPr lang="pt-BR" b="1" dirty="0">
+                <a:latin typeface="+mj-lt"/>
+              </a:rPr>
+              <a:t>RF12 - Cadastrar Banca</a:t>
+            </a:r>
+          </a:p>
+          <a:p>
+            <a:pPr marL="0" indent="0">
+              <a:buNone/>
+            </a:pPr>
+            <a:r>
+              <a:rPr lang="pt-BR" b="1" dirty="0">
+                <a:latin typeface="+mj-lt"/>
+              </a:rPr>
+              <a:t>RF13 - Lançar Nota</a:t>
+            </a:r>
+          </a:p>
+          <a:p>
+            <a:pPr marL="0" indent="0">
+              <a:buNone/>
+            </a:pPr>
+            <a:endParaRPr lang="pt-BR" b="1" dirty="0">
+              <a:latin typeface="+mj-lt"/>
+            </a:endParaRPr>
+          </a:p>
+          <a:p>
+            <a:pPr marL="0" indent="0">
+              <a:buNone/>
+            </a:pPr>
+            <a:endParaRPr lang="pt-BR" b="1" dirty="0">
+              <a:latin typeface="+mj-lt"/>
+            </a:endParaRPr>
+          </a:p>
+          <a:p>
+            <a:pPr marL="0" indent="0">
+              <a:buNone/>
+            </a:pPr>
+            <a:endParaRPr lang="pt-PT" sz="2000" dirty="0">
+              <a:effectLst/>
+              <a:latin typeface="+mj-lt"/>
+              <a:ea typeface="Calibri" panose="020F0502020204030204" pitchFamily="34" charset="0"/>
+              <a:cs typeface="Arial" panose="020B0604020202020204" pitchFamily="34" charset="0"/>
+            </a:endParaRPr>
+          </a:p>
+          <a:p>
+            <a:endParaRPr lang="en-US" dirty="0"/>
+          </a:p>
+        </p:txBody>
+      </p:sp>
+      <p:sp>
+        <p:nvSpPr>
+          <p:cNvPr id="5" name="Título 1">
+            <a:extLst>
+              <a:ext uri="{FF2B5EF4-FFF2-40B4-BE49-F238E27FC236}">
+                <a16:creationId xmlns:a16="http://schemas.microsoft.com/office/drawing/2014/main" id="{203CF0FF-C572-2A23-F9F9-FC98E93F0222}"/>
+              </a:ext>
+            </a:extLst>
+          </p:cNvPr>
+          <p:cNvSpPr>
+            <a:spLocks noGrp="1"/>
+          </p:cNvSpPr>
+          <p:nvPr>
+            <p:ph type="title"/>
+          </p:nvPr>
+        </p:nvSpPr>
+        <p:spPr>
+          <a:xfrm>
+            <a:off x="2421922" y="407457"/>
+            <a:ext cx="8134865" cy="721485"/>
+          </a:xfrm>
+          <a:ln w="28575">
+            <a:noFill/>
+          </a:ln>
+        </p:spPr>
+        <p:txBody>
+          <a:bodyPr>
+            <a:normAutofit/>
+          </a:bodyPr>
+          <a:lstStyle/>
+          <a:p>
+            <a:pPr algn="ctr"/>
+            <a:r>
+              <a:rPr lang="pt-PT" sz="3600" b="1" dirty="0">
+                <a:solidFill>
+                  <a:schemeClr val="tx1"/>
+                </a:solidFill>
+                <a:cs typeface="Times New Roman" panose="02020603050405020304" pitchFamily="18" charset="0"/>
+              </a:rPr>
+              <a:t>REQUISITOS FUNCIONAIS</a:t>
+            </a:r>
+            <a:endParaRPr lang="pt-PT" sz="3600" b="1" dirty="0">
+              <a:solidFill>
+                <a:schemeClr val="tx1"/>
+              </a:solidFill>
+            </a:endParaRPr>
+          </a:p>
+        </p:txBody>
+      </p:sp>
+    </p:spTree>
+    <p:extLst>
+      <p:ext uri="{BB962C8B-B14F-4D97-AF65-F5344CB8AC3E}">
+        <p14:creationId xmlns:p14="http://schemas.microsoft.com/office/powerpoint/2010/main" val="2208457372"/>
+      </p:ext>
+    </p:extLst>
+  </p:cSld>
+  <p:clrMapOvr>
+    <a:masterClrMapping/>
+  </p:clrMapOvr>
+</p:sld>
+</file>
+
+<file path=ppt/slides/slide15.xml><?xml version="1.0" encoding="utf-8"?>
+<p:sld xmlns:a="http://schemas.openxmlformats.org/drawingml/2006/main" xmlns:r="http://schemas.openxmlformats.org/officeDocument/2006/relationships" xmlns:p="http://schemas.openxmlformats.org/presentationml/2006/main">
+  <p:cSld>
+    <p:spTree>
+      <p:nvGrpSpPr>
+        <p:cNvPr id="1" name=""/>
+        <p:cNvGrpSpPr/>
+        <p:nvPr/>
+      </p:nvGrpSpPr>
+      <p:grpSpPr>
+        <a:xfrm>
+          <a:off x="0" y="0"/>
+          <a:ext cx="0" cy="0"/>
+          <a:chOff x="0" y="0"/>
+          <a:chExt cx="0" cy="0"/>
+        </a:xfrm>
+      </p:grpSpPr>
       <p:graphicFrame>
         <p:nvGraphicFramePr>
           <p:cNvPr id="6" name="Table 5">
@@ -9980,14 +10266,14 @@
           <p:nvPr>
             <p:extLst>
               <p:ext uri="{D42A27DB-BD31-4B8C-83A1-F6EECF244321}">
-                <p14:modId xmlns:p14="http://schemas.microsoft.com/office/powerpoint/2010/main" val="523254176"/>
+                <p14:modId xmlns:p14="http://schemas.microsoft.com/office/powerpoint/2010/main" val="2392601750"/>
               </p:ext>
             </p:extLst>
           </p:nvPr>
         </p:nvGraphicFramePr>
         <p:xfrm>
           <a:off x="1578258" y="1562381"/>
-          <a:ext cx="9859617" cy="3948761"/>
+          <a:ext cx="9859617" cy="3903549"/>
         </p:xfrm>
         <a:graphic>
           <a:graphicData uri="http://schemas.openxmlformats.org/drawingml/2006/table">
@@ -10196,11 +10482,18 @@
                         </a:spcAft>
                       </a:pPr>
                       <a:r>
+                        <a:rPr lang="pt-BR" sz="1600" dirty="0">
+                          <a:effectLst/>
+                          <a:latin typeface="+mj-lt"/>
+                        </a:rPr>
+                        <a:t>A integridade e confidencialidade das informações são asseguradas através de mecanismos de controlo de acesso de usuários não autorizados, através de senha e  definição de acesso para cada usuário</a:t>
+                      </a:r>
+                      <a:r>
                         <a:rPr lang="pt-PT" sz="1600" dirty="0">
                           <a:effectLst/>
                           <a:latin typeface="+mj-lt"/>
                         </a:rPr>
-                        <a:t>O MÓDULO DEVE GARANTIR QUE AS TRANSFERÊNCIAS FEITAS SEJAM SEGURAS, MINIMIZANDO ASSIM OS RISCOS DURANTE O PROCESSO. </a:t>
+                        <a:t>. </a:t>
                       </a:r>
                       <a:endParaRPr lang="pt-PT" sz="1600" dirty="0">
                         <a:effectLst/>
@@ -10269,13 +10562,13 @@
                         </a:spcAft>
                       </a:pPr>
                       <a:r>
-                        <a:rPr lang="pt-PT" sz="1600" dirty="0">
+                        <a:rPr lang="pt-PT" sz="1600" b="1" dirty="0">
                           <a:effectLst/>
                           <a:latin typeface="+mj-lt"/>
                         </a:rPr>
                         <a:t>DISPONIBILIDADE</a:t>
                       </a:r>
-                      <a:endParaRPr lang="pt-PT" sz="1600" dirty="0">
+                      <a:endParaRPr lang="pt-PT" sz="1600" b="1" dirty="0">
                         <a:effectLst/>
                         <a:latin typeface="+mj-lt"/>
                         <a:ea typeface="Calibri" panose="020F0502020204030204" pitchFamily="34" charset="0"/>
@@ -10375,13 +10668,13 @@
                         </a:spcAft>
                       </a:pPr>
                       <a:r>
-                        <a:rPr lang="pt-PT" sz="1600" dirty="0">
+                        <a:rPr lang="pt-PT" sz="1600" b="1" dirty="0">
                           <a:effectLst/>
                           <a:latin typeface="+mj-lt"/>
                         </a:rPr>
                         <a:t>CONFIABILIDADE</a:t>
                       </a:r>
-                      <a:endParaRPr lang="pt-PT" sz="1600" dirty="0">
+                      <a:endParaRPr lang="pt-PT" sz="1600" b="1" dirty="0">
                         <a:effectLst/>
                         <a:latin typeface="+mj-lt"/>
                         <a:ea typeface="Calibri" panose="020F0502020204030204" pitchFamily="34" charset="0"/>
@@ -10496,7 +10789,7 @@
 </p:sld>
 </file>
 
-<file path=ppt/slides/slide15.xml><?xml version="1.0" encoding="utf-8"?>
+<file path=ppt/slides/slide16.xml><?xml version="1.0" encoding="utf-8"?>
 <p:sld xmlns:a="http://schemas.openxmlformats.org/drawingml/2006/main" xmlns:r="http://schemas.openxmlformats.org/officeDocument/2006/relationships" xmlns:p="http://schemas.openxmlformats.org/presentationml/2006/main">
   <p:cSld>
     <p:spTree>
@@ -10535,7 +10828,7 @@
         </p:nvGraphicFramePr>
         <p:xfrm>
           <a:off x="1250950" y="1580259"/>
-          <a:ext cx="10179050" cy="3607208"/>
+          <a:ext cx="10179050" cy="3561996"/>
         </p:xfrm>
         <a:graphic>
           <a:graphicData uri="http://schemas.openxmlformats.org/drawingml/2006/table">
@@ -10982,7 +11275,7 @@
 </p:sld>
 </file>
 
-<file path=ppt/slides/slide16.xml><?xml version="1.0" encoding="utf-8"?>
+<file path=ppt/slides/slide17.xml><?xml version="1.0" encoding="utf-8"?>
 <p:sld xmlns:a="http://schemas.openxmlformats.org/drawingml/2006/main" xmlns:r="http://schemas.openxmlformats.org/officeDocument/2006/relationships" xmlns:p="http://schemas.openxmlformats.org/presentationml/2006/main">
   <p:cSld>
     <p:spTree>
@@ -11013,7 +11306,7 @@
         </p:nvSpPr>
         <p:spPr>
           <a:xfrm>
-            <a:off x="2225615" y="164993"/>
+            <a:off x="2225615" y="3105834"/>
             <a:ext cx="7560949" cy="646331"/>
           </a:xfrm>
           <a:prstGeom prst="rect">
@@ -11043,401 +11336,10 @@
           </a:p>
         </p:txBody>
       </p:sp>
-      <p:pic>
-        <p:nvPicPr>
-          <p:cNvPr id="5" name="Imagem 3">
-            <a:extLst>
-              <a:ext uri="{FF2B5EF4-FFF2-40B4-BE49-F238E27FC236}">
-                <a16:creationId xmlns:a16="http://schemas.microsoft.com/office/drawing/2014/main" id="{83B502E1-A7B2-23AF-715B-576314B86D93}"/>
-              </a:ext>
-            </a:extLst>
-          </p:cNvPr>
-          <p:cNvPicPr>
-            <a:picLocks noChangeAspect="1"/>
-          </p:cNvPicPr>
-          <p:nvPr/>
-        </p:nvPicPr>
-        <p:blipFill>
-          <a:blip r:embed="rId2">
-            <a:extLst>
-              <a:ext uri="{28A0092B-C50C-407E-A947-70E740481C1C}">
-                <a14:useLocalDpi xmlns:a14="http://schemas.microsoft.com/office/drawing/2010/main" val="0"/>
-              </a:ext>
-            </a:extLst>
-          </a:blip>
-          <a:srcRect/>
-          <a:stretch>
-            <a:fillRect/>
-          </a:stretch>
-        </p:blipFill>
-        <p:spPr bwMode="auto">
-          <a:xfrm>
-            <a:off x="1129891" y="811324"/>
-            <a:ext cx="10179785" cy="5736125"/>
-          </a:xfrm>
-          <a:prstGeom prst="rect">
-            <a:avLst/>
-          </a:prstGeom>
-          <a:noFill/>
-          <a:ln>
-            <a:noFill/>
-          </a:ln>
-        </p:spPr>
-      </p:pic>
     </p:spTree>
     <p:extLst>
       <p:ext uri="{BB962C8B-B14F-4D97-AF65-F5344CB8AC3E}">
-        <p14:creationId xmlns:p14="http://schemas.microsoft.com/office/powerpoint/2010/main" val="3988242190"/>
-      </p:ext>
-    </p:extLst>
-  </p:cSld>
-  <p:clrMapOvr>
-    <a:masterClrMapping/>
-  </p:clrMapOvr>
-</p:sld>
-</file>
-
-<file path=ppt/slides/slide17.xml><?xml version="1.0" encoding="utf-8"?>
-<p:sld xmlns:a="http://schemas.openxmlformats.org/drawingml/2006/main" xmlns:r="http://schemas.openxmlformats.org/officeDocument/2006/relationships" xmlns:p="http://schemas.openxmlformats.org/presentationml/2006/main">
-  <p:cSld>
-    <p:spTree>
-      <p:nvGrpSpPr>
-        <p:cNvPr id="1" name=""/>
-        <p:cNvGrpSpPr/>
-        <p:nvPr/>
-      </p:nvGrpSpPr>
-      <p:grpSpPr>
-        <a:xfrm>
-          <a:off x="0" y="0"/>
-          <a:ext cx="0" cy="0"/>
-          <a:chOff x="0" y="0"/>
-          <a:chExt cx="0" cy="0"/>
-        </a:xfrm>
-      </p:grpSpPr>
-      <p:sp>
-        <p:nvSpPr>
-          <p:cNvPr id="5" name="Marcador de Posição de Conteúdo 2"/>
-          <p:cNvSpPr txBox="1">
-            <a:spLocks/>
-          </p:cNvSpPr>
-          <p:nvPr/>
-        </p:nvSpPr>
-        <p:spPr>
-          <a:xfrm>
-            <a:off x="2627870" y="175075"/>
-            <a:ext cx="8113383" cy="739325"/>
-          </a:xfrm>
-          <a:prstGeom prst="rect">
-            <a:avLst/>
-          </a:prstGeom>
-          <a:ln w="28575">
-            <a:noFill/>
-          </a:ln>
-        </p:spPr>
-        <p:txBody>
-          <a:bodyPr vert="horz" lIns="0" tIns="45720" rIns="0" bIns="45720" rtlCol="0">
-            <a:noAutofit/>
-          </a:bodyPr>
-          <a:lstStyle>
-            <a:lvl1pPr marL="91440" indent="-91440" algn="l" defTabSz="914400" rtl="0" eaLnBrk="1" latinLnBrk="0" hangingPunct="1">
-              <a:lnSpc>
-                <a:spcPct val="90000"/>
-              </a:lnSpc>
-              <a:spcBef>
-                <a:spcPts val="1200"/>
-              </a:spcBef>
-              <a:spcAft>
-                <a:spcPts val="200"/>
-              </a:spcAft>
-              <a:buClr>
-                <a:schemeClr val="accent1"/>
-              </a:buClr>
-              <a:buSzPct val="100000"/>
-              <a:buFont typeface="Calibri" panose="020F0502020204030204" pitchFamily="34" charset="0"/>
-              <a:buChar char=" "/>
-              <a:defRPr sz="2000" kern="1200">
-                <a:solidFill>
-                  <a:schemeClr val="tx1">
-                    <a:lumMod val="75000"/>
-                    <a:lumOff val="25000"/>
-                  </a:schemeClr>
-                </a:solidFill>
-                <a:latin typeface="+mn-lt"/>
-                <a:ea typeface="+mn-ea"/>
-                <a:cs typeface="+mn-cs"/>
-              </a:defRPr>
-            </a:lvl1pPr>
-            <a:lvl2pPr marL="384048" indent="-182880" algn="l" defTabSz="914400" rtl="0" eaLnBrk="1" latinLnBrk="0" hangingPunct="1">
-              <a:lnSpc>
-                <a:spcPct val="90000"/>
-              </a:lnSpc>
-              <a:spcBef>
-                <a:spcPts val="200"/>
-              </a:spcBef>
-              <a:spcAft>
-                <a:spcPts val="400"/>
-              </a:spcAft>
-              <a:buClr>
-                <a:schemeClr val="accent1"/>
-              </a:buClr>
-              <a:buFont typeface="Calibri" pitchFamily="34" charset="0"/>
-              <a:buChar char="◦"/>
-              <a:defRPr sz="1800" kern="1200">
-                <a:solidFill>
-                  <a:schemeClr val="tx1">
-                    <a:lumMod val="75000"/>
-                    <a:lumOff val="25000"/>
-                  </a:schemeClr>
-                </a:solidFill>
-                <a:latin typeface="+mn-lt"/>
-                <a:ea typeface="+mn-ea"/>
-                <a:cs typeface="+mn-cs"/>
-              </a:defRPr>
-            </a:lvl2pPr>
-            <a:lvl3pPr marL="566928" indent="-182880" algn="l" defTabSz="914400" rtl="0" eaLnBrk="1" latinLnBrk="0" hangingPunct="1">
-              <a:lnSpc>
-                <a:spcPct val="90000"/>
-              </a:lnSpc>
-              <a:spcBef>
-                <a:spcPts val="200"/>
-              </a:spcBef>
-              <a:spcAft>
-                <a:spcPts val="400"/>
-              </a:spcAft>
-              <a:buClr>
-                <a:schemeClr val="accent1"/>
-              </a:buClr>
-              <a:buFont typeface="Calibri" pitchFamily="34" charset="0"/>
-              <a:buChar char="◦"/>
-              <a:defRPr sz="1400" kern="1200">
-                <a:solidFill>
-                  <a:schemeClr val="tx1">
-                    <a:lumMod val="75000"/>
-                    <a:lumOff val="25000"/>
-                  </a:schemeClr>
-                </a:solidFill>
-                <a:latin typeface="+mn-lt"/>
-                <a:ea typeface="+mn-ea"/>
-                <a:cs typeface="+mn-cs"/>
-              </a:defRPr>
-            </a:lvl3pPr>
-            <a:lvl4pPr marL="749808" indent="-182880" algn="l" defTabSz="914400" rtl="0" eaLnBrk="1" latinLnBrk="0" hangingPunct="1">
-              <a:lnSpc>
-                <a:spcPct val="90000"/>
-              </a:lnSpc>
-              <a:spcBef>
-                <a:spcPts val="200"/>
-              </a:spcBef>
-              <a:spcAft>
-                <a:spcPts val="400"/>
-              </a:spcAft>
-              <a:buClr>
-                <a:schemeClr val="accent1"/>
-              </a:buClr>
-              <a:buFont typeface="Calibri" pitchFamily="34" charset="0"/>
-              <a:buChar char="◦"/>
-              <a:defRPr sz="1400" kern="1200">
-                <a:solidFill>
-                  <a:schemeClr val="tx1">
-                    <a:lumMod val="75000"/>
-                    <a:lumOff val="25000"/>
-                  </a:schemeClr>
-                </a:solidFill>
-                <a:latin typeface="+mn-lt"/>
-                <a:ea typeface="+mn-ea"/>
-                <a:cs typeface="+mn-cs"/>
-              </a:defRPr>
-            </a:lvl4pPr>
-            <a:lvl5pPr marL="932688" indent="-182880" algn="l" defTabSz="914400" rtl="0" eaLnBrk="1" latinLnBrk="0" hangingPunct="1">
-              <a:lnSpc>
-                <a:spcPct val="90000"/>
-              </a:lnSpc>
-              <a:spcBef>
-                <a:spcPts val="200"/>
-              </a:spcBef>
-              <a:spcAft>
-                <a:spcPts val="400"/>
-              </a:spcAft>
-              <a:buClr>
-                <a:schemeClr val="accent1"/>
-              </a:buClr>
-              <a:buFont typeface="Calibri" pitchFamily="34" charset="0"/>
-              <a:buChar char="◦"/>
-              <a:defRPr sz="1400" kern="1200">
-                <a:solidFill>
-                  <a:schemeClr val="tx1">
-                    <a:lumMod val="75000"/>
-                    <a:lumOff val="25000"/>
-                  </a:schemeClr>
-                </a:solidFill>
-                <a:latin typeface="+mn-lt"/>
-                <a:ea typeface="+mn-ea"/>
-                <a:cs typeface="+mn-cs"/>
-              </a:defRPr>
-            </a:lvl5pPr>
-            <a:lvl6pPr marL="1100000" indent="-228600" algn="l" defTabSz="914400" rtl="0" eaLnBrk="1" latinLnBrk="0" hangingPunct="1">
-              <a:lnSpc>
-                <a:spcPct val="90000"/>
-              </a:lnSpc>
-              <a:spcBef>
-                <a:spcPts val="200"/>
-              </a:spcBef>
-              <a:spcAft>
-                <a:spcPts val="400"/>
-              </a:spcAft>
-              <a:buClr>
-                <a:schemeClr val="accent1"/>
-              </a:buClr>
-              <a:buFont typeface="Calibri" pitchFamily="34" charset="0"/>
-              <a:buChar char="◦"/>
-              <a:defRPr sz="1400" kern="1200">
-                <a:solidFill>
-                  <a:schemeClr val="tx1">
-                    <a:lumMod val="75000"/>
-                    <a:lumOff val="25000"/>
-                  </a:schemeClr>
-                </a:solidFill>
-                <a:latin typeface="+mn-lt"/>
-                <a:ea typeface="+mn-ea"/>
-                <a:cs typeface="+mn-cs"/>
-              </a:defRPr>
-            </a:lvl6pPr>
-            <a:lvl7pPr marL="1300000" indent="-228600" algn="l" defTabSz="914400" rtl="0" eaLnBrk="1" latinLnBrk="0" hangingPunct="1">
-              <a:lnSpc>
-                <a:spcPct val="90000"/>
-              </a:lnSpc>
-              <a:spcBef>
-                <a:spcPts val="200"/>
-              </a:spcBef>
-              <a:spcAft>
-                <a:spcPts val="400"/>
-              </a:spcAft>
-              <a:buClr>
-                <a:schemeClr val="accent1"/>
-              </a:buClr>
-              <a:buFont typeface="Calibri" pitchFamily="34" charset="0"/>
-              <a:buChar char="◦"/>
-              <a:defRPr sz="1400" kern="1200">
-                <a:solidFill>
-                  <a:schemeClr val="tx1">
-                    <a:lumMod val="75000"/>
-                    <a:lumOff val="25000"/>
-                  </a:schemeClr>
-                </a:solidFill>
-                <a:latin typeface="+mn-lt"/>
-                <a:ea typeface="+mn-ea"/>
-                <a:cs typeface="+mn-cs"/>
-              </a:defRPr>
-            </a:lvl7pPr>
-            <a:lvl8pPr marL="1500000" indent="-228600" algn="l" defTabSz="914400" rtl="0" eaLnBrk="1" latinLnBrk="0" hangingPunct="1">
-              <a:lnSpc>
-                <a:spcPct val="90000"/>
-              </a:lnSpc>
-              <a:spcBef>
-                <a:spcPts val="200"/>
-              </a:spcBef>
-              <a:spcAft>
-                <a:spcPts val="400"/>
-              </a:spcAft>
-              <a:buClr>
-                <a:schemeClr val="accent1"/>
-              </a:buClr>
-              <a:buFont typeface="Calibri" pitchFamily="34" charset="0"/>
-              <a:buChar char="◦"/>
-              <a:defRPr sz="1400" kern="1200">
-                <a:solidFill>
-                  <a:schemeClr val="tx1">
-                    <a:lumMod val="75000"/>
-                    <a:lumOff val="25000"/>
-                  </a:schemeClr>
-                </a:solidFill>
-                <a:latin typeface="+mn-lt"/>
-                <a:ea typeface="+mn-ea"/>
-                <a:cs typeface="+mn-cs"/>
-              </a:defRPr>
-            </a:lvl8pPr>
-            <a:lvl9pPr marL="1700000" indent="-228600" algn="l" defTabSz="914400" rtl="0" eaLnBrk="1" latinLnBrk="0" hangingPunct="1">
-              <a:lnSpc>
-                <a:spcPct val="90000"/>
-              </a:lnSpc>
-              <a:spcBef>
-                <a:spcPts val="200"/>
-              </a:spcBef>
-              <a:spcAft>
-                <a:spcPts val="400"/>
-              </a:spcAft>
-              <a:buClr>
-                <a:schemeClr val="accent1"/>
-              </a:buClr>
-              <a:buFont typeface="Calibri" pitchFamily="34" charset="0"/>
-              <a:buChar char="◦"/>
-              <a:defRPr sz="1400" kern="1200">
-                <a:solidFill>
-                  <a:schemeClr val="tx1">
-                    <a:lumMod val="75000"/>
-                    <a:lumOff val="25000"/>
-                  </a:schemeClr>
-                </a:solidFill>
-                <a:latin typeface="+mn-lt"/>
-                <a:ea typeface="+mn-ea"/>
-                <a:cs typeface="+mn-cs"/>
-              </a:defRPr>
-            </a:lvl9pPr>
-          </a:lstStyle>
-          <a:p>
-            <a:pPr marL="0" indent="0" algn="ctr">
-              <a:buFont typeface="Calibri" panose="020F0502020204030204" pitchFamily="34" charset="0"/>
-              <a:buNone/>
-            </a:pPr>
-            <a:r>
-              <a:rPr lang="pt-PT" sz="3600" b="1" dirty="0">
-                <a:solidFill>
-                  <a:schemeClr val="tx1"/>
-                </a:solidFill>
-                <a:latin typeface="+mj-lt"/>
-              </a:rPr>
-              <a:t>DIAGRAMA DE ATIVIDADE</a:t>
-            </a:r>
-          </a:p>
-        </p:txBody>
-      </p:sp>
-      <p:pic>
-        <p:nvPicPr>
-          <p:cNvPr id="6" name="Picture 1"/>
-          <p:cNvPicPr/>
-          <p:nvPr/>
-        </p:nvPicPr>
-        <p:blipFill>
-          <a:blip r:embed="rId2">
-            <a:extLst>
-              <a:ext uri="{28A0092B-C50C-407E-A947-70E740481C1C}">
-                <a14:useLocalDpi xmlns:a14="http://schemas.microsoft.com/office/drawing/2010/main" val="0"/>
-              </a:ext>
-            </a:extLst>
-          </a:blip>
-          <a:srcRect/>
-          <a:stretch>
-            <a:fillRect/>
-          </a:stretch>
-        </p:blipFill>
-        <p:spPr bwMode="auto">
-          <a:xfrm>
-            <a:off x="2471452" y="914400"/>
-            <a:ext cx="7249095" cy="5603966"/>
-          </a:xfrm>
-          <a:prstGeom prst="rect">
-            <a:avLst/>
-          </a:prstGeom>
-          <a:noFill/>
-          <a:ln>
-            <a:noFill/>
-          </a:ln>
-        </p:spPr>
-      </p:pic>
-    </p:spTree>
-    <p:extLst>
-      <p:ext uri="{BB962C8B-B14F-4D97-AF65-F5344CB8AC3E}">
-        <p14:creationId xmlns:p14="http://schemas.microsoft.com/office/powerpoint/2010/main" val="2017200348"/>
+        <p14:creationId xmlns:p14="http://schemas.microsoft.com/office/powerpoint/2010/main" val="329115557"/>
       </p:ext>
     </p:extLst>
   </p:cSld>
@@ -11464,299 +11366,12 @@
           <a:chExt cx="0" cy="0"/>
         </a:xfrm>
       </p:grpSpPr>
-      <p:sp>
-        <p:nvSpPr>
-          <p:cNvPr id="5" name="Marcador de Posição de Conteúdo 2"/>
-          <p:cNvSpPr txBox="1">
-            <a:spLocks/>
-          </p:cNvSpPr>
-          <p:nvPr/>
-        </p:nvSpPr>
-        <p:spPr>
-          <a:xfrm>
-            <a:off x="2627870" y="175075"/>
-            <a:ext cx="8113383" cy="739325"/>
-          </a:xfrm>
-          <a:prstGeom prst="rect">
-            <a:avLst/>
-          </a:prstGeom>
-          <a:ln w="28575">
-            <a:noFill/>
-          </a:ln>
-        </p:spPr>
-        <p:txBody>
-          <a:bodyPr vert="horz" lIns="0" tIns="45720" rIns="0" bIns="45720" rtlCol="0">
-            <a:noAutofit/>
-          </a:bodyPr>
-          <a:lstStyle>
-            <a:lvl1pPr marL="91440" indent="-91440" algn="l" defTabSz="914400" rtl="0" eaLnBrk="1" latinLnBrk="0" hangingPunct="1">
-              <a:lnSpc>
-                <a:spcPct val="90000"/>
-              </a:lnSpc>
-              <a:spcBef>
-                <a:spcPts val="1200"/>
-              </a:spcBef>
-              <a:spcAft>
-                <a:spcPts val="200"/>
-              </a:spcAft>
-              <a:buClr>
-                <a:schemeClr val="accent1"/>
-              </a:buClr>
-              <a:buSzPct val="100000"/>
-              <a:buFont typeface="Calibri" panose="020F0502020204030204" pitchFamily="34" charset="0"/>
-              <a:buChar char=" "/>
-              <a:defRPr sz="2000" kern="1200">
-                <a:solidFill>
-                  <a:schemeClr val="tx1">
-                    <a:lumMod val="75000"/>
-                    <a:lumOff val="25000"/>
-                  </a:schemeClr>
-                </a:solidFill>
-                <a:latin typeface="+mn-lt"/>
-                <a:ea typeface="+mn-ea"/>
-                <a:cs typeface="+mn-cs"/>
-              </a:defRPr>
-            </a:lvl1pPr>
-            <a:lvl2pPr marL="384048" indent="-182880" algn="l" defTabSz="914400" rtl="0" eaLnBrk="1" latinLnBrk="0" hangingPunct="1">
-              <a:lnSpc>
-                <a:spcPct val="90000"/>
-              </a:lnSpc>
-              <a:spcBef>
-                <a:spcPts val="200"/>
-              </a:spcBef>
-              <a:spcAft>
-                <a:spcPts val="400"/>
-              </a:spcAft>
-              <a:buClr>
-                <a:schemeClr val="accent1"/>
-              </a:buClr>
-              <a:buFont typeface="Calibri" pitchFamily="34" charset="0"/>
-              <a:buChar char="◦"/>
-              <a:defRPr sz="1800" kern="1200">
-                <a:solidFill>
-                  <a:schemeClr val="tx1">
-                    <a:lumMod val="75000"/>
-                    <a:lumOff val="25000"/>
-                  </a:schemeClr>
-                </a:solidFill>
-                <a:latin typeface="+mn-lt"/>
-                <a:ea typeface="+mn-ea"/>
-                <a:cs typeface="+mn-cs"/>
-              </a:defRPr>
-            </a:lvl2pPr>
-            <a:lvl3pPr marL="566928" indent="-182880" algn="l" defTabSz="914400" rtl="0" eaLnBrk="1" latinLnBrk="0" hangingPunct="1">
-              <a:lnSpc>
-                <a:spcPct val="90000"/>
-              </a:lnSpc>
-              <a:spcBef>
-                <a:spcPts val="200"/>
-              </a:spcBef>
-              <a:spcAft>
-                <a:spcPts val="400"/>
-              </a:spcAft>
-              <a:buClr>
-                <a:schemeClr val="accent1"/>
-              </a:buClr>
-              <a:buFont typeface="Calibri" pitchFamily="34" charset="0"/>
-              <a:buChar char="◦"/>
-              <a:defRPr sz="1400" kern="1200">
-                <a:solidFill>
-                  <a:schemeClr val="tx1">
-                    <a:lumMod val="75000"/>
-                    <a:lumOff val="25000"/>
-                  </a:schemeClr>
-                </a:solidFill>
-                <a:latin typeface="+mn-lt"/>
-                <a:ea typeface="+mn-ea"/>
-                <a:cs typeface="+mn-cs"/>
-              </a:defRPr>
-            </a:lvl3pPr>
-            <a:lvl4pPr marL="749808" indent="-182880" algn="l" defTabSz="914400" rtl="0" eaLnBrk="1" latinLnBrk="0" hangingPunct="1">
-              <a:lnSpc>
-                <a:spcPct val="90000"/>
-              </a:lnSpc>
-              <a:spcBef>
-                <a:spcPts val="200"/>
-              </a:spcBef>
-              <a:spcAft>
-                <a:spcPts val="400"/>
-              </a:spcAft>
-              <a:buClr>
-                <a:schemeClr val="accent1"/>
-              </a:buClr>
-              <a:buFont typeface="Calibri" pitchFamily="34" charset="0"/>
-              <a:buChar char="◦"/>
-              <a:defRPr sz="1400" kern="1200">
-                <a:solidFill>
-                  <a:schemeClr val="tx1">
-                    <a:lumMod val="75000"/>
-                    <a:lumOff val="25000"/>
-                  </a:schemeClr>
-                </a:solidFill>
-                <a:latin typeface="+mn-lt"/>
-                <a:ea typeface="+mn-ea"/>
-                <a:cs typeface="+mn-cs"/>
-              </a:defRPr>
-            </a:lvl4pPr>
-            <a:lvl5pPr marL="932688" indent="-182880" algn="l" defTabSz="914400" rtl="0" eaLnBrk="1" latinLnBrk="0" hangingPunct="1">
-              <a:lnSpc>
-                <a:spcPct val="90000"/>
-              </a:lnSpc>
-              <a:spcBef>
-                <a:spcPts val="200"/>
-              </a:spcBef>
-              <a:spcAft>
-                <a:spcPts val="400"/>
-              </a:spcAft>
-              <a:buClr>
-                <a:schemeClr val="accent1"/>
-              </a:buClr>
-              <a:buFont typeface="Calibri" pitchFamily="34" charset="0"/>
-              <a:buChar char="◦"/>
-              <a:defRPr sz="1400" kern="1200">
-                <a:solidFill>
-                  <a:schemeClr val="tx1">
-                    <a:lumMod val="75000"/>
-                    <a:lumOff val="25000"/>
-                  </a:schemeClr>
-                </a:solidFill>
-                <a:latin typeface="+mn-lt"/>
-                <a:ea typeface="+mn-ea"/>
-                <a:cs typeface="+mn-cs"/>
-              </a:defRPr>
-            </a:lvl5pPr>
-            <a:lvl6pPr marL="1100000" indent="-228600" algn="l" defTabSz="914400" rtl="0" eaLnBrk="1" latinLnBrk="0" hangingPunct="1">
-              <a:lnSpc>
-                <a:spcPct val="90000"/>
-              </a:lnSpc>
-              <a:spcBef>
-                <a:spcPts val="200"/>
-              </a:spcBef>
-              <a:spcAft>
-                <a:spcPts val="400"/>
-              </a:spcAft>
-              <a:buClr>
-                <a:schemeClr val="accent1"/>
-              </a:buClr>
-              <a:buFont typeface="Calibri" pitchFamily="34" charset="0"/>
-              <a:buChar char="◦"/>
-              <a:defRPr sz="1400" kern="1200">
-                <a:solidFill>
-                  <a:schemeClr val="tx1">
-                    <a:lumMod val="75000"/>
-                    <a:lumOff val="25000"/>
-                  </a:schemeClr>
-                </a:solidFill>
-                <a:latin typeface="+mn-lt"/>
-                <a:ea typeface="+mn-ea"/>
-                <a:cs typeface="+mn-cs"/>
-              </a:defRPr>
-            </a:lvl6pPr>
-            <a:lvl7pPr marL="1300000" indent="-228600" algn="l" defTabSz="914400" rtl="0" eaLnBrk="1" latinLnBrk="0" hangingPunct="1">
-              <a:lnSpc>
-                <a:spcPct val="90000"/>
-              </a:lnSpc>
-              <a:spcBef>
-                <a:spcPts val="200"/>
-              </a:spcBef>
-              <a:spcAft>
-                <a:spcPts val="400"/>
-              </a:spcAft>
-              <a:buClr>
-                <a:schemeClr val="accent1"/>
-              </a:buClr>
-              <a:buFont typeface="Calibri" pitchFamily="34" charset="0"/>
-              <a:buChar char="◦"/>
-              <a:defRPr sz="1400" kern="1200">
-                <a:solidFill>
-                  <a:schemeClr val="tx1">
-                    <a:lumMod val="75000"/>
-                    <a:lumOff val="25000"/>
-                  </a:schemeClr>
-                </a:solidFill>
-                <a:latin typeface="+mn-lt"/>
-                <a:ea typeface="+mn-ea"/>
-                <a:cs typeface="+mn-cs"/>
-              </a:defRPr>
-            </a:lvl7pPr>
-            <a:lvl8pPr marL="1500000" indent="-228600" algn="l" defTabSz="914400" rtl="0" eaLnBrk="1" latinLnBrk="0" hangingPunct="1">
-              <a:lnSpc>
-                <a:spcPct val="90000"/>
-              </a:lnSpc>
-              <a:spcBef>
-                <a:spcPts val="200"/>
-              </a:spcBef>
-              <a:spcAft>
-                <a:spcPts val="400"/>
-              </a:spcAft>
-              <a:buClr>
-                <a:schemeClr val="accent1"/>
-              </a:buClr>
-              <a:buFont typeface="Calibri" pitchFamily="34" charset="0"/>
-              <a:buChar char="◦"/>
-              <a:defRPr sz="1400" kern="1200">
-                <a:solidFill>
-                  <a:schemeClr val="tx1">
-                    <a:lumMod val="75000"/>
-                    <a:lumOff val="25000"/>
-                  </a:schemeClr>
-                </a:solidFill>
-                <a:latin typeface="+mn-lt"/>
-                <a:ea typeface="+mn-ea"/>
-                <a:cs typeface="+mn-cs"/>
-              </a:defRPr>
-            </a:lvl8pPr>
-            <a:lvl9pPr marL="1700000" indent="-228600" algn="l" defTabSz="914400" rtl="0" eaLnBrk="1" latinLnBrk="0" hangingPunct="1">
-              <a:lnSpc>
-                <a:spcPct val="90000"/>
-              </a:lnSpc>
-              <a:spcBef>
-                <a:spcPts val="200"/>
-              </a:spcBef>
-              <a:spcAft>
-                <a:spcPts val="400"/>
-              </a:spcAft>
-              <a:buClr>
-                <a:schemeClr val="accent1"/>
-              </a:buClr>
-              <a:buFont typeface="Calibri" pitchFamily="34" charset="0"/>
-              <a:buChar char="◦"/>
-              <a:defRPr sz="1400" kern="1200">
-                <a:solidFill>
-                  <a:schemeClr val="tx1">
-                    <a:lumMod val="75000"/>
-                    <a:lumOff val="25000"/>
-                  </a:schemeClr>
-                </a:solidFill>
-                <a:latin typeface="+mn-lt"/>
-                <a:ea typeface="+mn-ea"/>
-                <a:cs typeface="+mn-cs"/>
-              </a:defRPr>
-            </a:lvl9pPr>
-          </a:lstStyle>
-          <a:p>
-            <a:pPr marL="0" indent="0" algn="ctr">
-              <a:buFont typeface="Calibri" panose="020F0502020204030204" pitchFamily="34" charset="0"/>
-              <a:buNone/>
-            </a:pPr>
-            <a:r>
-              <a:rPr lang="pt-PT" sz="3600" b="1" dirty="0">
-                <a:solidFill>
-                  <a:schemeClr val="tx1"/>
-                </a:solidFill>
-                <a:latin typeface="+mj-lt"/>
-              </a:rPr>
-              <a:t>DIAGRAMA DE CLASSE</a:t>
-            </a:r>
-          </a:p>
-        </p:txBody>
-      </p:sp>
       <p:pic>
         <p:nvPicPr>
-          <p:cNvPr id="2" name="Picture 1">
+          <p:cNvPr id="5" name="Imagem 3">
             <a:extLst>
               <a:ext uri="{FF2B5EF4-FFF2-40B4-BE49-F238E27FC236}">
-                <a16:creationId xmlns:a16="http://schemas.microsoft.com/office/drawing/2014/main" id="{D1A1B69D-F10E-8A92-D86D-298C0C7D494B}"/>
+                <a16:creationId xmlns:a16="http://schemas.microsoft.com/office/drawing/2014/main" id="{83B502E1-A7B2-23AF-715B-576314B86D93}"/>
               </a:ext>
             </a:extLst>
           </p:cNvPr>
@@ -11773,14 +11388,13 @@
               </a:ext>
             </a:extLst>
           </a:blip>
-          <a:stretch>
-            <a:fillRect/>
-          </a:stretch>
+          <a:srcRect/>
+          <a:stretch/>
         </p:blipFill>
         <p:spPr bwMode="auto">
           <a:xfrm>
-            <a:off x="1927069" y="1105534"/>
-            <a:ext cx="9130137" cy="5577391"/>
+            <a:off x="2003834" y="-280657"/>
+            <a:ext cx="8184332" cy="7451002"/>
           </a:xfrm>
           <a:prstGeom prst="rect">
             <a:avLst/>
@@ -11794,7 +11408,7 @@
     </p:spTree>
     <p:extLst>
       <p:ext uri="{BB962C8B-B14F-4D97-AF65-F5344CB8AC3E}">
-        <p14:creationId xmlns:p14="http://schemas.microsoft.com/office/powerpoint/2010/main" val="4262707068"/>
+        <p14:creationId xmlns:p14="http://schemas.microsoft.com/office/powerpoint/2010/main" val="3988242190"/>
       </p:ext>
     </p:extLst>
   </p:cSld>
@@ -12103,23 +11717,15 @@
                 </a:solidFill>
                 <a:latin typeface="+mj-lt"/>
               </a:rPr>
-              <a:t>MODELO CONCETUAL</a:t>
+              <a:t>DIAGRAMA DE ATIVIDADE</a:t>
             </a:r>
           </a:p>
         </p:txBody>
       </p:sp>
       <p:pic>
         <p:nvPicPr>
-          <p:cNvPr id="2" name="Picture 1">
-            <a:extLst>
-              <a:ext uri="{FF2B5EF4-FFF2-40B4-BE49-F238E27FC236}">
-                <a16:creationId xmlns:a16="http://schemas.microsoft.com/office/drawing/2014/main" id="{965B0E5B-1143-55BD-BFA9-AC418D760B3F}"/>
-              </a:ext>
-            </a:extLst>
-          </p:cNvPr>
-          <p:cNvPicPr>
-            <a:picLocks noChangeAspect="1"/>
-          </p:cNvPicPr>
+          <p:cNvPr id="6" name="Picture 1"/>
+          <p:cNvPicPr/>
           <p:nvPr/>
         </p:nvPicPr>
         <p:blipFill>
@@ -12137,8 +11743,8 @@
         </p:blipFill>
         <p:spPr bwMode="auto">
           <a:xfrm>
-            <a:off x="1851493" y="914400"/>
-            <a:ext cx="9131306" cy="5602287"/>
+            <a:off x="2471452" y="914400"/>
+            <a:ext cx="7249095" cy="5603966"/>
           </a:xfrm>
           <a:prstGeom prst="rect">
             <a:avLst/>
@@ -12152,7 +11758,7 @@
     </p:spTree>
     <p:extLst>
       <p:ext uri="{BB962C8B-B14F-4D97-AF65-F5344CB8AC3E}">
-        <p14:creationId xmlns:p14="http://schemas.microsoft.com/office/powerpoint/2010/main" val="3903672383"/>
+        <p14:creationId xmlns:p14="http://schemas.microsoft.com/office/powerpoint/2010/main" val="2017200348"/>
       </p:ext>
     </p:extLst>
   </p:cSld>
@@ -12743,6 +12349,721 @@
                 </a:solidFill>
                 <a:latin typeface="+mj-lt"/>
               </a:rPr>
+              <a:t>DIAGRAMA DE CLASSE</a:t>
+            </a:r>
+          </a:p>
+        </p:txBody>
+      </p:sp>
+      <p:pic>
+        <p:nvPicPr>
+          <p:cNvPr id="2" name="Picture 1">
+            <a:extLst>
+              <a:ext uri="{FF2B5EF4-FFF2-40B4-BE49-F238E27FC236}">
+                <a16:creationId xmlns:a16="http://schemas.microsoft.com/office/drawing/2014/main" id="{D1A1B69D-F10E-8A92-D86D-298C0C7D494B}"/>
+              </a:ext>
+            </a:extLst>
+          </p:cNvPr>
+          <p:cNvPicPr>
+            <a:picLocks noChangeAspect="1"/>
+          </p:cNvPicPr>
+          <p:nvPr/>
+        </p:nvPicPr>
+        <p:blipFill>
+          <a:blip r:embed="rId2">
+            <a:extLst>
+              <a:ext uri="{28A0092B-C50C-407E-A947-70E740481C1C}">
+                <a14:useLocalDpi xmlns:a14="http://schemas.microsoft.com/office/drawing/2010/main" val="0"/>
+              </a:ext>
+            </a:extLst>
+          </a:blip>
+          <a:stretch>
+            <a:fillRect/>
+          </a:stretch>
+        </p:blipFill>
+        <p:spPr bwMode="auto">
+          <a:xfrm>
+            <a:off x="1927069" y="1105534"/>
+            <a:ext cx="9130137" cy="5577391"/>
+          </a:xfrm>
+          <a:prstGeom prst="rect">
+            <a:avLst/>
+          </a:prstGeom>
+          <a:noFill/>
+          <a:ln>
+            <a:noFill/>
+          </a:ln>
+        </p:spPr>
+      </p:pic>
+    </p:spTree>
+    <p:extLst>
+      <p:ext uri="{BB962C8B-B14F-4D97-AF65-F5344CB8AC3E}">
+        <p14:creationId xmlns:p14="http://schemas.microsoft.com/office/powerpoint/2010/main" val="4262707068"/>
+      </p:ext>
+    </p:extLst>
+  </p:cSld>
+  <p:clrMapOvr>
+    <a:masterClrMapping/>
+  </p:clrMapOvr>
+</p:sld>
+</file>
+
+<file path=ppt/slides/slide21.xml><?xml version="1.0" encoding="utf-8"?>
+<p:sld xmlns:a="http://schemas.openxmlformats.org/drawingml/2006/main" xmlns:r="http://schemas.openxmlformats.org/officeDocument/2006/relationships" xmlns:p="http://schemas.openxmlformats.org/presentationml/2006/main">
+  <p:cSld>
+    <p:spTree>
+      <p:nvGrpSpPr>
+        <p:cNvPr id="1" name=""/>
+        <p:cNvGrpSpPr/>
+        <p:nvPr/>
+      </p:nvGrpSpPr>
+      <p:grpSpPr>
+        <a:xfrm>
+          <a:off x="0" y="0"/>
+          <a:ext cx="0" cy="0"/>
+          <a:chOff x="0" y="0"/>
+          <a:chExt cx="0" cy="0"/>
+        </a:xfrm>
+      </p:grpSpPr>
+      <p:sp>
+        <p:nvSpPr>
+          <p:cNvPr id="5" name="Marcador de Posição de Conteúdo 2"/>
+          <p:cNvSpPr txBox="1">
+            <a:spLocks/>
+          </p:cNvSpPr>
+          <p:nvPr/>
+        </p:nvSpPr>
+        <p:spPr>
+          <a:xfrm>
+            <a:off x="2627870" y="175075"/>
+            <a:ext cx="8113383" cy="739325"/>
+          </a:xfrm>
+          <a:prstGeom prst="rect">
+            <a:avLst/>
+          </a:prstGeom>
+          <a:ln w="28575">
+            <a:noFill/>
+          </a:ln>
+        </p:spPr>
+        <p:txBody>
+          <a:bodyPr vert="horz" lIns="0" tIns="45720" rIns="0" bIns="45720" rtlCol="0">
+            <a:noAutofit/>
+          </a:bodyPr>
+          <a:lstStyle>
+            <a:lvl1pPr marL="91440" indent="-91440" algn="l" defTabSz="914400" rtl="0" eaLnBrk="1" latinLnBrk="0" hangingPunct="1">
+              <a:lnSpc>
+                <a:spcPct val="90000"/>
+              </a:lnSpc>
+              <a:spcBef>
+                <a:spcPts val="1200"/>
+              </a:spcBef>
+              <a:spcAft>
+                <a:spcPts val="200"/>
+              </a:spcAft>
+              <a:buClr>
+                <a:schemeClr val="accent1"/>
+              </a:buClr>
+              <a:buSzPct val="100000"/>
+              <a:buFont typeface="Calibri" panose="020F0502020204030204" pitchFamily="34" charset="0"/>
+              <a:buChar char=" "/>
+              <a:defRPr sz="2000" kern="1200">
+                <a:solidFill>
+                  <a:schemeClr val="tx1">
+                    <a:lumMod val="75000"/>
+                    <a:lumOff val="25000"/>
+                  </a:schemeClr>
+                </a:solidFill>
+                <a:latin typeface="+mn-lt"/>
+                <a:ea typeface="+mn-ea"/>
+                <a:cs typeface="+mn-cs"/>
+              </a:defRPr>
+            </a:lvl1pPr>
+            <a:lvl2pPr marL="384048" indent="-182880" algn="l" defTabSz="914400" rtl="0" eaLnBrk="1" latinLnBrk="0" hangingPunct="1">
+              <a:lnSpc>
+                <a:spcPct val="90000"/>
+              </a:lnSpc>
+              <a:spcBef>
+                <a:spcPts val="200"/>
+              </a:spcBef>
+              <a:spcAft>
+                <a:spcPts val="400"/>
+              </a:spcAft>
+              <a:buClr>
+                <a:schemeClr val="accent1"/>
+              </a:buClr>
+              <a:buFont typeface="Calibri" pitchFamily="34" charset="0"/>
+              <a:buChar char="◦"/>
+              <a:defRPr sz="1800" kern="1200">
+                <a:solidFill>
+                  <a:schemeClr val="tx1">
+                    <a:lumMod val="75000"/>
+                    <a:lumOff val="25000"/>
+                  </a:schemeClr>
+                </a:solidFill>
+                <a:latin typeface="+mn-lt"/>
+                <a:ea typeface="+mn-ea"/>
+                <a:cs typeface="+mn-cs"/>
+              </a:defRPr>
+            </a:lvl2pPr>
+            <a:lvl3pPr marL="566928" indent="-182880" algn="l" defTabSz="914400" rtl="0" eaLnBrk="1" latinLnBrk="0" hangingPunct="1">
+              <a:lnSpc>
+                <a:spcPct val="90000"/>
+              </a:lnSpc>
+              <a:spcBef>
+                <a:spcPts val="200"/>
+              </a:spcBef>
+              <a:spcAft>
+                <a:spcPts val="400"/>
+              </a:spcAft>
+              <a:buClr>
+                <a:schemeClr val="accent1"/>
+              </a:buClr>
+              <a:buFont typeface="Calibri" pitchFamily="34" charset="0"/>
+              <a:buChar char="◦"/>
+              <a:defRPr sz="1400" kern="1200">
+                <a:solidFill>
+                  <a:schemeClr val="tx1">
+                    <a:lumMod val="75000"/>
+                    <a:lumOff val="25000"/>
+                  </a:schemeClr>
+                </a:solidFill>
+                <a:latin typeface="+mn-lt"/>
+                <a:ea typeface="+mn-ea"/>
+                <a:cs typeface="+mn-cs"/>
+              </a:defRPr>
+            </a:lvl3pPr>
+            <a:lvl4pPr marL="749808" indent="-182880" algn="l" defTabSz="914400" rtl="0" eaLnBrk="1" latinLnBrk="0" hangingPunct="1">
+              <a:lnSpc>
+                <a:spcPct val="90000"/>
+              </a:lnSpc>
+              <a:spcBef>
+                <a:spcPts val="200"/>
+              </a:spcBef>
+              <a:spcAft>
+                <a:spcPts val="400"/>
+              </a:spcAft>
+              <a:buClr>
+                <a:schemeClr val="accent1"/>
+              </a:buClr>
+              <a:buFont typeface="Calibri" pitchFamily="34" charset="0"/>
+              <a:buChar char="◦"/>
+              <a:defRPr sz="1400" kern="1200">
+                <a:solidFill>
+                  <a:schemeClr val="tx1">
+                    <a:lumMod val="75000"/>
+                    <a:lumOff val="25000"/>
+                  </a:schemeClr>
+                </a:solidFill>
+                <a:latin typeface="+mn-lt"/>
+                <a:ea typeface="+mn-ea"/>
+                <a:cs typeface="+mn-cs"/>
+              </a:defRPr>
+            </a:lvl4pPr>
+            <a:lvl5pPr marL="932688" indent="-182880" algn="l" defTabSz="914400" rtl="0" eaLnBrk="1" latinLnBrk="0" hangingPunct="1">
+              <a:lnSpc>
+                <a:spcPct val="90000"/>
+              </a:lnSpc>
+              <a:spcBef>
+                <a:spcPts val="200"/>
+              </a:spcBef>
+              <a:spcAft>
+                <a:spcPts val="400"/>
+              </a:spcAft>
+              <a:buClr>
+                <a:schemeClr val="accent1"/>
+              </a:buClr>
+              <a:buFont typeface="Calibri" pitchFamily="34" charset="0"/>
+              <a:buChar char="◦"/>
+              <a:defRPr sz="1400" kern="1200">
+                <a:solidFill>
+                  <a:schemeClr val="tx1">
+                    <a:lumMod val="75000"/>
+                    <a:lumOff val="25000"/>
+                  </a:schemeClr>
+                </a:solidFill>
+                <a:latin typeface="+mn-lt"/>
+                <a:ea typeface="+mn-ea"/>
+                <a:cs typeface="+mn-cs"/>
+              </a:defRPr>
+            </a:lvl5pPr>
+            <a:lvl6pPr marL="1100000" indent="-228600" algn="l" defTabSz="914400" rtl="0" eaLnBrk="1" latinLnBrk="0" hangingPunct="1">
+              <a:lnSpc>
+                <a:spcPct val="90000"/>
+              </a:lnSpc>
+              <a:spcBef>
+                <a:spcPts val="200"/>
+              </a:spcBef>
+              <a:spcAft>
+                <a:spcPts val="400"/>
+              </a:spcAft>
+              <a:buClr>
+                <a:schemeClr val="accent1"/>
+              </a:buClr>
+              <a:buFont typeface="Calibri" pitchFamily="34" charset="0"/>
+              <a:buChar char="◦"/>
+              <a:defRPr sz="1400" kern="1200">
+                <a:solidFill>
+                  <a:schemeClr val="tx1">
+                    <a:lumMod val="75000"/>
+                    <a:lumOff val="25000"/>
+                  </a:schemeClr>
+                </a:solidFill>
+                <a:latin typeface="+mn-lt"/>
+                <a:ea typeface="+mn-ea"/>
+                <a:cs typeface="+mn-cs"/>
+              </a:defRPr>
+            </a:lvl6pPr>
+            <a:lvl7pPr marL="1300000" indent="-228600" algn="l" defTabSz="914400" rtl="0" eaLnBrk="1" latinLnBrk="0" hangingPunct="1">
+              <a:lnSpc>
+                <a:spcPct val="90000"/>
+              </a:lnSpc>
+              <a:spcBef>
+                <a:spcPts val="200"/>
+              </a:spcBef>
+              <a:spcAft>
+                <a:spcPts val="400"/>
+              </a:spcAft>
+              <a:buClr>
+                <a:schemeClr val="accent1"/>
+              </a:buClr>
+              <a:buFont typeface="Calibri" pitchFamily="34" charset="0"/>
+              <a:buChar char="◦"/>
+              <a:defRPr sz="1400" kern="1200">
+                <a:solidFill>
+                  <a:schemeClr val="tx1">
+                    <a:lumMod val="75000"/>
+                    <a:lumOff val="25000"/>
+                  </a:schemeClr>
+                </a:solidFill>
+                <a:latin typeface="+mn-lt"/>
+                <a:ea typeface="+mn-ea"/>
+                <a:cs typeface="+mn-cs"/>
+              </a:defRPr>
+            </a:lvl7pPr>
+            <a:lvl8pPr marL="1500000" indent="-228600" algn="l" defTabSz="914400" rtl="0" eaLnBrk="1" latinLnBrk="0" hangingPunct="1">
+              <a:lnSpc>
+                <a:spcPct val="90000"/>
+              </a:lnSpc>
+              <a:spcBef>
+                <a:spcPts val="200"/>
+              </a:spcBef>
+              <a:spcAft>
+                <a:spcPts val="400"/>
+              </a:spcAft>
+              <a:buClr>
+                <a:schemeClr val="accent1"/>
+              </a:buClr>
+              <a:buFont typeface="Calibri" pitchFamily="34" charset="0"/>
+              <a:buChar char="◦"/>
+              <a:defRPr sz="1400" kern="1200">
+                <a:solidFill>
+                  <a:schemeClr val="tx1">
+                    <a:lumMod val="75000"/>
+                    <a:lumOff val="25000"/>
+                  </a:schemeClr>
+                </a:solidFill>
+                <a:latin typeface="+mn-lt"/>
+                <a:ea typeface="+mn-ea"/>
+                <a:cs typeface="+mn-cs"/>
+              </a:defRPr>
+            </a:lvl8pPr>
+            <a:lvl9pPr marL="1700000" indent="-228600" algn="l" defTabSz="914400" rtl="0" eaLnBrk="1" latinLnBrk="0" hangingPunct="1">
+              <a:lnSpc>
+                <a:spcPct val="90000"/>
+              </a:lnSpc>
+              <a:spcBef>
+                <a:spcPts val="200"/>
+              </a:spcBef>
+              <a:spcAft>
+                <a:spcPts val="400"/>
+              </a:spcAft>
+              <a:buClr>
+                <a:schemeClr val="accent1"/>
+              </a:buClr>
+              <a:buFont typeface="Calibri" pitchFamily="34" charset="0"/>
+              <a:buChar char="◦"/>
+              <a:defRPr sz="1400" kern="1200">
+                <a:solidFill>
+                  <a:schemeClr val="tx1">
+                    <a:lumMod val="75000"/>
+                    <a:lumOff val="25000"/>
+                  </a:schemeClr>
+                </a:solidFill>
+                <a:latin typeface="+mn-lt"/>
+                <a:ea typeface="+mn-ea"/>
+                <a:cs typeface="+mn-cs"/>
+              </a:defRPr>
+            </a:lvl9pPr>
+          </a:lstStyle>
+          <a:p>
+            <a:pPr marL="0" indent="0" algn="ctr">
+              <a:buFont typeface="Calibri" panose="020F0502020204030204" pitchFamily="34" charset="0"/>
+              <a:buNone/>
+            </a:pPr>
+            <a:r>
+              <a:rPr lang="pt-PT" sz="3600" b="1" dirty="0">
+                <a:solidFill>
+                  <a:schemeClr val="tx1"/>
+                </a:solidFill>
+                <a:latin typeface="+mj-lt"/>
+              </a:rPr>
+              <a:t>MODELO CONCETUAL</a:t>
+            </a:r>
+          </a:p>
+        </p:txBody>
+      </p:sp>
+      <p:pic>
+        <p:nvPicPr>
+          <p:cNvPr id="2" name="Picture 1">
+            <a:extLst>
+              <a:ext uri="{FF2B5EF4-FFF2-40B4-BE49-F238E27FC236}">
+                <a16:creationId xmlns:a16="http://schemas.microsoft.com/office/drawing/2014/main" id="{965B0E5B-1143-55BD-BFA9-AC418D760B3F}"/>
+              </a:ext>
+            </a:extLst>
+          </p:cNvPr>
+          <p:cNvPicPr>
+            <a:picLocks noChangeAspect="1"/>
+          </p:cNvPicPr>
+          <p:nvPr/>
+        </p:nvPicPr>
+        <p:blipFill>
+          <a:blip r:embed="rId2">
+            <a:extLst>
+              <a:ext uri="{28A0092B-C50C-407E-A947-70E740481C1C}">
+                <a14:useLocalDpi xmlns:a14="http://schemas.microsoft.com/office/drawing/2010/main" val="0"/>
+              </a:ext>
+            </a:extLst>
+          </a:blip>
+          <a:srcRect/>
+          <a:stretch>
+            <a:fillRect/>
+          </a:stretch>
+        </p:blipFill>
+        <p:spPr bwMode="auto">
+          <a:xfrm>
+            <a:off x="1851493" y="914400"/>
+            <a:ext cx="9131306" cy="5602287"/>
+          </a:xfrm>
+          <a:prstGeom prst="rect">
+            <a:avLst/>
+          </a:prstGeom>
+          <a:noFill/>
+          <a:ln>
+            <a:noFill/>
+          </a:ln>
+        </p:spPr>
+      </p:pic>
+    </p:spTree>
+    <p:extLst>
+      <p:ext uri="{BB962C8B-B14F-4D97-AF65-F5344CB8AC3E}">
+        <p14:creationId xmlns:p14="http://schemas.microsoft.com/office/powerpoint/2010/main" val="3903672383"/>
+      </p:ext>
+    </p:extLst>
+  </p:cSld>
+  <p:clrMapOvr>
+    <a:masterClrMapping/>
+  </p:clrMapOvr>
+</p:sld>
+</file>
+
+<file path=ppt/slides/slide22.xml><?xml version="1.0" encoding="utf-8"?>
+<p:sld xmlns:a="http://schemas.openxmlformats.org/drawingml/2006/main" xmlns:r="http://schemas.openxmlformats.org/officeDocument/2006/relationships" xmlns:p="http://schemas.openxmlformats.org/presentationml/2006/main">
+  <p:cSld>
+    <p:spTree>
+      <p:nvGrpSpPr>
+        <p:cNvPr id="1" name=""/>
+        <p:cNvGrpSpPr/>
+        <p:nvPr/>
+      </p:nvGrpSpPr>
+      <p:grpSpPr>
+        <a:xfrm>
+          <a:off x="0" y="0"/>
+          <a:ext cx="0" cy="0"/>
+          <a:chOff x="0" y="0"/>
+          <a:chExt cx="0" cy="0"/>
+        </a:xfrm>
+      </p:grpSpPr>
+      <p:sp>
+        <p:nvSpPr>
+          <p:cNvPr id="5" name="Marcador de Posição de Conteúdo 2"/>
+          <p:cNvSpPr txBox="1">
+            <a:spLocks/>
+          </p:cNvSpPr>
+          <p:nvPr/>
+        </p:nvSpPr>
+        <p:spPr>
+          <a:xfrm>
+            <a:off x="2627870" y="175075"/>
+            <a:ext cx="8113383" cy="739325"/>
+          </a:xfrm>
+          <a:prstGeom prst="rect">
+            <a:avLst/>
+          </a:prstGeom>
+          <a:ln w="28575">
+            <a:noFill/>
+          </a:ln>
+        </p:spPr>
+        <p:txBody>
+          <a:bodyPr vert="horz" lIns="0" tIns="45720" rIns="0" bIns="45720" rtlCol="0">
+            <a:noAutofit/>
+          </a:bodyPr>
+          <a:lstStyle>
+            <a:lvl1pPr marL="91440" indent="-91440" algn="l" defTabSz="914400" rtl="0" eaLnBrk="1" latinLnBrk="0" hangingPunct="1">
+              <a:lnSpc>
+                <a:spcPct val="90000"/>
+              </a:lnSpc>
+              <a:spcBef>
+                <a:spcPts val="1200"/>
+              </a:spcBef>
+              <a:spcAft>
+                <a:spcPts val="200"/>
+              </a:spcAft>
+              <a:buClr>
+                <a:schemeClr val="accent1"/>
+              </a:buClr>
+              <a:buSzPct val="100000"/>
+              <a:buFont typeface="Calibri" panose="020F0502020204030204" pitchFamily="34" charset="0"/>
+              <a:buChar char=" "/>
+              <a:defRPr sz="2000" kern="1200">
+                <a:solidFill>
+                  <a:schemeClr val="tx1">
+                    <a:lumMod val="75000"/>
+                    <a:lumOff val="25000"/>
+                  </a:schemeClr>
+                </a:solidFill>
+                <a:latin typeface="+mn-lt"/>
+                <a:ea typeface="+mn-ea"/>
+                <a:cs typeface="+mn-cs"/>
+              </a:defRPr>
+            </a:lvl1pPr>
+            <a:lvl2pPr marL="384048" indent="-182880" algn="l" defTabSz="914400" rtl="0" eaLnBrk="1" latinLnBrk="0" hangingPunct="1">
+              <a:lnSpc>
+                <a:spcPct val="90000"/>
+              </a:lnSpc>
+              <a:spcBef>
+                <a:spcPts val="200"/>
+              </a:spcBef>
+              <a:spcAft>
+                <a:spcPts val="400"/>
+              </a:spcAft>
+              <a:buClr>
+                <a:schemeClr val="accent1"/>
+              </a:buClr>
+              <a:buFont typeface="Calibri" pitchFamily="34" charset="0"/>
+              <a:buChar char="◦"/>
+              <a:defRPr sz="1800" kern="1200">
+                <a:solidFill>
+                  <a:schemeClr val="tx1">
+                    <a:lumMod val="75000"/>
+                    <a:lumOff val="25000"/>
+                  </a:schemeClr>
+                </a:solidFill>
+                <a:latin typeface="+mn-lt"/>
+                <a:ea typeface="+mn-ea"/>
+                <a:cs typeface="+mn-cs"/>
+              </a:defRPr>
+            </a:lvl2pPr>
+            <a:lvl3pPr marL="566928" indent="-182880" algn="l" defTabSz="914400" rtl="0" eaLnBrk="1" latinLnBrk="0" hangingPunct="1">
+              <a:lnSpc>
+                <a:spcPct val="90000"/>
+              </a:lnSpc>
+              <a:spcBef>
+                <a:spcPts val="200"/>
+              </a:spcBef>
+              <a:spcAft>
+                <a:spcPts val="400"/>
+              </a:spcAft>
+              <a:buClr>
+                <a:schemeClr val="accent1"/>
+              </a:buClr>
+              <a:buFont typeface="Calibri" pitchFamily="34" charset="0"/>
+              <a:buChar char="◦"/>
+              <a:defRPr sz="1400" kern="1200">
+                <a:solidFill>
+                  <a:schemeClr val="tx1">
+                    <a:lumMod val="75000"/>
+                    <a:lumOff val="25000"/>
+                  </a:schemeClr>
+                </a:solidFill>
+                <a:latin typeface="+mn-lt"/>
+                <a:ea typeface="+mn-ea"/>
+                <a:cs typeface="+mn-cs"/>
+              </a:defRPr>
+            </a:lvl3pPr>
+            <a:lvl4pPr marL="749808" indent="-182880" algn="l" defTabSz="914400" rtl="0" eaLnBrk="1" latinLnBrk="0" hangingPunct="1">
+              <a:lnSpc>
+                <a:spcPct val="90000"/>
+              </a:lnSpc>
+              <a:spcBef>
+                <a:spcPts val="200"/>
+              </a:spcBef>
+              <a:spcAft>
+                <a:spcPts val="400"/>
+              </a:spcAft>
+              <a:buClr>
+                <a:schemeClr val="accent1"/>
+              </a:buClr>
+              <a:buFont typeface="Calibri" pitchFamily="34" charset="0"/>
+              <a:buChar char="◦"/>
+              <a:defRPr sz="1400" kern="1200">
+                <a:solidFill>
+                  <a:schemeClr val="tx1">
+                    <a:lumMod val="75000"/>
+                    <a:lumOff val="25000"/>
+                  </a:schemeClr>
+                </a:solidFill>
+                <a:latin typeface="+mn-lt"/>
+                <a:ea typeface="+mn-ea"/>
+                <a:cs typeface="+mn-cs"/>
+              </a:defRPr>
+            </a:lvl4pPr>
+            <a:lvl5pPr marL="932688" indent="-182880" algn="l" defTabSz="914400" rtl="0" eaLnBrk="1" latinLnBrk="0" hangingPunct="1">
+              <a:lnSpc>
+                <a:spcPct val="90000"/>
+              </a:lnSpc>
+              <a:spcBef>
+                <a:spcPts val="200"/>
+              </a:spcBef>
+              <a:spcAft>
+                <a:spcPts val="400"/>
+              </a:spcAft>
+              <a:buClr>
+                <a:schemeClr val="accent1"/>
+              </a:buClr>
+              <a:buFont typeface="Calibri" pitchFamily="34" charset="0"/>
+              <a:buChar char="◦"/>
+              <a:defRPr sz="1400" kern="1200">
+                <a:solidFill>
+                  <a:schemeClr val="tx1">
+                    <a:lumMod val="75000"/>
+                    <a:lumOff val="25000"/>
+                  </a:schemeClr>
+                </a:solidFill>
+                <a:latin typeface="+mn-lt"/>
+                <a:ea typeface="+mn-ea"/>
+                <a:cs typeface="+mn-cs"/>
+              </a:defRPr>
+            </a:lvl5pPr>
+            <a:lvl6pPr marL="1100000" indent="-228600" algn="l" defTabSz="914400" rtl="0" eaLnBrk="1" latinLnBrk="0" hangingPunct="1">
+              <a:lnSpc>
+                <a:spcPct val="90000"/>
+              </a:lnSpc>
+              <a:spcBef>
+                <a:spcPts val="200"/>
+              </a:spcBef>
+              <a:spcAft>
+                <a:spcPts val="400"/>
+              </a:spcAft>
+              <a:buClr>
+                <a:schemeClr val="accent1"/>
+              </a:buClr>
+              <a:buFont typeface="Calibri" pitchFamily="34" charset="0"/>
+              <a:buChar char="◦"/>
+              <a:defRPr sz="1400" kern="1200">
+                <a:solidFill>
+                  <a:schemeClr val="tx1">
+                    <a:lumMod val="75000"/>
+                    <a:lumOff val="25000"/>
+                  </a:schemeClr>
+                </a:solidFill>
+                <a:latin typeface="+mn-lt"/>
+                <a:ea typeface="+mn-ea"/>
+                <a:cs typeface="+mn-cs"/>
+              </a:defRPr>
+            </a:lvl6pPr>
+            <a:lvl7pPr marL="1300000" indent="-228600" algn="l" defTabSz="914400" rtl="0" eaLnBrk="1" latinLnBrk="0" hangingPunct="1">
+              <a:lnSpc>
+                <a:spcPct val="90000"/>
+              </a:lnSpc>
+              <a:spcBef>
+                <a:spcPts val="200"/>
+              </a:spcBef>
+              <a:spcAft>
+                <a:spcPts val="400"/>
+              </a:spcAft>
+              <a:buClr>
+                <a:schemeClr val="accent1"/>
+              </a:buClr>
+              <a:buFont typeface="Calibri" pitchFamily="34" charset="0"/>
+              <a:buChar char="◦"/>
+              <a:defRPr sz="1400" kern="1200">
+                <a:solidFill>
+                  <a:schemeClr val="tx1">
+                    <a:lumMod val="75000"/>
+                    <a:lumOff val="25000"/>
+                  </a:schemeClr>
+                </a:solidFill>
+                <a:latin typeface="+mn-lt"/>
+                <a:ea typeface="+mn-ea"/>
+                <a:cs typeface="+mn-cs"/>
+              </a:defRPr>
+            </a:lvl7pPr>
+            <a:lvl8pPr marL="1500000" indent="-228600" algn="l" defTabSz="914400" rtl="0" eaLnBrk="1" latinLnBrk="0" hangingPunct="1">
+              <a:lnSpc>
+                <a:spcPct val="90000"/>
+              </a:lnSpc>
+              <a:spcBef>
+                <a:spcPts val="200"/>
+              </a:spcBef>
+              <a:spcAft>
+                <a:spcPts val="400"/>
+              </a:spcAft>
+              <a:buClr>
+                <a:schemeClr val="accent1"/>
+              </a:buClr>
+              <a:buFont typeface="Calibri" pitchFamily="34" charset="0"/>
+              <a:buChar char="◦"/>
+              <a:defRPr sz="1400" kern="1200">
+                <a:solidFill>
+                  <a:schemeClr val="tx1">
+                    <a:lumMod val="75000"/>
+                    <a:lumOff val="25000"/>
+                  </a:schemeClr>
+                </a:solidFill>
+                <a:latin typeface="+mn-lt"/>
+                <a:ea typeface="+mn-ea"/>
+                <a:cs typeface="+mn-cs"/>
+              </a:defRPr>
+            </a:lvl8pPr>
+            <a:lvl9pPr marL="1700000" indent="-228600" algn="l" defTabSz="914400" rtl="0" eaLnBrk="1" latinLnBrk="0" hangingPunct="1">
+              <a:lnSpc>
+                <a:spcPct val="90000"/>
+              </a:lnSpc>
+              <a:spcBef>
+                <a:spcPts val="200"/>
+              </a:spcBef>
+              <a:spcAft>
+                <a:spcPts val="400"/>
+              </a:spcAft>
+              <a:buClr>
+                <a:schemeClr val="accent1"/>
+              </a:buClr>
+              <a:buFont typeface="Calibri" pitchFamily="34" charset="0"/>
+              <a:buChar char="◦"/>
+              <a:defRPr sz="1400" kern="1200">
+                <a:solidFill>
+                  <a:schemeClr val="tx1">
+                    <a:lumMod val="75000"/>
+                    <a:lumOff val="25000"/>
+                  </a:schemeClr>
+                </a:solidFill>
+                <a:latin typeface="+mn-lt"/>
+                <a:ea typeface="+mn-ea"/>
+                <a:cs typeface="+mn-cs"/>
+              </a:defRPr>
+            </a:lvl9pPr>
+          </a:lstStyle>
+          <a:p>
+            <a:pPr marL="0" indent="0" algn="ctr">
+              <a:buFont typeface="Calibri" panose="020F0502020204030204" pitchFamily="34" charset="0"/>
+              <a:buNone/>
+            </a:pPr>
+            <a:r>
+              <a:rPr lang="pt-PT" sz="3600" b="1" dirty="0">
+                <a:solidFill>
+                  <a:schemeClr val="tx1"/>
+                </a:solidFill>
+                <a:latin typeface="+mj-lt"/>
+              </a:rPr>
               <a:t>MODELO LÓGICO </a:t>
             </a:r>
           </a:p>
@@ -12797,7 +13118,7 @@
 </p:sld>
 </file>
 
-<file path=ppt/slides/slide21.xml><?xml version="1.0" encoding="utf-8"?>
+<file path=ppt/slides/slide23.xml><?xml version="1.0" encoding="utf-8"?>
 <p:sld xmlns:a="http://schemas.openxmlformats.org/drawingml/2006/main" xmlns:r="http://schemas.openxmlformats.org/officeDocument/2006/relationships" xmlns:p="http://schemas.openxmlformats.org/presentationml/2006/main">
   <p:cSld>
     <p:spTree>
@@ -13114,7 +13435,7 @@
 </p:sld>
 </file>
 
-<file path=ppt/slides/slide22.xml><?xml version="1.0" encoding="utf-8"?>
+<file path=ppt/slides/slide24.xml><?xml version="1.0" encoding="utf-8"?>
 <p:sld xmlns:a="http://schemas.openxmlformats.org/drawingml/2006/main" xmlns:r="http://schemas.openxmlformats.org/officeDocument/2006/relationships" xmlns:p="http://schemas.openxmlformats.org/presentationml/2006/main">
   <p:cSld>
     <p:spTree>
@@ -13431,7 +13752,7 @@
 </p:sld>
 </file>
 
-<file path=ppt/slides/slide23.xml><?xml version="1.0" encoding="utf-8"?>
+<file path=ppt/slides/slide25.xml><?xml version="1.0" encoding="utf-8"?>
 <p:sld xmlns:a="http://schemas.openxmlformats.org/drawingml/2006/main" xmlns:r="http://schemas.openxmlformats.org/officeDocument/2006/relationships" xmlns:p="http://schemas.openxmlformats.org/presentationml/2006/main">
   <p:cSld>
     <p:spTree>
@@ -13750,7 +14071,7 @@
         <p:spPr>
           <a:xfrm>
             <a:off x="1578634" y="1618926"/>
-            <a:ext cx="9162619" cy="3046988"/>
+            <a:ext cx="9162619" cy="1200329"/>
           </a:xfrm>
           <a:prstGeom prst="rect">
             <a:avLst/>
@@ -13768,40 +14089,16 @@
               <a:buChar char="Ø"/>
             </a:pPr>
             <a:r>
+              <a:rPr lang="pt-BR" sz="2400">
+                <a:latin typeface="+mj-lt"/>
+              </a:rPr>
+              <a:t>Enviar </a:t>
+            </a:r>
+            <a:r>
               <a:rPr lang="pt-BR" sz="2400" dirty="0">
                 <a:latin typeface="+mj-lt"/>
               </a:rPr>
-              <a:t>Adicionar funcionalidades ao nosso módulo que permita ao mesmo consultar disponibilidade para rececção de pacientes por transferência, solicitar vaga, aceitar ou negar transferência.</a:t>
-            </a:r>
-          </a:p>
-          <a:p>
-            <a:pPr marL="285750" indent="-285750" algn="just">
-              <a:buFont typeface="Wingdings" panose="05000000000000000000" pitchFamily="2" charset="2"/>
-              <a:buChar char="Ø"/>
-            </a:pPr>
-            <a:endParaRPr lang="pt-BR" sz="2400" dirty="0">
-              <a:latin typeface="+mj-lt"/>
-            </a:endParaRPr>
-          </a:p>
-          <a:p>
-            <a:pPr marL="285750" indent="-285750" algn="just">
-              <a:buFont typeface="Wingdings" panose="05000000000000000000" pitchFamily="2" charset="2"/>
-              <a:buChar char="Ø"/>
-            </a:pPr>
-            <a:endParaRPr lang="pt-BR" sz="2400" dirty="0">
-              <a:latin typeface="+mj-lt"/>
-            </a:endParaRPr>
-          </a:p>
-          <a:p>
-            <a:pPr marL="285750" indent="-285750" algn="just">
-              <a:buFont typeface="Wingdings" panose="05000000000000000000" pitchFamily="2" charset="2"/>
-              <a:buChar char="Ø"/>
-            </a:pPr>
-            <a:r>
-              <a:rPr lang="pt-BR" sz="2400" dirty="0">
-                <a:latin typeface="+mj-lt"/>
-              </a:rPr>
-              <a:t>Enviar notificações usando o RabbitMQ para envio de notificação ou SignalIR para troca de mensagens em tempo real</a:t>
+              <a:t>notificações usando o RabbitMQ para envio de notificação ou SignalIR para troca de mensagens em tempo real</a:t>
             </a:r>
             <a:endParaRPr lang="pt-PT" sz="2400" dirty="0">
               <a:latin typeface="+mj-lt"/>
@@ -13822,7 +14119,7 @@
 </p:sld>
 </file>
 
-<file path=ppt/slides/slide24.xml><?xml version="1.0" encoding="utf-8"?>
+<file path=ppt/slides/slide26.xml><?xml version="1.0" encoding="utf-8"?>
 <p:sld xmlns:a="http://schemas.openxmlformats.org/drawingml/2006/main" xmlns:r="http://schemas.openxmlformats.org/officeDocument/2006/relationships" xmlns:p="http://schemas.openxmlformats.org/presentationml/2006/main">
   <p:cSld>
     <p:spTree>
@@ -14433,14 +14730,7 @@
                 <a:latin typeface="+mj-lt"/>
                 <a:ea typeface="Calibri" panose="020F0502020204030204" pitchFamily="34" charset="0"/>
               </a:rPr>
-              <a:t>A falta de um sistema digital para o acompanhamento e controle de Trabalhos de Fim de Curso na Universidade Técnica de Angola(UTANGA) tem dificultado a instituição no acompanhamento e controle do progresso dos TFC, bem como na partilha de informações entre orientadores e </a:t>
-            </a:r>
-            <a:r>
-              <a:rPr lang="pt-PT" sz="2400" dirty="0" smtClean="0">
-                <a:latin typeface="+mj-lt"/>
-                <a:ea typeface="Calibri" panose="020F0502020204030204" pitchFamily="34" charset="0"/>
-              </a:rPr>
-              <a:t>Orientandos.</a:t>
+              <a:t>A falta de um sistema digital para o acompanhamento e controle de Trabalhos de Fim de Curso na Universidade Técnica de Angola(UTANGA) tem dificultado a instituição no acompanhamento e controle do progresso dos TFC, bem como na partilha de informações entre orientadores e Orientandos.</a:t>
             </a:r>
             <a:endParaRPr lang="pt-BR" sz="2000" dirty="0">
               <a:latin typeface="+mj-lt"/>
@@ -14526,39 +14816,7 @@
                 <a:ea typeface="Calibri" panose="020F0502020204030204" pitchFamily="34" charset="0"/>
                 <a:cs typeface="Times New Roman" panose="02020603050405020304" pitchFamily="18" charset="0"/>
               </a:rPr>
-              <a:t>Desta forma surge a seguinte questão: </a:t>
-            </a:r>
-            <a:r>
-              <a:rPr lang="pt-PT" sz="2000" b="1" dirty="0" smtClean="0">
-                <a:latin typeface="+mj-lt"/>
-                <a:ea typeface="Calibri" panose="020F0502020204030204" pitchFamily="34" charset="0"/>
-                <a:cs typeface="Times New Roman" panose="02020603050405020304" pitchFamily="18" charset="0"/>
-              </a:rPr>
-              <a:t>Como </a:t>
-            </a:r>
-            <a:r>
-              <a:rPr lang="pt-PT" sz="2000" b="1" dirty="0">
-                <a:latin typeface="+mj-lt"/>
-                <a:ea typeface="Calibri" panose="020F0502020204030204" pitchFamily="34" charset="0"/>
-                <a:cs typeface="Times New Roman" panose="02020603050405020304" pitchFamily="18" charset="0"/>
-              </a:rPr>
-              <a:t>melhorar a gestão e o controle do processo </a:t>
-            </a:r>
-            <a:r>
-              <a:rPr lang="pt-PT" sz="2000" b="1" dirty="0" smtClean="0">
-                <a:latin typeface="+mj-lt"/>
-                <a:ea typeface="Calibri" panose="020F0502020204030204" pitchFamily="34" charset="0"/>
-                <a:cs typeface="Times New Roman" panose="02020603050405020304" pitchFamily="18" charset="0"/>
-              </a:rPr>
-              <a:t>de trabalho </a:t>
-            </a:r>
-            <a:r>
-              <a:rPr lang="pt-PT" sz="2000" b="1" dirty="0">
-                <a:latin typeface="+mj-lt"/>
-                <a:ea typeface="Calibri" panose="020F0502020204030204" pitchFamily="34" charset="0"/>
-                <a:cs typeface="Times New Roman" panose="02020603050405020304" pitchFamily="18" charset="0"/>
-              </a:rPr>
-              <a:t>de fim de curso da UTANGA garantindo a centralização de dados e a gestão mais eficiente?</a:t>
+              <a:t>Desta forma surge a seguinte questão: Como melhorar a gestão e o controle do processo de trabalho de fim de curso da UTANGA garantindo a centralização de dados e a gestão mais eficiente?</a:t>
             </a:r>
             <a:endParaRPr kumimoji="0" lang="pt-PT" sz="2000" b="1" i="0" strike="noStrike" cap="none" normalizeH="0" baseline="0" dirty="0">
               <a:ln>
@@ -15150,7 +15408,7 @@
 </file>
 
 <file path=ppt/slides/slide7.xml><?xml version="1.0" encoding="utf-8"?>
-<p:sld xmlns:a="http://schemas.openxmlformats.org/drawingml/2006/main" xmlns:r="http://schemas.openxmlformats.org/officeDocument/2006/relationships" xmlns:p="http://schemas.openxmlformats.org/presentationml/2006/main">
+<p:sld xmlns:a="http://schemas.openxmlformats.org/drawingml/2006/main" xmlns:r="http://schemas.openxmlformats.org/officeDocument/2006/relationships" xmlns:p="http://schemas.openxmlformats.org/presentationml/2006/main" show="0">
   <p:cSld>
     <p:spTree>
       <p:nvGrpSpPr>
@@ -15522,17 +15780,10 @@
                 <a:latin typeface="+mj-lt"/>
                 <a:ea typeface="Calibri" panose="020F0502020204030204" pitchFamily="34" charset="0"/>
               </a:rPr>
-              <a:t>, na província de Luanda</a:t>
-            </a:r>
-            <a:r>
-              <a:rPr lang="pt-PT" sz="2400" dirty="0" smtClean="0">
-                <a:latin typeface="+mj-lt"/>
-                <a:ea typeface="Calibri" panose="020F0502020204030204" pitchFamily="34" charset="0"/>
-              </a:rPr>
-              <a:t>.</a:t>
-            </a:r>
-            <a:r>
-              <a:rPr lang="pt-BR" sz="2400" dirty="0" smtClean="0">
+              <a:t>, na província de Luanda.</a:t>
+            </a:r>
+            <a:r>
+              <a:rPr lang="pt-BR" sz="2400" dirty="0">
                 <a:effectLst/>
                 <a:latin typeface="+mj-lt"/>
                 <a:ea typeface="Calibri" panose="020F0502020204030204" pitchFamily="34" charset="0"/>
@@ -15540,18 +15791,11 @@
               <a:t> </a:t>
             </a:r>
             <a:r>
-              <a:rPr lang="pt-PT" sz="2400" dirty="0" smtClean="0">
-                <a:latin typeface="+mj-lt"/>
-                <a:ea typeface="Calibri" panose="020F0502020204030204" pitchFamily="34" charset="0"/>
-              </a:rPr>
-              <a:t>Fundada </a:t>
-            </a:r>
-            <a:r>
               <a:rPr lang="pt-PT" sz="2400" dirty="0">
                 <a:latin typeface="+mj-lt"/>
                 <a:ea typeface="Calibri" panose="020F0502020204030204" pitchFamily="34" charset="0"/>
               </a:rPr>
-              <a:t>aos 7 de maio de 2007, tendo como </a:t>
+              <a:t>Fundada aos 7 de maio de 2007, tendo como </a:t>
             </a:r>
             <a:r>
               <a:rPr lang="pt-PT" sz="2400" dirty="0" err="1">
@@ -15567,7 +15811,7 @@
               </a:rPr>
               <a:t> reitor(a), Dr. Ilídio Pascoal Simão. </a:t>
             </a:r>
-            <a:endParaRPr lang="pt-BR" sz="2400" dirty="0" smtClean="0">
+            <a:endParaRPr lang="pt-BR" sz="2400" dirty="0">
               <a:latin typeface="+mj-lt"/>
               <a:ea typeface="Calibri" panose="020F0502020204030204" pitchFamily="34" charset="0"/>
             </a:endParaRPr>

--- a/Apresentação/TFC.pptx
+++ b/Apresentação/TFC.pptx
@@ -14,26 +14,26 @@
     <p:sldId id="312" r:id="rId5"/>
     <p:sldId id="308" r:id="rId6"/>
     <p:sldId id="287" r:id="rId7"/>
-    <p:sldId id="310" r:id="rId8"/>
-    <p:sldId id="313" r:id="rId9"/>
-    <p:sldId id="298" r:id="rId10"/>
-    <p:sldId id="311" r:id="rId11"/>
-    <p:sldId id="309" r:id="rId12"/>
-    <p:sldId id="292" r:id="rId13"/>
-    <p:sldId id="295" r:id="rId14"/>
-    <p:sldId id="314" r:id="rId15"/>
-    <p:sldId id="299" r:id="rId16"/>
-    <p:sldId id="300" r:id="rId17"/>
-    <p:sldId id="315" r:id="rId18"/>
-    <p:sldId id="258" r:id="rId19"/>
-    <p:sldId id="283" r:id="rId20"/>
-    <p:sldId id="302" r:id="rId21"/>
+    <p:sldId id="313" r:id="rId8"/>
+    <p:sldId id="298" r:id="rId9"/>
+    <p:sldId id="311" r:id="rId10"/>
+    <p:sldId id="309" r:id="rId11"/>
+    <p:sldId id="292" r:id="rId12"/>
+    <p:sldId id="316" r:id="rId13"/>
+    <p:sldId id="300" r:id="rId14"/>
+    <p:sldId id="315" r:id="rId15"/>
+    <p:sldId id="258" r:id="rId16"/>
+    <p:sldId id="317" r:id="rId17"/>
+    <p:sldId id="283" r:id="rId18"/>
+    <p:sldId id="318" r:id="rId19"/>
+    <p:sldId id="302" r:id="rId20"/>
+    <p:sldId id="319" r:id="rId21"/>
     <p:sldId id="305" r:id="rId22"/>
-    <p:sldId id="303" r:id="rId23"/>
-    <p:sldId id="306" r:id="rId24"/>
-    <p:sldId id="304" r:id="rId25"/>
-    <p:sldId id="307" r:id="rId26"/>
-    <p:sldId id="278" r:id="rId27"/>
+    <p:sldId id="320" r:id="rId23"/>
+    <p:sldId id="303" r:id="rId24"/>
+    <p:sldId id="306" r:id="rId25"/>
+    <p:sldId id="304" r:id="rId26"/>
+    <p:sldId id="307" r:id="rId27"/>
   </p:sldIdLst>
   <p:sldSz cx="12192000" cy="6858000"/>
   <p:notesSz cx="6858000" cy="9144000"/>
@@ -143,26 +143,26 @@
             <p14:sldId id="312"/>
             <p14:sldId id="308"/>
             <p14:sldId id="287"/>
-            <p14:sldId id="310"/>
             <p14:sldId id="313"/>
             <p14:sldId id="298"/>
             <p14:sldId id="311"/>
             <p14:sldId id="309"/>
             <p14:sldId id="292"/>
-            <p14:sldId id="295"/>
-            <p14:sldId id="314"/>
-            <p14:sldId id="299"/>
+            <p14:sldId id="316"/>
             <p14:sldId id="300"/>
             <p14:sldId id="315"/>
             <p14:sldId id="258"/>
+            <p14:sldId id="317"/>
             <p14:sldId id="283"/>
+            <p14:sldId id="318"/>
             <p14:sldId id="302"/>
+            <p14:sldId id="319"/>
             <p14:sldId id="305"/>
+            <p14:sldId id="320"/>
             <p14:sldId id="303"/>
             <p14:sldId id="306"/>
             <p14:sldId id="304"/>
             <p14:sldId id="307"/>
-            <p14:sldId id="278"/>
           </p14:sldIdLst>
         </p14:section>
       </p14:sectionLst>
@@ -267,7 +267,7 @@
           <a:p>
             <a:fld id="{8D980AF6-012E-48EC-B6FF-B729D5392FE6}" type="datetimeFigureOut">
               <a:rPr lang="pt-BR" smtClean="0"/>
-              <a:t>21/05/2024</a:t>
+              <a:t>22/05/2024</a:t>
             </a:fld>
             <a:endParaRPr lang="pt-BR"/>
           </a:p>
@@ -599,7 +599,7 @@
           <a:p>
             <a:fld id="{376D31F0-8553-420C-90BF-086E6FD6F2F8}" type="slidenum">
               <a:rPr lang="pt-BR" smtClean="0"/>
-              <a:t>12</a:t>
+              <a:t>11</a:t>
             </a:fld>
             <a:endParaRPr lang="pt-BR"/>
           </a:p>
@@ -683,91 +683,7 @@
           <a:p>
             <a:fld id="{376D31F0-8553-420C-90BF-086E6FD6F2F8}" type="slidenum">
               <a:rPr lang="pt-BR" smtClean="0"/>
-              <a:t>15</a:t>
-            </a:fld>
-            <a:endParaRPr lang="pt-BR"/>
-          </a:p>
-        </p:txBody>
-      </p:sp>
-    </p:spTree>
-    <p:extLst>
-      <p:ext uri="{BB962C8B-B14F-4D97-AF65-F5344CB8AC3E}">
-        <p14:creationId xmlns:p14="http://schemas.microsoft.com/office/powerpoint/2010/main" val="3993693809"/>
-      </p:ext>
-    </p:extLst>
-  </p:cSld>
-  <p:clrMapOvr>
-    <a:masterClrMapping/>
-  </p:clrMapOvr>
-</p:notes>
-</file>
-
-<file path=ppt/notesSlides/notesSlide3.xml><?xml version="1.0" encoding="utf-8"?>
-<p:notes xmlns:a="http://schemas.openxmlformats.org/drawingml/2006/main" xmlns:r="http://schemas.openxmlformats.org/officeDocument/2006/relationships" xmlns:p="http://schemas.openxmlformats.org/presentationml/2006/main">
-  <p:cSld>
-    <p:spTree>
-      <p:nvGrpSpPr>
-        <p:cNvPr id="1" name=""/>
-        <p:cNvGrpSpPr/>
-        <p:nvPr/>
-      </p:nvGrpSpPr>
-      <p:grpSpPr>
-        <a:xfrm>
-          <a:off x="0" y="0"/>
-          <a:ext cx="0" cy="0"/>
-          <a:chOff x="0" y="0"/>
-          <a:chExt cx="0" cy="0"/>
-        </a:xfrm>
-      </p:grpSpPr>
-      <p:sp>
-        <p:nvSpPr>
-          <p:cNvPr id="2" name="Espaço Reservado para Imagem de Slide 1"/>
-          <p:cNvSpPr>
-            <a:spLocks noGrp="1" noRot="1" noChangeAspect="1"/>
-          </p:cNvSpPr>
-          <p:nvPr>
-            <p:ph type="sldImg"/>
-          </p:nvPr>
-        </p:nvSpPr>
-        <p:spPr/>
-      </p:sp>
-      <p:sp>
-        <p:nvSpPr>
-          <p:cNvPr id="3" name="Espaço Reservado para Anotações 2"/>
-          <p:cNvSpPr>
-            <a:spLocks noGrp="1"/>
-          </p:cNvSpPr>
-          <p:nvPr>
-            <p:ph type="body" idx="1"/>
-          </p:nvPr>
-        </p:nvSpPr>
-        <p:spPr/>
-        <p:txBody>
-          <a:bodyPr/>
-          <a:lstStyle/>
-          <a:p>
-            <a:endParaRPr lang="pt-BR"/>
-          </a:p>
-        </p:txBody>
-      </p:sp>
-      <p:sp>
-        <p:nvSpPr>
-          <p:cNvPr id="4" name="Espaço Reservado para Número de Slide 3"/>
-          <p:cNvSpPr>
-            <a:spLocks noGrp="1"/>
-          </p:cNvSpPr>
-          <p:nvPr>
-            <p:ph type="sldNum" sz="quarter" idx="10"/>
-          </p:nvPr>
-        </p:nvSpPr>
-        <p:spPr/>
-        <p:txBody>
-          <a:bodyPr/>
-          <a:lstStyle/>
-          <a:p>
-            <a:fld id="{376D31F0-8553-420C-90BF-086E6FD6F2F8}" type="slidenum">
-              <a:rPr lang="pt-BR" smtClean="0"/>
-              <a:t>16</a:t>
+              <a:t>13</a:t>
             </a:fld>
             <a:endParaRPr lang="pt-BR"/>
           </a:p>
@@ -1990,7 +1906,7 @@
             <a:fld id="{5A5E2DE2-A0B4-45FD-A905-FEFD5975439B}" type="datetimeFigureOut">
               <a:rPr lang="pt-PT" smtClean="0"/>
               <a:pPr/>
-              <a:t>21/05/2024</a:t>
+              <a:t>22/05/2024</a:t>
             </a:fld>
             <a:endParaRPr lang="pt-PT" dirty="0"/>
           </a:p>
@@ -2230,7 +2146,7 @@
             <a:fld id="{5A5E2DE2-A0B4-45FD-A905-FEFD5975439B}" type="datetimeFigureOut">
               <a:rPr lang="pt-PT" smtClean="0"/>
               <a:pPr/>
-              <a:t>21/05/2024</a:t>
+              <a:t>22/05/2024</a:t>
             </a:fld>
             <a:endParaRPr lang="pt-PT" dirty="0"/>
           </a:p>
@@ -2412,7 +2328,7 @@
             <a:fld id="{5A5E2DE2-A0B4-45FD-A905-FEFD5975439B}" type="datetimeFigureOut">
               <a:rPr lang="pt-PT" smtClean="0"/>
               <a:pPr/>
-              <a:t>21/05/2024</a:t>
+              <a:t>22/05/2024</a:t>
             </a:fld>
             <a:endParaRPr lang="pt-PT" dirty="0"/>
           </a:p>
@@ -2584,7 +2500,7 @@
             <a:fld id="{5A5E2DE2-A0B4-45FD-A905-FEFD5975439B}" type="datetimeFigureOut">
               <a:rPr lang="pt-PT" smtClean="0"/>
               <a:pPr/>
-              <a:t>21/05/2024</a:t>
+              <a:t>22/05/2024</a:t>
             </a:fld>
             <a:endParaRPr lang="pt-PT" dirty="0"/>
           </a:p>
@@ -2854,7 +2770,7 @@
             <a:fld id="{5A5E2DE2-A0B4-45FD-A905-FEFD5975439B}" type="datetimeFigureOut">
               <a:rPr lang="pt-PT" smtClean="0"/>
               <a:pPr/>
-              <a:t>21/05/2024</a:t>
+              <a:t>22/05/2024</a:t>
             </a:fld>
             <a:endParaRPr lang="pt-PT" dirty="0"/>
           </a:p>
@@ -4057,7 +3973,7 @@
             <a:fld id="{5A5E2DE2-A0B4-45FD-A905-FEFD5975439B}" type="datetimeFigureOut">
               <a:rPr lang="pt-PT" smtClean="0"/>
               <a:pPr/>
-              <a:t>21/05/2024</a:t>
+              <a:t>22/05/2024</a:t>
             </a:fld>
             <a:endParaRPr lang="pt-PT" dirty="0"/>
           </a:p>
@@ -4449,7 +4365,7 @@
             <a:fld id="{5A5E2DE2-A0B4-45FD-A905-FEFD5975439B}" type="datetimeFigureOut">
               <a:rPr lang="pt-PT" smtClean="0"/>
               <a:pPr/>
-              <a:t>21/05/2024</a:t>
+              <a:t>22/05/2024</a:t>
             </a:fld>
             <a:endParaRPr lang="pt-PT" dirty="0"/>
           </a:p>
@@ -4574,7 +4490,7 @@
             <a:fld id="{5A5E2DE2-A0B4-45FD-A905-FEFD5975439B}" type="datetimeFigureOut">
               <a:rPr lang="pt-PT" smtClean="0"/>
               <a:pPr/>
-              <a:t>21/05/2024</a:t>
+              <a:t>22/05/2024</a:t>
             </a:fld>
             <a:endParaRPr lang="pt-PT" dirty="0"/>
           </a:p>
@@ -4671,7 +4587,7 @@
             <a:fld id="{5A5E2DE2-A0B4-45FD-A905-FEFD5975439B}" type="datetimeFigureOut">
               <a:rPr lang="pt-PT" smtClean="0"/>
               <a:pPr/>
-              <a:t>21/05/2024</a:t>
+              <a:t>22/05/2024</a:t>
             </a:fld>
             <a:endParaRPr lang="pt-PT" dirty="0"/>
           </a:p>
@@ -5436,7 +5352,7 @@
             <a:fld id="{5A5E2DE2-A0B4-45FD-A905-FEFD5975439B}" type="datetimeFigureOut">
               <a:rPr lang="pt-PT" smtClean="0"/>
               <a:pPr/>
-              <a:t>21/05/2024</a:t>
+              <a:t>22/05/2024</a:t>
             </a:fld>
             <a:endParaRPr lang="pt-PT" dirty="0"/>
           </a:p>
@@ -6278,7 +6194,7 @@
             <a:fld id="{5A5E2DE2-A0B4-45FD-A905-FEFD5975439B}" type="datetimeFigureOut">
               <a:rPr lang="pt-PT" smtClean="0"/>
               <a:pPr/>
-              <a:t>21/05/2024</a:t>
+              <a:t>22/05/2024</a:t>
             </a:fld>
             <a:endParaRPr lang="pt-PT" dirty="0"/>
           </a:p>
@@ -6507,7 +6423,7 @@
             <a:fld id="{5A5E2DE2-A0B4-45FD-A905-FEFD5975439B}" type="datetimeFigureOut">
               <a:rPr lang="pt-PT" smtClean="0"/>
               <a:pPr/>
-              <a:t>21/05/2024</a:t>
+              <a:t>22/05/2024</a:t>
             </a:fld>
             <a:endParaRPr lang="pt-PT" dirty="0"/>
           </a:p>
@@ -8023,198 +7939,6 @@
         </p:nvSpPr>
         <p:spPr>
           <a:xfrm>
-            <a:off x="3239528" y="505952"/>
-            <a:ext cx="6198973" cy="647345"/>
-          </a:xfrm>
-          <a:ln>
-            <a:noFill/>
-          </a:ln>
-        </p:spPr>
-        <p:txBody>
-          <a:bodyPr>
-            <a:noAutofit/>
-          </a:bodyPr>
-          <a:lstStyle/>
-          <a:p>
-            <a:pPr algn="ctr"/>
-            <a:r>
-              <a:rPr lang="pt-PT" sz="3600" b="1" dirty="0"/>
-              <a:t>METODOLOGIA</a:t>
-            </a:r>
-            <a:br>
-              <a:rPr lang="pt-PT" sz="3600" b="1" dirty="0"/>
-            </a:br>
-            <a:endParaRPr lang="pt-BR" sz="3600" dirty="0"/>
-          </a:p>
-        </p:txBody>
-      </p:sp>
-      <p:sp>
-        <p:nvSpPr>
-          <p:cNvPr id="5" name="CaixaDeTexto 4"/>
-          <p:cNvSpPr txBox="1"/>
-          <p:nvPr/>
-        </p:nvSpPr>
-        <p:spPr>
-          <a:xfrm>
-            <a:off x="1600540" y="1887126"/>
-            <a:ext cx="9476948" cy="2616101"/>
-          </a:xfrm>
-          <a:prstGeom prst="rect">
-            <a:avLst/>
-          </a:prstGeom>
-          <a:noFill/>
-        </p:spPr>
-        <p:txBody>
-          <a:bodyPr wrap="square" rtlCol="0">
-            <a:spAutoFit/>
-          </a:bodyPr>
-          <a:lstStyle/>
-          <a:p>
-            <a:pPr marL="342900" lvl="0" indent="-342900" algn="just">
-              <a:spcBef>
-                <a:spcPts val="600"/>
-              </a:spcBef>
-              <a:buFont typeface="Symbol" panose="05050102010706020507" pitchFamily="18" charset="2"/>
-              <a:buChar char=""/>
-            </a:pPr>
-            <a:r>
-              <a:rPr lang="pt-BR" sz="2400" b="1" dirty="0">
-                <a:latin typeface="+mj-lt"/>
-                <a:ea typeface="Calibri" panose="020F0502020204030204" pitchFamily="34" charset="0"/>
-              </a:rPr>
-              <a:t>Pesquisa Qualitativa</a:t>
-            </a:r>
-            <a:r>
-              <a:rPr lang="pt-BR" sz="2400" dirty="0">
-                <a:effectLst/>
-                <a:latin typeface="+mj-lt"/>
-                <a:ea typeface="Calibri" panose="020F0502020204030204" pitchFamily="34" charset="0"/>
-              </a:rPr>
-              <a:t> </a:t>
-            </a:r>
-            <a:endParaRPr lang="pt-BR" sz="2400" dirty="0">
-              <a:latin typeface="+mj-lt"/>
-              <a:ea typeface="Calibri" panose="020F0502020204030204" pitchFamily="34" charset="0"/>
-            </a:endParaRPr>
-          </a:p>
-          <a:p>
-            <a:pPr marL="342900" lvl="0" indent="-342900" algn="just">
-              <a:spcBef>
-                <a:spcPts val="600"/>
-              </a:spcBef>
-              <a:buFont typeface="Symbol" panose="05050102010706020507" pitchFamily="18" charset="2"/>
-              <a:buChar char=""/>
-            </a:pPr>
-            <a:endParaRPr lang="pt-PT" sz="2400" dirty="0">
-              <a:effectLst/>
-              <a:latin typeface="+mj-lt"/>
-              <a:ea typeface="Calibri" panose="020F0502020204030204" pitchFamily="34" charset="0"/>
-            </a:endParaRPr>
-          </a:p>
-          <a:p>
-            <a:pPr marL="342900" lvl="0" indent="-342900" algn="just">
-              <a:spcAft>
-                <a:spcPts val="600"/>
-              </a:spcAft>
-              <a:buFont typeface="Symbol" panose="05050102010706020507" pitchFamily="18" charset="2"/>
-              <a:buChar char=""/>
-            </a:pPr>
-            <a:r>
-              <a:rPr lang="pt-BR" sz="2400" b="1" dirty="0">
-                <a:latin typeface="+mj-lt"/>
-                <a:ea typeface="Calibri" panose="020F0502020204030204" pitchFamily="34" charset="0"/>
-              </a:rPr>
-              <a:t>Pesquisa Exploratória </a:t>
-            </a:r>
-          </a:p>
-          <a:p>
-            <a:pPr marL="342900" lvl="0" indent="-342900" algn="just">
-              <a:spcAft>
-                <a:spcPts val="600"/>
-              </a:spcAft>
-              <a:buFont typeface="Symbol" panose="05050102010706020507" pitchFamily="18" charset="2"/>
-              <a:buChar char=""/>
-            </a:pPr>
-            <a:endParaRPr lang="pt-BR" sz="2400" b="1" dirty="0">
-              <a:effectLst/>
-              <a:latin typeface="+mj-lt"/>
-              <a:ea typeface="Calibri" panose="020F0502020204030204" pitchFamily="34" charset="0"/>
-            </a:endParaRPr>
-          </a:p>
-          <a:p>
-            <a:pPr marL="342900" lvl="0" indent="-342900" algn="just">
-              <a:spcAft>
-                <a:spcPts val="600"/>
-              </a:spcAft>
-              <a:buFont typeface="Symbol" panose="05050102010706020507" pitchFamily="18" charset="2"/>
-              <a:buChar char=""/>
-            </a:pPr>
-            <a:r>
-              <a:rPr lang="pt-BR" sz="2400" b="1" dirty="0">
-                <a:latin typeface="+mj-lt"/>
-                <a:ea typeface="Calibri" panose="020F0502020204030204" pitchFamily="34" charset="0"/>
-              </a:rPr>
-              <a:t>Entrevistas.</a:t>
-            </a:r>
-          </a:p>
-          <a:p>
-            <a:pPr marL="342900" lvl="0" indent="-342900" algn="just">
-              <a:spcAft>
-                <a:spcPts val="600"/>
-              </a:spcAft>
-              <a:buFont typeface="Symbol" panose="05050102010706020507" pitchFamily="18" charset="2"/>
-              <a:buChar char=""/>
-            </a:pPr>
-            <a:endParaRPr lang="pt-BR" sz="2400" b="1" dirty="0">
-              <a:effectLst/>
-              <a:latin typeface="+mj-lt"/>
-              <a:ea typeface="Calibri" panose="020F0502020204030204" pitchFamily="34" charset="0"/>
-            </a:endParaRPr>
-          </a:p>
-        </p:txBody>
-      </p:sp>
-    </p:spTree>
-    <p:extLst>
-      <p:ext uri="{BB962C8B-B14F-4D97-AF65-F5344CB8AC3E}">
-        <p14:creationId xmlns:p14="http://schemas.microsoft.com/office/powerpoint/2010/main" val="2053198314"/>
-      </p:ext>
-    </p:extLst>
-  </p:cSld>
-  <p:clrMapOvr>
-    <a:masterClrMapping/>
-  </p:clrMapOvr>
-</p:sld>
-</file>
-
-<file path=ppt/slides/slide11.xml><?xml version="1.0" encoding="utf-8"?>
-<p:sld xmlns:a="http://schemas.openxmlformats.org/drawingml/2006/main" xmlns:r="http://schemas.openxmlformats.org/officeDocument/2006/relationships" xmlns:p="http://schemas.openxmlformats.org/presentationml/2006/main">
-  <p:cSld>
-    <p:spTree>
-      <p:nvGrpSpPr>
-        <p:cNvPr id="1" name=""/>
-        <p:cNvGrpSpPr/>
-        <p:nvPr/>
-      </p:nvGrpSpPr>
-      <p:grpSpPr>
-        <a:xfrm>
-          <a:off x="0" y="0"/>
-          <a:ext cx="0" cy="0"/>
-          <a:chOff x="0" y="0"/>
-          <a:chExt cx="0" cy="0"/>
-        </a:xfrm>
-      </p:grpSpPr>
-      <p:sp>
-        <p:nvSpPr>
-          <p:cNvPr id="2" name="Título 1"/>
-          <p:cNvSpPr>
-            <a:spLocks noGrp="1"/>
-          </p:cNvSpPr>
-          <p:nvPr>
-            <p:ph type="title"/>
-          </p:nvPr>
-        </p:nvSpPr>
-        <p:spPr>
-          <a:xfrm>
             <a:off x="1600539" y="505953"/>
             <a:ext cx="9411419" cy="523220"/>
           </a:xfrm>
@@ -8329,7 +8053,7 @@
 </p:sld>
 </file>
 
-<file path=ppt/slides/slide12.xml><?xml version="1.0" encoding="utf-8"?>
+<file path=ppt/slides/slide11.xml><?xml version="1.0" encoding="utf-8"?>
 <p:sld xmlns:a="http://schemas.openxmlformats.org/drawingml/2006/main" xmlns:r="http://schemas.openxmlformats.org/officeDocument/2006/relationships" xmlns:p="http://schemas.openxmlformats.org/presentationml/2006/main">
   <p:cSld>
     <p:spTree>
@@ -8552,1401 +8276,7 @@
 </p:sld>
 </file>
 
-<file path=ppt/slides/slide13.xml><?xml version="1.0" encoding="utf-8"?>
-<p:sld xmlns:a="http://schemas.openxmlformats.org/drawingml/2006/main" xmlns:r="http://schemas.openxmlformats.org/officeDocument/2006/relationships" xmlns:p="http://schemas.openxmlformats.org/presentationml/2006/main" show="0">
-  <p:cSld>
-    <p:spTree>
-      <p:nvGrpSpPr>
-        <p:cNvPr id="1" name=""/>
-        <p:cNvGrpSpPr/>
-        <p:nvPr/>
-      </p:nvGrpSpPr>
-      <p:grpSpPr>
-        <a:xfrm>
-          <a:off x="0" y="0"/>
-          <a:ext cx="0" cy="0"/>
-          <a:chOff x="0" y="0"/>
-          <a:chExt cx="0" cy="0"/>
-        </a:xfrm>
-      </p:grpSpPr>
-      <p:graphicFrame>
-        <p:nvGraphicFramePr>
-          <p:cNvPr id="4" name="Table 3">
-            <a:extLst>
-              <a:ext uri="{FF2B5EF4-FFF2-40B4-BE49-F238E27FC236}">
-                <a16:creationId xmlns:a16="http://schemas.microsoft.com/office/drawing/2014/main" id="{1C8917F1-D0DD-72BA-B585-5948E8950339}"/>
-              </a:ext>
-            </a:extLst>
-          </p:cNvPr>
-          <p:cNvGraphicFramePr>
-            <a:graphicFrameLocks noGrp="1"/>
-          </p:cNvGraphicFramePr>
-          <p:nvPr>
-            <p:extLst>
-              <p:ext uri="{D42A27DB-BD31-4B8C-83A1-F6EECF244321}">
-                <p14:modId xmlns:p14="http://schemas.microsoft.com/office/powerpoint/2010/main" val="3753139637"/>
-              </p:ext>
-            </p:extLst>
-          </p:nvPr>
-        </p:nvGraphicFramePr>
-        <p:xfrm>
-          <a:off x="1259457" y="1128942"/>
-          <a:ext cx="10187795" cy="4933326"/>
-        </p:xfrm>
-        <a:graphic>
-          <a:graphicData uri="http://schemas.openxmlformats.org/drawingml/2006/table">
-            <a:tbl>
-              <a:tblPr firstRow="1" firstCol="1" bandRow="1">
-                <a:tableStyleId>{5C22544A-7EE6-4342-B048-85BDC9FD1C3A}</a:tableStyleId>
-              </a:tblPr>
-              <a:tblGrid>
-                <a:gridCol w="871922">
-                  <a:extLst>
-                    <a:ext uri="{9D8B030D-6E8A-4147-A177-3AD203B41FA5}">
-                      <a16:colId xmlns:a16="http://schemas.microsoft.com/office/drawing/2014/main" val="3167618181"/>
-                    </a:ext>
-                  </a:extLst>
-                </a:gridCol>
-                <a:gridCol w="2518259">
-                  <a:extLst>
-                    <a:ext uri="{9D8B030D-6E8A-4147-A177-3AD203B41FA5}">
-                      <a16:colId xmlns:a16="http://schemas.microsoft.com/office/drawing/2014/main" val="4173773488"/>
-                    </a:ext>
-                  </a:extLst>
-                </a:gridCol>
-                <a:gridCol w="5426015">
-                  <a:extLst>
-                    <a:ext uri="{9D8B030D-6E8A-4147-A177-3AD203B41FA5}">
-                      <a16:colId xmlns:a16="http://schemas.microsoft.com/office/drawing/2014/main" val="1383175386"/>
-                    </a:ext>
-                  </a:extLst>
-                </a:gridCol>
-                <a:gridCol w="1371599">
-                  <a:extLst>
-                    <a:ext uri="{9D8B030D-6E8A-4147-A177-3AD203B41FA5}">
-                      <a16:colId xmlns:a16="http://schemas.microsoft.com/office/drawing/2014/main" val="2272158549"/>
-                    </a:ext>
-                  </a:extLst>
-                </a:gridCol>
-              </a:tblGrid>
-              <a:tr h="339376">
-                <a:tc>
-                  <a:txBody>
-                    <a:bodyPr/>
-                    <a:lstStyle/>
-                    <a:p>
-                      <a:pPr algn="ctr">
-                        <a:lnSpc>
-                          <a:spcPct val="150000"/>
-                        </a:lnSpc>
-                        <a:spcBef>
-                          <a:spcPts val="600"/>
-                        </a:spcBef>
-                        <a:spcAft>
-                          <a:spcPts val="600"/>
-                        </a:spcAft>
-                      </a:pPr>
-                      <a:r>
-                        <a:rPr lang="pt-PT" sz="1200" b="1" dirty="0">
-                          <a:effectLst/>
-                          <a:latin typeface="+mj-lt"/>
-                        </a:rPr>
-                        <a:t>ID</a:t>
-                      </a:r>
-                      <a:endParaRPr lang="pt-PT" sz="1200" b="1" dirty="0">
-                        <a:effectLst/>
-                        <a:latin typeface="+mj-lt"/>
-                        <a:ea typeface="Calibri" panose="020F0502020204030204" pitchFamily="34" charset="0"/>
-                        <a:cs typeface="Arial" panose="020B0604020202020204" pitchFamily="34" charset="0"/>
-                      </a:endParaRPr>
-                    </a:p>
-                  </a:txBody>
-                  <a:tcPr marL="51106" marR="51106" marT="0" marB="0"/>
-                </a:tc>
-                <a:tc>
-                  <a:txBody>
-                    <a:bodyPr/>
-                    <a:lstStyle/>
-                    <a:p>
-                      <a:pPr algn="ctr">
-                        <a:lnSpc>
-                          <a:spcPct val="150000"/>
-                        </a:lnSpc>
-                        <a:spcBef>
-                          <a:spcPts val="600"/>
-                        </a:spcBef>
-                        <a:spcAft>
-                          <a:spcPts val="600"/>
-                        </a:spcAft>
-                      </a:pPr>
-                      <a:r>
-                        <a:rPr lang="pt-PT" sz="1200" b="1" dirty="0">
-                          <a:effectLst/>
-                          <a:latin typeface="+mj-lt"/>
-                        </a:rPr>
-                        <a:t>REQUISITO</a:t>
-                      </a:r>
-                      <a:endParaRPr lang="pt-PT" sz="1200" b="1" dirty="0">
-                        <a:effectLst/>
-                        <a:latin typeface="+mj-lt"/>
-                        <a:ea typeface="Calibri" panose="020F0502020204030204" pitchFamily="34" charset="0"/>
-                        <a:cs typeface="Arial" panose="020B0604020202020204" pitchFamily="34" charset="0"/>
-                      </a:endParaRPr>
-                    </a:p>
-                  </a:txBody>
-                  <a:tcPr marL="51106" marR="51106" marT="0" marB="0"/>
-                </a:tc>
-                <a:tc>
-                  <a:txBody>
-                    <a:bodyPr/>
-                    <a:lstStyle/>
-                    <a:p>
-                      <a:pPr algn="ctr">
-                        <a:lnSpc>
-                          <a:spcPct val="150000"/>
-                        </a:lnSpc>
-                        <a:spcBef>
-                          <a:spcPts val="600"/>
-                        </a:spcBef>
-                        <a:spcAft>
-                          <a:spcPts val="600"/>
-                        </a:spcAft>
-                      </a:pPr>
-                      <a:r>
-                        <a:rPr lang="pt-PT" sz="1200" b="1" dirty="0">
-                          <a:effectLst/>
-                          <a:latin typeface="+mj-lt"/>
-                        </a:rPr>
-                        <a:t>DESCRIÇÃO</a:t>
-                      </a:r>
-                      <a:endParaRPr lang="pt-PT" sz="1200" b="1" dirty="0">
-                        <a:effectLst/>
-                        <a:latin typeface="+mj-lt"/>
-                        <a:ea typeface="Calibri" panose="020F0502020204030204" pitchFamily="34" charset="0"/>
-                        <a:cs typeface="Arial" panose="020B0604020202020204" pitchFamily="34" charset="0"/>
-                      </a:endParaRPr>
-                    </a:p>
-                  </a:txBody>
-                  <a:tcPr marL="51106" marR="51106" marT="0" marB="0"/>
-                </a:tc>
-                <a:tc>
-                  <a:txBody>
-                    <a:bodyPr/>
-                    <a:lstStyle/>
-                    <a:p>
-                      <a:pPr algn="ctr">
-                        <a:lnSpc>
-                          <a:spcPct val="150000"/>
-                        </a:lnSpc>
-                        <a:spcBef>
-                          <a:spcPts val="600"/>
-                        </a:spcBef>
-                        <a:spcAft>
-                          <a:spcPts val="600"/>
-                        </a:spcAft>
-                      </a:pPr>
-                      <a:r>
-                        <a:rPr lang="pt-PT" sz="1200" b="1" dirty="0">
-                          <a:effectLst/>
-                          <a:latin typeface="+mj-lt"/>
-                        </a:rPr>
-                        <a:t>PRIORIDADE</a:t>
-                      </a:r>
-                      <a:endParaRPr lang="pt-PT" sz="1200" b="1" dirty="0">
-                        <a:effectLst/>
-                        <a:latin typeface="+mj-lt"/>
-                        <a:ea typeface="Calibri" panose="020F0502020204030204" pitchFamily="34" charset="0"/>
-                        <a:cs typeface="Arial" panose="020B0604020202020204" pitchFamily="34" charset="0"/>
-                      </a:endParaRPr>
-                    </a:p>
-                  </a:txBody>
-                  <a:tcPr marL="51106" marR="51106" marT="0" marB="0"/>
-                </a:tc>
-                <a:extLst>
-                  <a:ext uri="{0D108BD9-81ED-4DB2-BD59-A6C34878D82A}">
-                    <a16:rowId xmlns:a16="http://schemas.microsoft.com/office/drawing/2014/main" val="2807025278"/>
-                  </a:ext>
-                </a:extLst>
-              </a:tr>
-              <a:tr h="551565">
-                <a:tc>
-                  <a:txBody>
-                    <a:bodyPr/>
-                    <a:lstStyle/>
-                    <a:p>
-                      <a:pPr algn="ctr">
-                        <a:lnSpc>
-                          <a:spcPct val="150000"/>
-                        </a:lnSpc>
-                        <a:spcBef>
-                          <a:spcPts val="600"/>
-                        </a:spcBef>
-                        <a:spcAft>
-                          <a:spcPts val="600"/>
-                        </a:spcAft>
-                      </a:pPr>
-                      <a:r>
-                        <a:rPr lang="pt-PT" sz="1200" b="0" dirty="0">
-                          <a:effectLst/>
-                          <a:latin typeface="+mj-lt"/>
-                        </a:rPr>
-                        <a:t>RF01</a:t>
-                      </a:r>
-                      <a:endParaRPr lang="pt-PT" sz="1200" b="0" dirty="0">
-                        <a:effectLst/>
-                        <a:latin typeface="+mj-lt"/>
-                        <a:ea typeface="Calibri" panose="020F0502020204030204" pitchFamily="34" charset="0"/>
-                        <a:cs typeface="Arial" panose="020B0604020202020204" pitchFamily="34" charset="0"/>
-                      </a:endParaRPr>
-                    </a:p>
-                  </a:txBody>
-                  <a:tcPr marL="51106" marR="51106" marT="0" marB="0"/>
-                </a:tc>
-                <a:tc>
-                  <a:txBody>
-                    <a:bodyPr/>
-                    <a:lstStyle/>
-                    <a:p>
-                      <a:pPr algn="ctr">
-                        <a:lnSpc>
-                          <a:spcPct val="150000"/>
-                        </a:lnSpc>
-                        <a:spcBef>
-                          <a:spcPts val="600"/>
-                        </a:spcBef>
-                        <a:spcAft>
-                          <a:spcPts val="600"/>
-                        </a:spcAft>
-                      </a:pPr>
-                      <a:r>
-                        <a:rPr lang="pt-BR" sz="1200" b="0" dirty="0">
-                          <a:effectLst/>
-                          <a:latin typeface="+mj-lt"/>
-                        </a:rPr>
-                        <a:t>SUBMETER A PROPOSTA DE TFC</a:t>
-                      </a:r>
-                      <a:endParaRPr lang="pt-PT" sz="1200" b="0" dirty="0">
-                        <a:effectLst/>
-                        <a:latin typeface="+mj-lt"/>
-                        <a:ea typeface="Calibri" panose="020F0502020204030204" pitchFamily="34" charset="0"/>
-                        <a:cs typeface="Arial" panose="020B0604020202020204" pitchFamily="34" charset="0"/>
-                      </a:endParaRPr>
-                    </a:p>
-                  </a:txBody>
-                  <a:tcPr marL="51106" marR="51106" marT="0" marB="0"/>
-                </a:tc>
-                <a:tc>
-                  <a:txBody>
-                    <a:bodyPr/>
-                    <a:lstStyle/>
-                    <a:p>
-                      <a:pPr algn="ctr">
-                        <a:lnSpc>
-                          <a:spcPct val="150000"/>
-                        </a:lnSpc>
-                        <a:spcBef>
-                          <a:spcPts val="600"/>
-                        </a:spcBef>
-                        <a:spcAft>
-                          <a:spcPts val="600"/>
-                        </a:spcAft>
-                      </a:pPr>
-                      <a:r>
-                        <a:rPr lang="pt-PT" sz="1200" b="0" dirty="0">
-                          <a:effectLst/>
-                          <a:latin typeface="+mj-lt"/>
-                        </a:rPr>
-                        <a:t>O SISTEMA DEVERÁ POSSIBILITAR O REGISTRO DE PROPOSTAS DE TFC</a:t>
-                      </a:r>
-                      <a:endParaRPr lang="pt-PT" sz="1200" b="0" dirty="0">
-                        <a:effectLst/>
-                        <a:latin typeface="+mj-lt"/>
-                        <a:ea typeface="Calibri" panose="020F0502020204030204" pitchFamily="34" charset="0"/>
-                        <a:cs typeface="Arial" panose="020B0604020202020204" pitchFamily="34" charset="0"/>
-                      </a:endParaRPr>
-                    </a:p>
-                  </a:txBody>
-                  <a:tcPr marL="51106" marR="51106" marT="0" marB="0"/>
-                </a:tc>
-                <a:tc>
-                  <a:txBody>
-                    <a:bodyPr/>
-                    <a:lstStyle/>
-                    <a:p>
-                      <a:pPr algn="ctr">
-                        <a:lnSpc>
-                          <a:spcPct val="150000"/>
-                        </a:lnSpc>
-                        <a:spcBef>
-                          <a:spcPts val="600"/>
-                        </a:spcBef>
-                        <a:spcAft>
-                          <a:spcPts val="600"/>
-                        </a:spcAft>
-                      </a:pPr>
-                      <a:r>
-                        <a:rPr lang="pt-PT" sz="1200" b="0" dirty="0">
-                          <a:effectLst/>
-                          <a:latin typeface="+mj-lt"/>
-                        </a:rPr>
-                        <a:t>IMPORTANTE</a:t>
-                      </a:r>
-                      <a:endParaRPr lang="pt-PT" sz="1200" b="0" dirty="0">
-                        <a:effectLst/>
-                        <a:latin typeface="+mj-lt"/>
-                        <a:ea typeface="Calibri" panose="020F0502020204030204" pitchFamily="34" charset="0"/>
-                        <a:cs typeface="Arial" panose="020B0604020202020204" pitchFamily="34" charset="0"/>
-                      </a:endParaRPr>
-                    </a:p>
-                  </a:txBody>
-                  <a:tcPr marL="51106" marR="51106" marT="0" marB="0"/>
-                </a:tc>
-                <a:extLst>
-                  <a:ext uri="{0D108BD9-81ED-4DB2-BD59-A6C34878D82A}">
-                    <a16:rowId xmlns:a16="http://schemas.microsoft.com/office/drawing/2014/main" val="1775572199"/>
-                  </a:ext>
-                </a:extLst>
-              </a:tr>
-              <a:tr h="378260">
-                <a:tc>
-                  <a:txBody>
-                    <a:bodyPr/>
-                    <a:lstStyle/>
-                    <a:p>
-                      <a:pPr algn="ctr">
-                        <a:lnSpc>
-                          <a:spcPct val="150000"/>
-                        </a:lnSpc>
-                        <a:spcBef>
-                          <a:spcPts val="600"/>
-                        </a:spcBef>
-                        <a:spcAft>
-                          <a:spcPts val="600"/>
-                        </a:spcAft>
-                      </a:pPr>
-                      <a:r>
-                        <a:rPr lang="pt-PT" sz="1200" b="0" dirty="0">
-                          <a:effectLst/>
-                          <a:latin typeface="+mj-lt"/>
-                        </a:rPr>
-                        <a:t>RF02</a:t>
-                      </a:r>
-                      <a:endParaRPr lang="pt-PT" sz="1200" b="0" dirty="0">
-                        <a:effectLst/>
-                        <a:latin typeface="+mj-lt"/>
-                        <a:ea typeface="Calibri" panose="020F0502020204030204" pitchFamily="34" charset="0"/>
-                        <a:cs typeface="Arial" panose="020B0604020202020204" pitchFamily="34" charset="0"/>
-                      </a:endParaRPr>
-                    </a:p>
-                  </a:txBody>
-                  <a:tcPr marL="51106" marR="51106" marT="0" marB="0"/>
-                </a:tc>
-                <a:tc>
-                  <a:txBody>
-                    <a:bodyPr/>
-                    <a:lstStyle/>
-                    <a:p>
-                      <a:pPr algn="ctr">
-                        <a:lnSpc>
-                          <a:spcPct val="150000"/>
-                        </a:lnSpc>
-                        <a:spcBef>
-                          <a:spcPts val="600"/>
-                        </a:spcBef>
-                        <a:spcAft>
-                          <a:spcPts val="600"/>
-                        </a:spcAft>
-                      </a:pPr>
-                      <a:r>
-                        <a:rPr lang="pt-PT" sz="1200" b="0" dirty="0">
-                          <a:effectLst/>
-                          <a:latin typeface="+mj-lt"/>
-                        </a:rPr>
-                        <a:t>REGISTRAR PACIENTES</a:t>
-                      </a:r>
-                      <a:endParaRPr lang="pt-PT" sz="1200" b="0" dirty="0">
-                        <a:effectLst/>
-                        <a:latin typeface="+mj-lt"/>
-                        <a:ea typeface="Calibri" panose="020F0502020204030204" pitchFamily="34" charset="0"/>
-                        <a:cs typeface="Arial" panose="020B0604020202020204" pitchFamily="34" charset="0"/>
-                      </a:endParaRPr>
-                    </a:p>
-                  </a:txBody>
-                  <a:tcPr marL="51106" marR="51106" marT="0" marB="0"/>
-                </a:tc>
-                <a:tc>
-                  <a:txBody>
-                    <a:bodyPr/>
-                    <a:lstStyle/>
-                    <a:p>
-                      <a:pPr algn="ctr">
-                        <a:lnSpc>
-                          <a:spcPct val="150000"/>
-                        </a:lnSpc>
-                        <a:spcBef>
-                          <a:spcPts val="600"/>
-                        </a:spcBef>
-                        <a:spcAft>
-                          <a:spcPts val="600"/>
-                        </a:spcAft>
-                      </a:pPr>
-                      <a:r>
-                        <a:rPr lang="pt-PT" sz="1200" b="0" dirty="0">
-                          <a:effectLst/>
-                          <a:latin typeface="+mj-lt"/>
-                        </a:rPr>
-                        <a:t>O SISTEMA DEVERÁ POSSIBILITAR O REGISTRO DOS PACIENTES NO SISTEMA MÓDULO</a:t>
-                      </a:r>
-                      <a:endParaRPr lang="pt-PT" sz="1200" b="0" dirty="0">
-                        <a:effectLst/>
-                        <a:latin typeface="+mj-lt"/>
-                        <a:ea typeface="Calibri" panose="020F0502020204030204" pitchFamily="34" charset="0"/>
-                        <a:cs typeface="Arial" panose="020B0604020202020204" pitchFamily="34" charset="0"/>
-                      </a:endParaRPr>
-                    </a:p>
-                  </a:txBody>
-                  <a:tcPr marL="51106" marR="51106" marT="0" marB="0"/>
-                </a:tc>
-                <a:tc>
-                  <a:txBody>
-                    <a:bodyPr/>
-                    <a:lstStyle/>
-                    <a:p>
-                      <a:pPr algn="ctr">
-                        <a:lnSpc>
-                          <a:spcPct val="150000"/>
-                        </a:lnSpc>
-                        <a:spcBef>
-                          <a:spcPts val="600"/>
-                        </a:spcBef>
-                        <a:spcAft>
-                          <a:spcPts val="600"/>
-                        </a:spcAft>
-                      </a:pPr>
-                      <a:r>
-                        <a:rPr lang="pt-PT" sz="1200" b="0" dirty="0">
-                          <a:effectLst/>
-                          <a:latin typeface="+mj-lt"/>
-                        </a:rPr>
-                        <a:t>IMPORTANTE</a:t>
-                      </a:r>
-                      <a:endParaRPr lang="pt-PT" sz="1200" b="0" dirty="0">
-                        <a:effectLst/>
-                        <a:latin typeface="+mj-lt"/>
-                        <a:ea typeface="Calibri" panose="020F0502020204030204" pitchFamily="34" charset="0"/>
-                        <a:cs typeface="Arial" panose="020B0604020202020204" pitchFamily="34" charset="0"/>
-                      </a:endParaRPr>
-                    </a:p>
-                  </a:txBody>
-                  <a:tcPr marL="51106" marR="51106" marT="0" marB="0"/>
-                </a:tc>
-                <a:extLst>
-                  <a:ext uri="{0D108BD9-81ED-4DB2-BD59-A6C34878D82A}">
-                    <a16:rowId xmlns:a16="http://schemas.microsoft.com/office/drawing/2014/main" val="3226308301"/>
-                  </a:ext>
-                </a:extLst>
-              </a:tr>
-              <a:tr h="698053">
-                <a:tc>
-                  <a:txBody>
-                    <a:bodyPr/>
-                    <a:lstStyle/>
-                    <a:p>
-                      <a:pPr algn="ctr">
-                        <a:lnSpc>
-                          <a:spcPct val="150000"/>
-                        </a:lnSpc>
-                        <a:spcBef>
-                          <a:spcPts val="600"/>
-                        </a:spcBef>
-                        <a:spcAft>
-                          <a:spcPts val="600"/>
-                        </a:spcAft>
-                      </a:pPr>
-                      <a:r>
-                        <a:rPr lang="pt-PT" sz="1200" b="0" dirty="0">
-                          <a:effectLst/>
-                          <a:latin typeface="+mj-lt"/>
-                        </a:rPr>
-                        <a:t>RF03</a:t>
-                      </a:r>
-                      <a:endParaRPr lang="pt-PT" sz="1200" b="0" dirty="0">
-                        <a:effectLst/>
-                        <a:latin typeface="+mj-lt"/>
-                        <a:ea typeface="Calibri" panose="020F0502020204030204" pitchFamily="34" charset="0"/>
-                        <a:cs typeface="Arial" panose="020B0604020202020204" pitchFamily="34" charset="0"/>
-                      </a:endParaRPr>
-                    </a:p>
-                  </a:txBody>
-                  <a:tcPr marL="51106" marR="51106" marT="0" marB="0"/>
-                </a:tc>
-                <a:tc>
-                  <a:txBody>
-                    <a:bodyPr/>
-                    <a:lstStyle/>
-                    <a:p>
-                      <a:pPr algn="ctr">
-                        <a:lnSpc>
-                          <a:spcPct val="150000"/>
-                        </a:lnSpc>
-                        <a:spcBef>
-                          <a:spcPts val="600"/>
-                        </a:spcBef>
-                        <a:spcAft>
-                          <a:spcPts val="600"/>
-                        </a:spcAft>
-                      </a:pPr>
-                      <a:r>
-                        <a:rPr lang="pt-PT" sz="1200" b="0" dirty="0">
-                          <a:effectLst/>
-                          <a:latin typeface="+mj-lt"/>
-                        </a:rPr>
-                        <a:t>LISTAR PROPOSTAS DE TFC</a:t>
-                      </a:r>
-                      <a:endParaRPr lang="pt-PT" sz="1200" b="0" dirty="0">
-                        <a:effectLst/>
-                        <a:latin typeface="+mj-lt"/>
-                        <a:ea typeface="Calibri" panose="020F0502020204030204" pitchFamily="34" charset="0"/>
-                        <a:cs typeface="Arial" panose="020B0604020202020204" pitchFamily="34" charset="0"/>
-                      </a:endParaRPr>
-                    </a:p>
-                  </a:txBody>
-                  <a:tcPr marL="51106" marR="51106" marT="0" marB="0"/>
-                </a:tc>
-                <a:tc>
-                  <a:txBody>
-                    <a:bodyPr/>
-                    <a:lstStyle/>
-                    <a:p>
-                      <a:pPr algn="ctr">
-                        <a:lnSpc>
-                          <a:spcPct val="150000"/>
-                        </a:lnSpc>
-                        <a:spcBef>
-                          <a:spcPts val="600"/>
-                        </a:spcBef>
-                        <a:spcAft>
-                          <a:spcPts val="600"/>
-                        </a:spcAft>
-                      </a:pPr>
-                      <a:r>
-                        <a:rPr lang="pt-PT" sz="1200" b="0" dirty="0">
-                          <a:effectLst/>
-                          <a:latin typeface="+mj-lt"/>
-                        </a:rPr>
-                        <a:t>O MÓDULO DEVERÁ PERMITIR A EMISSÃO DE RECIBO OU CÓDIGO DE TRANSFERÊNCIA</a:t>
-                      </a:r>
-                      <a:endParaRPr lang="pt-PT" sz="1200" b="0" dirty="0">
-                        <a:effectLst/>
-                        <a:latin typeface="+mj-lt"/>
-                        <a:ea typeface="Calibri" panose="020F0502020204030204" pitchFamily="34" charset="0"/>
-                        <a:cs typeface="Arial" panose="020B0604020202020204" pitchFamily="34" charset="0"/>
-                      </a:endParaRPr>
-                    </a:p>
-                  </a:txBody>
-                  <a:tcPr marL="51106" marR="51106" marT="0" marB="0"/>
-                </a:tc>
-                <a:tc>
-                  <a:txBody>
-                    <a:bodyPr/>
-                    <a:lstStyle/>
-                    <a:p>
-                      <a:pPr algn="ctr">
-                        <a:lnSpc>
-                          <a:spcPct val="150000"/>
-                        </a:lnSpc>
-                        <a:spcBef>
-                          <a:spcPts val="600"/>
-                        </a:spcBef>
-                        <a:spcAft>
-                          <a:spcPts val="600"/>
-                        </a:spcAft>
-                      </a:pPr>
-                      <a:r>
-                        <a:rPr lang="pt-PT" sz="1200" b="0" dirty="0">
-                          <a:effectLst/>
-                          <a:latin typeface="+mj-lt"/>
-                        </a:rPr>
-                        <a:t>ESSENCIAL</a:t>
-                      </a:r>
-                      <a:endParaRPr lang="pt-PT" sz="1200" b="0" dirty="0">
-                        <a:effectLst/>
-                        <a:latin typeface="+mj-lt"/>
-                        <a:ea typeface="Calibri" panose="020F0502020204030204" pitchFamily="34" charset="0"/>
-                        <a:cs typeface="Arial" panose="020B0604020202020204" pitchFamily="34" charset="0"/>
-                      </a:endParaRPr>
-                    </a:p>
-                  </a:txBody>
-                  <a:tcPr marL="51106" marR="51106" marT="0" marB="0"/>
-                </a:tc>
-                <a:extLst>
-                  <a:ext uri="{0D108BD9-81ED-4DB2-BD59-A6C34878D82A}">
-                    <a16:rowId xmlns:a16="http://schemas.microsoft.com/office/drawing/2014/main" val="3228784163"/>
-                  </a:ext>
-                </a:extLst>
-              </a:tr>
-              <a:tr h="623277">
-                <a:tc>
-                  <a:txBody>
-                    <a:bodyPr/>
-                    <a:lstStyle/>
-                    <a:p>
-                      <a:pPr algn="ctr">
-                        <a:lnSpc>
-                          <a:spcPct val="150000"/>
-                        </a:lnSpc>
-                        <a:spcBef>
-                          <a:spcPts val="600"/>
-                        </a:spcBef>
-                        <a:spcAft>
-                          <a:spcPts val="600"/>
-                        </a:spcAft>
-                      </a:pPr>
-                      <a:r>
-                        <a:rPr lang="pt-PT" sz="1200" b="0" dirty="0">
-                          <a:effectLst/>
-                          <a:latin typeface="+mj-lt"/>
-                        </a:rPr>
-                        <a:t>RF04</a:t>
-                      </a:r>
-                      <a:endParaRPr lang="pt-PT" sz="1200" b="0" dirty="0">
-                        <a:effectLst/>
-                        <a:latin typeface="+mj-lt"/>
-                        <a:ea typeface="Calibri" panose="020F0502020204030204" pitchFamily="34" charset="0"/>
-                        <a:cs typeface="Arial" panose="020B0604020202020204" pitchFamily="34" charset="0"/>
-                      </a:endParaRPr>
-                    </a:p>
-                  </a:txBody>
-                  <a:tcPr marL="51106" marR="51106" marT="0" marB="0"/>
-                </a:tc>
-                <a:tc>
-                  <a:txBody>
-                    <a:bodyPr/>
-                    <a:lstStyle/>
-                    <a:p>
-                      <a:pPr algn="ctr">
-                        <a:lnSpc>
-                          <a:spcPct val="150000"/>
-                        </a:lnSpc>
-                        <a:spcBef>
-                          <a:spcPts val="600"/>
-                        </a:spcBef>
-                        <a:spcAft>
-                          <a:spcPts val="600"/>
-                        </a:spcAft>
-                      </a:pPr>
-                      <a:r>
-                        <a:rPr lang="pt-PT" sz="1200" b="0" dirty="0">
-                          <a:effectLst/>
-                          <a:latin typeface="+mj-lt"/>
-                        </a:rPr>
-                        <a:t>ENVIAR NOTIFICAÇÃO </a:t>
-                      </a:r>
-                      <a:endParaRPr lang="pt-PT" sz="1200" b="0" dirty="0">
-                        <a:effectLst/>
-                        <a:latin typeface="+mj-lt"/>
-                        <a:ea typeface="Calibri" panose="020F0502020204030204" pitchFamily="34" charset="0"/>
-                        <a:cs typeface="Arial" panose="020B0604020202020204" pitchFamily="34" charset="0"/>
-                      </a:endParaRPr>
-                    </a:p>
-                  </a:txBody>
-                  <a:tcPr marL="51106" marR="51106" marT="0" marB="0"/>
-                </a:tc>
-                <a:tc>
-                  <a:txBody>
-                    <a:bodyPr/>
-                    <a:lstStyle/>
-                    <a:p>
-                      <a:pPr algn="ctr">
-                        <a:lnSpc>
-                          <a:spcPct val="150000"/>
-                        </a:lnSpc>
-                        <a:spcBef>
-                          <a:spcPts val="600"/>
-                        </a:spcBef>
-                        <a:spcAft>
-                          <a:spcPts val="600"/>
-                        </a:spcAft>
-                      </a:pPr>
-                      <a:r>
-                        <a:rPr lang="pt-PT" sz="1200" b="0" dirty="0">
-                          <a:effectLst/>
-                          <a:latin typeface="+mj-lt"/>
-                        </a:rPr>
-                        <a:t>O MÓDULO DEVERÁ PERMITIR O ENVIO DE NOTIFICAÇÕES PARA OUTRA UNIDADE HOSPITALAR</a:t>
-                      </a:r>
-                      <a:endParaRPr lang="pt-PT" sz="1200" b="0" dirty="0">
-                        <a:effectLst/>
-                        <a:latin typeface="+mj-lt"/>
-                        <a:ea typeface="Calibri" panose="020F0502020204030204" pitchFamily="34" charset="0"/>
-                        <a:cs typeface="Arial" panose="020B0604020202020204" pitchFamily="34" charset="0"/>
-                      </a:endParaRPr>
-                    </a:p>
-                  </a:txBody>
-                  <a:tcPr marL="51106" marR="51106" marT="0" marB="0"/>
-                </a:tc>
-                <a:tc>
-                  <a:txBody>
-                    <a:bodyPr/>
-                    <a:lstStyle/>
-                    <a:p>
-                      <a:pPr algn="ctr">
-                        <a:lnSpc>
-                          <a:spcPct val="150000"/>
-                        </a:lnSpc>
-                        <a:spcBef>
-                          <a:spcPts val="600"/>
-                        </a:spcBef>
-                        <a:spcAft>
-                          <a:spcPts val="600"/>
-                        </a:spcAft>
-                      </a:pPr>
-                      <a:r>
-                        <a:rPr lang="pt-PT" sz="1200" b="0" dirty="0">
-                          <a:effectLst/>
-                          <a:latin typeface="+mj-lt"/>
-                        </a:rPr>
-                        <a:t>IMPORTANTE</a:t>
-                      </a:r>
-                      <a:endParaRPr lang="pt-PT" sz="1200" b="0" dirty="0">
-                        <a:effectLst/>
-                        <a:latin typeface="+mj-lt"/>
-                        <a:ea typeface="Calibri" panose="020F0502020204030204" pitchFamily="34" charset="0"/>
-                        <a:cs typeface="Arial" panose="020B0604020202020204" pitchFamily="34" charset="0"/>
-                      </a:endParaRPr>
-                    </a:p>
-                  </a:txBody>
-                  <a:tcPr marL="51106" marR="51106" marT="0" marB="0"/>
-                </a:tc>
-                <a:extLst>
-                  <a:ext uri="{0D108BD9-81ED-4DB2-BD59-A6C34878D82A}">
-                    <a16:rowId xmlns:a16="http://schemas.microsoft.com/office/drawing/2014/main" val="1106423339"/>
-                  </a:ext>
-                </a:extLst>
-              </a:tr>
-              <a:tr h="551565">
-                <a:tc>
-                  <a:txBody>
-                    <a:bodyPr/>
-                    <a:lstStyle/>
-                    <a:p>
-                      <a:pPr algn="ctr">
-                        <a:lnSpc>
-                          <a:spcPct val="150000"/>
-                        </a:lnSpc>
-                        <a:spcBef>
-                          <a:spcPts val="600"/>
-                        </a:spcBef>
-                        <a:spcAft>
-                          <a:spcPts val="600"/>
-                        </a:spcAft>
-                      </a:pPr>
-                      <a:r>
-                        <a:rPr lang="pt-PT" sz="1200" b="0" dirty="0">
-                          <a:effectLst/>
-                          <a:latin typeface="+mj-lt"/>
-                        </a:rPr>
-                        <a:t>RF05</a:t>
-                      </a:r>
-                      <a:endParaRPr lang="pt-PT" sz="1200" b="0" dirty="0">
-                        <a:effectLst/>
-                        <a:latin typeface="+mj-lt"/>
-                        <a:ea typeface="Calibri" panose="020F0502020204030204" pitchFamily="34" charset="0"/>
-                        <a:cs typeface="Arial" panose="020B0604020202020204" pitchFamily="34" charset="0"/>
-                      </a:endParaRPr>
-                    </a:p>
-                  </a:txBody>
-                  <a:tcPr marL="51106" marR="51106" marT="0" marB="0"/>
-                </a:tc>
-                <a:tc>
-                  <a:txBody>
-                    <a:bodyPr/>
-                    <a:lstStyle/>
-                    <a:p>
-                      <a:pPr algn="ctr">
-                        <a:lnSpc>
-                          <a:spcPct val="150000"/>
-                        </a:lnSpc>
-                        <a:spcBef>
-                          <a:spcPts val="600"/>
-                        </a:spcBef>
-                        <a:spcAft>
-                          <a:spcPts val="600"/>
-                        </a:spcAft>
-                      </a:pPr>
-                      <a:r>
-                        <a:rPr lang="pt-PT" sz="1200" b="0" dirty="0">
-                          <a:effectLst/>
-                          <a:latin typeface="+mj-lt"/>
-                        </a:rPr>
-                        <a:t>EFETUAR TRANSFERÊNCIA</a:t>
-                      </a:r>
-                      <a:endParaRPr lang="pt-PT" sz="1200" b="0" dirty="0">
-                        <a:effectLst/>
-                        <a:latin typeface="+mj-lt"/>
-                        <a:ea typeface="Calibri" panose="020F0502020204030204" pitchFamily="34" charset="0"/>
-                        <a:cs typeface="Arial" panose="020B0604020202020204" pitchFamily="34" charset="0"/>
-                      </a:endParaRPr>
-                    </a:p>
-                  </a:txBody>
-                  <a:tcPr marL="51106" marR="51106" marT="0" marB="0"/>
-                </a:tc>
-                <a:tc>
-                  <a:txBody>
-                    <a:bodyPr/>
-                    <a:lstStyle/>
-                    <a:p>
-                      <a:pPr algn="ctr">
-                        <a:lnSpc>
-                          <a:spcPct val="150000"/>
-                        </a:lnSpc>
-                        <a:spcBef>
-                          <a:spcPts val="600"/>
-                        </a:spcBef>
-                        <a:spcAft>
-                          <a:spcPts val="600"/>
-                        </a:spcAft>
-                      </a:pPr>
-                      <a:r>
-                        <a:rPr lang="pt-PT" sz="1200" b="0" dirty="0">
-                          <a:effectLst/>
-                          <a:latin typeface="+mj-lt"/>
-                        </a:rPr>
-                        <a:t>O MÓDULO DEVERÁ EFETUAR TRANSFERÊNCIAS</a:t>
-                      </a:r>
-                      <a:endParaRPr lang="pt-PT" sz="1200" b="0" dirty="0">
-                        <a:effectLst/>
-                        <a:latin typeface="+mj-lt"/>
-                        <a:ea typeface="Calibri" panose="020F0502020204030204" pitchFamily="34" charset="0"/>
-                        <a:cs typeface="Arial" panose="020B0604020202020204" pitchFamily="34" charset="0"/>
-                      </a:endParaRPr>
-                    </a:p>
-                  </a:txBody>
-                  <a:tcPr marL="51106" marR="51106" marT="0" marB="0"/>
-                </a:tc>
-                <a:tc>
-                  <a:txBody>
-                    <a:bodyPr/>
-                    <a:lstStyle/>
-                    <a:p>
-                      <a:pPr algn="ctr">
-                        <a:lnSpc>
-                          <a:spcPct val="150000"/>
-                        </a:lnSpc>
-                        <a:spcBef>
-                          <a:spcPts val="600"/>
-                        </a:spcBef>
-                        <a:spcAft>
-                          <a:spcPts val="600"/>
-                        </a:spcAft>
-                      </a:pPr>
-                      <a:r>
-                        <a:rPr lang="pt-PT" sz="1200" b="0" dirty="0">
-                          <a:effectLst/>
-                          <a:latin typeface="+mj-lt"/>
-                        </a:rPr>
-                        <a:t>IMPORTANTE</a:t>
-                      </a:r>
-                      <a:endParaRPr lang="pt-PT" sz="1200" b="0" dirty="0">
-                        <a:effectLst/>
-                        <a:latin typeface="+mj-lt"/>
-                        <a:ea typeface="Calibri" panose="020F0502020204030204" pitchFamily="34" charset="0"/>
-                        <a:cs typeface="Arial" panose="020B0604020202020204" pitchFamily="34" charset="0"/>
-                      </a:endParaRPr>
-                    </a:p>
-                  </a:txBody>
-                  <a:tcPr marL="51106" marR="51106" marT="0" marB="0"/>
-                </a:tc>
-                <a:extLst>
-                  <a:ext uri="{0D108BD9-81ED-4DB2-BD59-A6C34878D82A}">
-                    <a16:rowId xmlns:a16="http://schemas.microsoft.com/office/drawing/2014/main" val="3047940943"/>
-                  </a:ext>
-                </a:extLst>
-              </a:tr>
-              <a:tr h="551565">
-                <a:tc>
-                  <a:txBody>
-                    <a:bodyPr/>
-                    <a:lstStyle/>
-                    <a:p>
-                      <a:pPr algn="ctr">
-                        <a:lnSpc>
-                          <a:spcPct val="150000"/>
-                        </a:lnSpc>
-                        <a:spcBef>
-                          <a:spcPts val="600"/>
-                        </a:spcBef>
-                        <a:spcAft>
-                          <a:spcPts val="600"/>
-                        </a:spcAft>
-                      </a:pPr>
-                      <a:r>
-                        <a:rPr lang="pt-PT" sz="1200" b="0" dirty="0">
-                          <a:effectLst/>
-                          <a:latin typeface="+mj-lt"/>
-                        </a:rPr>
-                        <a:t>RF06</a:t>
-                      </a:r>
-                      <a:endParaRPr lang="pt-PT" sz="1200" b="0" dirty="0">
-                        <a:effectLst/>
-                        <a:latin typeface="+mj-lt"/>
-                        <a:ea typeface="Calibri" panose="020F0502020204030204" pitchFamily="34" charset="0"/>
-                        <a:cs typeface="Arial" panose="020B0604020202020204" pitchFamily="34" charset="0"/>
-                      </a:endParaRPr>
-                    </a:p>
-                  </a:txBody>
-                  <a:tcPr marL="51106" marR="51106" marT="0" marB="0"/>
-                </a:tc>
-                <a:tc>
-                  <a:txBody>
-                    <a:bodyPr/>
-                    <a:lstStyle/>
-                    <a:p>
-                      <a:pPr algn="ctr">
-                        <a:lnSpc>
-                          <a:spcPct val="150000"/>
-                        </a:lnSpc>
-                        <a:spcBef>
-                          <a:spcPts val="600"/>
-                        </a:spcBef>
-                        <a:spcAft>
-                          <a:spcPts val="600"/>
-                        </a:spcAft>
-                      </a:pPr>
-                      <a:r>
-                        <a:rPr lang="pt-PT" sz="1200" b="0" dirty="0">
-                          <a:effectLst/>
-                          <a:latin typeface="+mj-lt"/>
-                        </a:rPr>
-                        <a:t>CADASTRAR AMBULÂNCIA</a:t>
-                      </a:r>
-                      <a:endParaRPr lang="pt-PT" sz="1200" b="0" dirty="0">
-                        <a:effectLst/>
-                        <a:latin typeface="+mj-lt"/>
-                        <a:ea typeface="Calibri" panose="020F0502020204030204" pitchFamily="34" charset="0"/>
-                        <a:cs typeface="Arial" panose="020B0604020202020204" pitchFamily="34" charset="0"/>
-                      </a:endParaRPr>
-                    </a:p>
-                  </a:txBody>
-                  <a:tcPr marL="51106" marR="51106" marT="0" marB="0"/>
-                </a:tc>
-                <a:tc>
-                  <a:txBody>
-                    <a:bodyPr/>
-                    <a:lstStyle/>
-                    <a:p>
-                      <a:pPr algn="ctr">
-                        <a:lnSpc>
-                          <a:spcPct val="150000"/>
-                        </a:lnSpc>
-                        <a:spcBef>
-                          <a:spcPts val="600"/>
-                        </a:spcBef>
-                        <a:spcAft>
-                          <a:spcPts val="600"/>
-                        </a:spcAft>
-                      </a:pPr>
-                      <a:r>
-                        <a:rPr lang="pt-PT" sz="1200" b="0" dirty="0">
-                          <a:effectLst/>
-                          <a:latin typeface="+mj-lt"/>
-                        </a:rPr>
-                        <a:t>O MÓDULO DEVERÁ PERMITIR O CADASTRO DAS AMBULÂNCIAS</a:t>
-                      </a:r>
-                      <a:endParaRPr lang="pt-PT" sz="1200" b="0" dirty="0">
-                        <a:effectLst/>
-                        <a:latin typeface="+mj-lt"/>
-                        <a:ea typeface="Calibri" panose="020F0502020204030204" pitchFamily="34" charset="0"/>
-                        <a:cs typeface="Arial" panose="020B0604020202020204" pitchFamily="34" charset="0"/>
-                      </a:endParaRPr>
-                    </a:p>
-                  </a:txBody>
-                  <a:tcPr marL="51106" marR="51106" marT="0" marB="0"/>
-                </a:tc>
-                <a:tc>
-                  <a:txBody>
-                    <a:bodyPr/>
-                    <a:lstStyle/>
-                    <a:p>
-                      <a:pPr algn="ctr">
-                        <a:lnSpc>
-                          <a:spcPct val="150000"/>
-                        </a:lnSpc>
-                        <a:spcBef>
-                          <a:spcPts val="600"/>
-                        </a:spcBef>
-                        <a:spcAft>
-                          <a:spcPts val="600"/>
-                        </a:spcAft>
-                      </a:pPr>
-                      <a:r>
-                        <a:rPr lang="pt-PT" sz="1200" b="0" dirty="0">
-                          <a:effectLst/>
-                          <a:latin typeface="+mj-lt"/>
-                        </a:rPr>
-                        <a:t>ESSENCIAL</a:t>
-                      </a:r>
-                      <a:endParaRPr lang="pt-PT" sz="1200" b="0" dirty="0">
-                        <a:effectLst/>
-                        <a:latin typeface="+mj-lt"/>
-                        <a:ea typeface="Calibri" panose="020F0502020204030204" pitchFamily="34" charset="0"/>
-                        <a:cs typeface="Arial" panose="020B0604020202020204" pitchFamily="34" charset="0"/>
-                      </a:endParaRPr>
-                    </a:p>
-                  </a:txBody>
-                  <a:tcPr marL="51106" marR="51106" marT="0" marB="0"/>
-                </a:tc>
-                <a:extLst>
-                  <a:ext uri="{0D108BD9-81ED-4DB2-BD59-A6C34878D82A}">
-                    <a16:rowId xmlns:a16="http://schemas.microsoft.com/office/drawing/2014/main" val="3501942208"/>
-                  </a:ext>
-                </a:extLst>
-              </a:tr>
-              <a:tr h="551565">
-                <a:tc>
-                  <a:txBody>
-                    <a:bodyPr/>
-                    <a:lstStyle/>
-                    <a:p>
-                      <a:pPr algn="ctr">
-                        <a:lnSpc>
-                          <a:spcPct val="150000"/>
-                        </a:lnSpc>
-                        <a:spcBef>
-                          <a:spcPts val="600"/>
-                        </a:spcBef>
-                        <a:spcAft>
-                          <a:spcPts val="600"/>
-                        </a:spcAft>
-                      </a:pPr>
-                      <a:r>
-                        <a:rPr lang="pt-PT" sz="1200" b="0" dirty="0">
-                          <a:effectLst/>
-                          <a:latin typeface="+mj-lt"/>
-                        </a:rPr>
-                        <a:t>RF07</a:t>
-                      </a:r>
-                      <a:endParaRPr lang="pt-PT" sz="1200" b="0" dirty="0">
-                        <a:effectLst/>
-                        <a:latin typeface="+mj-lt"/>
-                        <a:ea typeface="Calibri" panose="020F0502020204030204" pitchFamily="34" charset="0"/>
-                        <a:cs typeface="Arial" panose="020B0604020202020204" pitchFamily="34" charset="0"/>
-                      </a:endParaRPr>
-                    </a:p>
-                  </a:txBody>
-                  <a:tcPr marL="51106" marR="51106" marT="0" marB="0"/>
-                </a:tc>
-                <a:tc>
-                  <a:txBody>
-                    <a:bodyPr/>
-                    <a:lstStyle/>
-                    <a:p>
-                      <a:pPr algn="ctr">
-                        <a:lnSpc>
-                          <a:spcPct val="150000"/>
-                        </a:lnSpc>
-                        <a:spcBef>
-                          <a:spcPts val="600"/>
-                        </a:spcBef>
-                        <a:spcAft>
-                          <a:spcPts val="600"/>
-                        </a:spcAft>
-                      </a:pPr>
-                      <a:r>
-                        <a:rPr lang="pt-PT" sz="1200" b="0" dirty="0">
-                          <a:effectLst/>
-                          <a:latin typeface="+mj-lt"/>
-                        </a:rPr>
-                        <a:t>CADASTRAR MÉDICO</a:t>
-                      </a:r>
-                      <a:endParaRPr lang="pt-PT" sz="1200" b="0" dirty="0">
-                        <a:effectLst/>
-                        <a:latin typeface="+mj-lt"/>
-                        <a:ea typeface="Calibri" panose="020F0502020204030204" pitchFamily="34" charset="0"/>
-                        <a:cs typeface="Arial" panose="020B0604020202020204" pitchFamily="34" charset="0"/>
-                      </a:endParaRPr>
-                    </a:p>
-                  </a:txBody>
-                  <a:tcPr marL="51106" marR="51106" marT="0" marB="0"/>
-                </a:tc>
-                <a:tc>
-                  <a:txBody>
-                    <a:bodyPr/>
-                    <a:lstStyle/>
-                    <a:p>
-                      <a:pPr algn="ctr">
-                        <a:lnSpc>
-                          <a:spcPct val="150000"/>
-                        </a:lnSpc>
-                        <a:spcBef>
-                          <a:spcPts val="600"/>
-                        </a:spcBef>
-                        <a:spcAft>
-                          <a:spcPts val="600"/>
-                        </a:spcAft>
-                      </a:pPr>
-                      <a:r>
-                        <a:rPr lang="pt-PT" sz="1200" b="0" dirty="0">
-                          <a:effectLst/>
-                          <a:latin typeface="+mj-lt"/>
-                        </a:rPr>
-                        <a:t>O SISTEMA DEVERÁ POSSUIR UMA ÁREA PARA EFETUAR O CADASTRO DOS MÉDICOS</a:t>
-                      </a:r>
-                      <a:endParaRPr lang="pt-PT" sz="1200" b="0" dirty="0">
-                        <a:effectLst/>
-                        <a:latin typeface="+mj-lt"/>
-                        <a:ea typeface="Calibri" panose="020F0502020204030204" pitchFamily="34" charset="0"/>
-                        <a:cs typeface="Arial" panose="020B0604020202020204" pitchFamily="34" charset="0"/>
-                      </a:endParaRPr>
-                    </a:p>
-                  </a:txBody>
-                  <a:tcPr marL="51106" marR="51106" marT="0" marB="0"/>
-                </a:tc>
-                <a:tc>
-                  <a:txBody>
-                    <a:bodyPr/>
-                    <a:lstStyle/>
-                    <a:p>
-                      <a:pPr algn="ctr">
-                        <a:lnSpc>
-                          <a:spcPct val="150000"/>
-                        </a:lnSpc>
-                        <a:spcBef>
-                          <a:spcPts val="600"/>
-                        </a:spcBef>
-                        <a:spcAft>
-                          <a:spcPts val="600"/>
-                        </a:spcAft>
-                      </a:pPr>
-                      <a:r>
-                        <a:rPr lang="pt-PT" sz="1200" b="0" dirty="0">
-                          <a:effectLst/>
-                          <a:latin typeface="+mj-lt"/>
-                        </a:rPr>
-                        <a:t>IMPORTANTE </a:t>
-                      </a:r>
-                      <a:endParaRPr lang="pt-PT" sz="1200" b="0" dirty="0">
-                        <a:effectLst/>
-                        <a:latin typeface="+mj-lt"/>
-                        <a:ea typeface="Calibri" panose="020F0502020204030204" pitchFamily="34" charset="0"/>
-                        <a:cs typeface="Arial" panose="020B0604020202020204" pitchFamily="34" charset="0"/>
-                      </a:endParaRPr>
-                    </a:p>
-                  </a:txBody>
-                  <a:tcPr marL="51106" marR="51106" marT="0" marB="0"/>
-                </a:tc>
-                <a:extLst>
-                  <a:ext uri="{0D108BD9-81ED-4DB2-BD59-A6C34878D82A}">
-                    <a16:rowId xmlns:a16="http://schemas.microsoft.com/office/drawing/2014/main" val="1684295317"/>
-                  </a:ext>
-                </a:extLst>
-              </a:tr>
-              <a:tr h="551565">
-                <a:tc>
-                  <a:txBody>
-                    <a:bodyPr/>
-                    <a:lstStyle/>
-                    <a:p>
-                      <a:pPr algn="ctr">
-                        <a:lnSpc>
-                          <a:spcPct val="150000"/>
-                        </a:lnSpc>
-                        <a:spcBef>
-                          <a:spcPts val="600"/>
-                        </a:spcBef>
-                        <a:spcAft>
-                          <a:spcPts val="600"/>
-                        </a:spcAft>
-                      </a:pPr>
-                      <a:r>
-                        <a:rPr lang="pt-PT" sz="1200" b="0" dirty="0">
-                          <a:effectLst/>
-                          <a:latin typeface="+mj-lt"/>
-                        </a:rPr>
-                        <a:t>RF08</a:t>
-                      </a:r>
-                      <a:endParaRPr lang="pt-PT" sz="1200" b="0" dirty="0">
-                        <a:effectLst/>
-                        <a:latin typeface="+mj-lt"/>
-                        <a:ea typeface="Calibri" panose="020F0502020204030204" pitchFamily="34" charset="0"/>
-                        <a:cs typeface="Arial" panose="020B0604020202020204" pitchFamily="34" charset="0"/>
-                      </a:endParaRPr>
-                    </a:p>
-                  </a:txBody>
-                  <a:tcPr marL="51106" marR="51106" marT="0" marB="0"/>
-                </a:tc>
-                <a:tc>
-                  <a:txBody>
-                    <a:bodyPr/>
-                    <a:lstStyle/>
-                    <a:p>
-                      <a:pPr algn="ctr">
-                        <a:lnSpc>
-                          <a:spcPct val="150000"/>
-                        </a:lnSpc>
-                        <a:spcBef>
-                          <a:spcPts val="600"/>
-                        </a:spcBef>
-                        <a:spcAft>
-                          <a:spcPts val="600"/>
-                        </a:spcAft>
-                      </a:pPr>
-                      <a:r>
-                        <a:rPr lang="pt-PT" sz="1200" b="0" dirty="0">
-                          <a:effectLst/>
-                          <a:latin typeface="+mj-lt"/>
-                        </a:rPr>
-                        <a:t>CADASTRAR MOTORISTA</a:t>
-                      </a:r>
-                      <a:endParaRPr lang="pt-PT" sz="1200" b="0" dirty="0">
-                        <a:effectLst/>
-                        <a:latin typeface="+mj-lt"/>
-                        <a:ea typeface="Calibri" panose="020F0502020204030204" pitchFamily="34" charset="0"/>
-                        <a:cs typeface="Arial" panose="020B0604020202020204" pitchFamily="34" charset="0"/>
-                      </a:endParaRPr>
-                    </a:p>
-                  </a:txBody>
-                  <a:tcPr marL="51106" marR="51106" marT="0" marB="0"/>
-                </a:tc>
-                <a:tc>
-                  <a:txBody>
-                    <a:bodyPr/>
-                    <a:lstStyle/>
-                    <a:p>
-                      <a:pPr algn="ctr">
-                        <a:lnSpc>
-                          <a:spcPct val="150000"/>
-                        </a:lnSpc>
-                        <a:spcBef>
-                          <a:spcPts val="600"/>
-                        </a:spcBef>
-                        <a:spcAft>
-                          <a:spcPts val="600"/>
-                        </a:spcAft>
-                      </a:pPr>
-                      <a:r>
-                        <a:rPr lang="pt-PT" sz="1200" b="0" dirty="0">
-                          <a:effectLst/>
-                          <a:latin typeface="+mj-lt"/>
-                        </a:rPr>
-                        <a:t>O SISTEMA DEVERÁ POSSUIR UMA ÁREA PARA EFETUAR O CADASTRO DOS MOTORISTAS</a:t>
-                      </a:r>
-                      <a:endParaRPr lang="pt-PT" sz="1200" b="0" dirty="0">
-                        <a:effectLst/>
-                        <a:latin typeface="+mj-lt"/>
-                        <a:ea typeface="Calibri" panose="020F0502020204030204" pitchFamily="34" charset="0"/>
-                        <a:cs typeface="Arial" panose="020B0604020202020204" pitchFamily="34" charset="0"/>
-                      </a:endParaRPr>
-                    </a:p>
-                  </a:txBody>
-                  <a:tcPr marL="51106" marR="51106" marT="0" marB="0"/>
-                </a:tc>
-                <a:tc>
-                  <a:txBody>
-                    <a:bodyPr/>
-                    <a:lstStyle/>
-                    <a:p>
-                      <a:pPr algn="ctr">
-                        <a:lnSpc>
-                          <a:spcPct val="150000"/>
-                        </a:lnSpc>
-                        <a:spcBef>
-                          <a:spcPts val="600"/>
-                        </a:spcBef>
-                        <a:spcAft>
-                          <a:spcPts val="600"/>
-                        </a:spcAft>
-                      </a:pPr>
-                      <a:r>
-                        <a:rPr lang="pt-PT" sz="1200" b="0" dirty="0">
-                          <a:effectLst/>
-                          <a:latin typeface="+mj-lt"/>
-                        </a:rPr>
-                        <a:t>ESSENCIAL</a:t>
-                      </a:r>
-                      <a:endParaRPr lang="pt-PT" sz="1200" b="0" dirty="0">
-                        <a:effectLst/>
-                        <a:latin typeface="+mj-lt"/>
-                        <a:ea typeface="Calibri" panose="020F0502020204030204" pitchFamily="34" charset="0"/>
-                        <a:cs typeface="Arial" panose="020B0604020202020204" pitchFamily="34" charset="0"/>
-                      </a:endParaRPr>
-                    </a:p>
-                  </a:txBody>
-                  <a:tcPr marL="51106" marR="51106" marT="0" marB="0"/>
-                </a:tc>
-                <a:extLst>
-                  <a:ext uri="{0D108BD9-81ED-4DB2-BD59-A6C34878D82A}">
-                    <a16:rowId xmlns:a16="http://schemas.microsoft.com/office/drawing/2014/main" val="3023175343"/>
-                  </a:ext>
-                </a:extLst>
-              </a:tr>
-            </a:tbl>
-          </a:graphicData>
-        </a:graphic>
-      </p:graphicFrame>
-      <p:sp>
-        <p:nvSpPr>
-          <p:cNvPr id="2" name="Título 1">
-            <a:extLst>
-              <a:ext uri="{FF2B5EF4-FFF2-40B4-BE49-F238E27FC236}">
-                <a16:creationId xmlns:a16="http://schemas.microsoft.com/office/drawing/2014/main" id="{801B2C95-11F3-09E4-BBEF-4CFCD0EBC550}"/>
-              </a:ext>
-            </a:extLst>
-          </p:cNvPr>
-          <p:cNvSpPr>
-            <a:spLocks noGrp="1"/>
-          </p:cNvSpPr>
-          <p:nvPr>
-            <p:ph type="title"/>
-          </p:nvPr>
-        </p:nvSpPr>
-        <p:spPr>
-          <a:xfrm>
-            <a:off x="2421922" y="407457"/>
-            <a:ext cx="8134865" cy="721485"/>
-          </a:xfrm>
-          <a:ln w="28575">
-            <a:noFill/>
-          </a:ln>
-        </p:spPr>
-        <p:txBody>
-          <a:bodyPr>
-            <a:normAutofit/>
-          </a:bodyPr>
-          <a:lstStyle/>
-          <a:p>
-            <a:pPr algn="ctr"/>
-            <a:r>
-              <a:rPr lang="pt-PT" sz="3600" b="1" dirty="0">
-                <a:solidFill>
-                  <a:schemeClr val="tx1"/>
-                </a:solidFill>
-                <a:cs typeface="Times New Roman" panose="02020603050405020304" pitchFamily="18" charset="0"/>
-              </a:rPr>
-              <a:t>REQUISITOS FUNCIONAIS</a:t>
-            </a:r>
-            <a:endParaRPr lang="pt-PT" sz="3600" b="1" dirty="0">
-              <a:solidFill>
-                <a:schemeClr val="tx1"/>
-              </a:solidFill>
-            </a:endParaRPr>
-          </a:p>
-        </p:txBody>
-      </p:sp>
-    </p:spTree>
-    <p:extLst>
-      <p:ext uri="{BB962C8B-B14F-4D97-AF65-F5344CB8AC3E}">
-        <p14:creationId xmlns:p14="http://schemas.microsoft.com/office/powerpoint/2010/main" val="829047061"/>
-      </p:ext>
-    </p:extLst>
-  </p:cSld>
-  <p:clrMapOvr>
-    <a:masterClrMapping/>
-  </p:clrMapOvr>
-</p:sld>
-</file>
-
-<file path=ppt/slides/slide14.xml><?xml version="1.0" encoding="utf-8"?>
+<file path=ppt/slides/slide12.xml><?xml version="1.0" encoding="utf-8"?>
 <p:sld xmlns:a="http://schemas.openxmlformats.org/drawingml/2006/main" xmlns:r="http://schemas.openxmlformats.org/officeDocument/2006/relationships" xmlns:p="http://schemas.openxmlformats.org/presentationml/2006/main">
   <p:cSld>
     <p:spTree>
@@ -9965,266 +8295,972 @@
       </p:grpSpPr>
       <p:sp>
         <p:nvSpPr>
-          <p:cNvPr id="3" name="Marcador de Posição de Conteúdo 2">
+          <p:cNvPr id="11" name="Rectangle 6">
             <a:extLst>
               <a:ext uri="{FF2B5EF4-FFF2-40B4-BE49-F238E27FC236}">
-                <a16:creationId xmlns:a16="http://schemas.microsoft.com/office/drawing/2014/main" id="{C3A250EE-B073-DA2A-92DA-FB77A16F313D}"/>
+                <a16:creationId xmlns:a16="http://schemas.microsoft.com/office/drawing/2014/main" id="{9AEC2AB2-FA06-6DB4-E51B-B7D794CB80DC}"/>
               </a:ext>
             </a:extLst>
           </p:cNvPr>
-          <p:cNvSpPr>
-            <a:spLocks noGrp="1"/>
-          </p:cNvSpPr>
-          <p:nvPr>
-            <p:ph idx="1"/>
-          </p:nvPr>
+          <p:cNvSpPr/>
+          <p:nvPr/>
         </p:nvSpPr>
         <p:spPr>
           <a:xfrm>
-            <a:off x="1251678" y="1196792"/>
-            <a:ext cx="10178322" cy="5253751"/>
+            <a:off x="640252" y="166147"/>
+            <a:ext cx="4867965" cy="772665"/>
           </a:xfrm>
+          <a:prstGeom prst="rect">
+            <a:avLst/>
+          </a:prstGeom>
+          <a:solidFill>
+            <a:schemeClr val="accent1">
+              <a:lumMod val="75000"/>
+            </a:schemeClr>
+          </a:solidFill>
+          <a:ln w="12700" cap="flat" cmpd="sng" algn="ctr">
+            <a:noFill/>
+            <a:prstDash val="solid"/>
+            <a:miter lim="800000"/>
+          </a:ln>
+          <a:effectLst/>
         </p:spPr>
         <p:txBody>
-          <a:bodyPr>
-            <a:normAutofit lnSpcReduction="10000"/>
-          </a:bodyPr>
+          <a:bodyPr rtlCol="0" anchor="ctr"/>
           <a:lstStyle/>
           <a:p>
-            <a:pPr marL="0" indent="0">
+            <a:pPr marL="0" marR="0" lvl="0" indent="0" algn="ctr" defTabSz="914400" eaLnBrk="1" fontAlgn="auto" latinLnBrk="0" hangingPunct="1">
+              <a:lnSpc>
+                <a:spcPct val="100000"/>
+              </a:lnSpc>
+              <a:spcBef>
+                <a:spcPts val="0"/>
+              </a:spcBef>
+              <a:spcAft>
+                <a:spcPts val="0"/>
+              </a:spcAft>
+              <a:buClrTx/>
+              <a:buSzTx/>
+              <a:buFontTx/>
               <a:buNone/>
+              <a:tabLst/>
+              <a:defRPr/>
             </a:pPr>
-            <a:r>
-              <a:rPr lang="pt-BR" b="1" dirty="0">
-                <a:latin typeface="+mj-lt"/>
-              </a:rPr>
-              <a:t>RF1 - </a:t>
-            </a:r>
-            <a:r>
-              <a:rPr lang="pt-BR" sz="2000" b="1" dirty="0">
-                <a:effectLst/>
-                <a:latin typeface="+mj-lt"/>
-              </a:rPr>
-              <a:t>Submeter a Proposta de TFC</a:t>
-            </a:r>
-          </a:p>
-          <a:p>
-            <a:pPr marL="0" indent="0">
-              <a:buNone/>
-            </a:pPr>
-            <a:r>
-              <a:rPr lang="pt-BR" b="1" dirty="0">
-                <a:latin typeface="+mj-lt"/>
-              </a:rPr>
-              <a:t>RF2 - Listar Propostas De TFC</a:t>
-            </a:r>
-          </a:p>
-          <a:p>
-            <a:pPr marL="0" indent="0">
-              <a:buNone/>
-            </a:pPr>
-            <a:r>
-              <a:rPr lang="pt-BR" b="1" dirty="0">
-                <a:latin typeface="+mj-lt"/>
-              </a:rPr>
-              <a:t>RF3 - Aprovar Tema Proposto</a:t>
-            </a:r>
-          </a:p>
-          <a:p>
-            <a:pPr marL="0" indent="0">
-              <a:buNone/>
-            </a:pPr>
-            <a:r>
-              <a:rPr lang="pt-BR" b="1" dirty="0">
-                <a:latin typeface="+mj-lt"/>
-              </a:rPr>
-              <a:t>RF4 - Meus Orientandos</a:t>
-            </a:r>
-          </a:p>
-          <a:p>
-            <a:pPr marL="0" indent="0">
-              <a:buNone/>
-            </a:pPr>
-            <a:r>
-              <a:rPr lang="pt-BR" b="1" dirty="0">
-                <a:latin typeface="+mj-lt"/>
-              </a:rPr>
-              <a:t>RF5 - Meu Tema</a:t>
-            </a:r>
-          </a:p>
-          <a:p>
-            <a:pPr marL="0" indent="0">
-              <a:buNone/>
-            </a:pPr>
-            <a:r>
-              <a:rPr lang="pt-BR" b="1" dirty="0">
-                <a:latin typeface="+mj-lt"/>
-              </a:rPr>
-              <a:t>RF6 - Submeter a versão final do TFC</a:t>
-            </a:r>
-          </a:p>
-          <a:p>
-            <a:pPr marL="0" indent="0">
-              <a:buNone/>
-            </a:pPr>
-            <a:r>
-              <a:rPr lang="pt-BR" b="1" dirty="0">
-                <a:latin typeface="+mj-lt"/>
-              </a:rPr>
-              <a:t>RF7 - Cadastrar Tarefa</a:t>
-            </a:r>
-          </a:p>
-          <a:p>
-            <a:pPr marL="0" indent="0">
-              <a:buNone/>
-            </a:pPr>
-            <a:r>
-              <a:rPr lang="pt-BR" b="1" dirty="0">
-                <a:latin typeface="+mj-lt"/>
-              </a:rPr>
-              <a:t>RF8 - Concluir Tarefa</a:t>
-            </a:r>
-          </a:p>
-          <a:p>
-            <a:pPr marL="0" indent="0">
-              <a:buNone/>
-            </a:pPr>
-            <a:r>
-              <a:rPr lang="pt-BR" b="1" dirty="0">
-                <a:latin typeface="+mj-lt"/>
-              </a:rPr>
-              <a:t>RF9 - Agendar Encontro</a:t>
-            </a:r>
-          </a:p>
-          <a:p>
-            <a:pPr marL="0" indent="0">
-              <a:buNone/>
-            </a:pPr>
-            <a:r>
-              <a:rPr lang="pt-BR" b="1" dirty="0">
-                <a:latin typeface="+mj-lt"/>
-              </a:rPr>
-              <a:t>RF10 - Listar  Encontro</a:t>
-            </a:r>
-          </a:p>
-          <a:p>
-            <a:pPr marL="0" indent="0">
-              <a:buNone/>
-            </a:pPr>
-            <a:r>
-              <a:rPr lang="pt-BR" b="1" dirty="0">
-                <a:latin typeface="+mj-lt"/>
-              </a:rPr>
-              <a:t>RF11 - Finalizar TFC</a:t>
-            </a:r>
-          </a:p>
-          <a:p>
-            <a:pPr marL="0" indent="0">
-              <a:buNone/>
-            </a:pPr>
-            <a:r>
-              <a:rPr lang="pt-BR" b="1" dirty="0">
-                <a:latin typeface="+mj-lt"/>
-              </a:rPr>
-              <a:t>RF12 - Cadastrar Banca</a:t>
-            </a:r>
-          </a:p>
-          <a:p>
-            <a:pPr marL="0" indent="0">
-              <a:buNone/>
-            </a:pPr>
-            <a:r>
-              <a:rPr lang="pt-BR" b="1" dirty="0">
-                <a:latin typeface="+mj-lt"/>
-              </a:rPr>
-              <a:t>RF13 - Lançar Nota</a:t>
-            </a:r>
-          </a:p>
-          <a:p>
-            <a:pPr marL="0" indent="0">
-              <a:buNone/>
-            </a:pPr>
-            <a:endParaRPr lang="pt-BR" b="1" dirty="0">
-              <a:latin typeface="+mj-lt"/>
+            <a:endParaRPr kumimoji="0" lang="pt-PT" sz="1800" b="0" i="0" u="none" strike="noStrike" kern="0" cap="none" spc="0" normalizeH="0" baseline="0" noProof="0" smtClean="0">
+              <a:ln>
+                <a:noFill/>
+              </a:ln>
+              <a:solidFill>
+                <a:prstClr val="white"/>
+              </a:solidFill>
+              <a:effectLst/>
+              <a:uLnTx/>
+              <a:uFillTx/>
+              <a:latin typeface="Calibri" panose="020F0502020204030204"/>
+              <a:ea typeface="+mn-ea"/>
+              <a:cs typeface="+mn-cs"/>
             </a:endParaRPr>
-          </a:p>
-          <a:p>
-            <a:pPr marL="0" indent="0">
-              <a:buNone/>
-            </a:pPr>
-            <a:endParaRPr lang="pt-BR" b="1" dirty="0">
-              <a:latin typeface="+mj-lt"/>
-            </a:endParaRPr>
-          </a:p>
-          <a:p>
-            <a:pPr marL="0" indent="0">
-              <a:buNone/>
-            </a:pPr>
-            <a:endParaRPr lang="pt-PT" sz="2000" dirty="0">
-              <a:effectLst/>
-              <a:latin typeface="+mj-lt"/>
-              <a:ea typeface="Calibri" panose="020F0502020204030204" pitchFamily="34" charset="0"/>
-              <a:cs typeface="Arial" panose="020B0604020202020204" pitchFamily="34" charset="0"/>
-            </a:endParaRPr>
-          </a:p>
-          <a:p>
-            <a:endParaRPr lang="en-US" dirty="0"/>
           </a:p>
         </p:txBody>
       </p:sp>
       <p:sp>
         <p:nvSpPr>
-          <p:cNvPr id="5" name="Título 1">
+          <p:cNvPr id="12" name="Content Placeholder 2">
             <a:extLst>
               <a:ext uri="{FF2B5EF4-FFF2-40B4-BE49-F238E27FC236}">
-                <a16:creationId xmlns:a16="http://schemas.microsoft.com/office/drawing/2014/main" id="{203CF0FF-C572-2A23-F9F9-FC98E93F0222}"/>
+                <a16:creationId xmlns:a16="http://schemas.microsoft.com/office/drawing/2014/main" id="{5732BF75-35B3-AD24-A5E8-C1DBDE5645D5}"/>
               </a:ext>
             </a:extLst>
           </p:cNvPr>
-          <p:cNvSpPr>
-            <a:spLocks noGrp="1"/>
+          <p:cNvSpPr txBox="1">
+            <a:spLocks/>
           </p:cNvSpPr>
-          <p:nvPr>
-            <p:ph type="title"/>
-          </p:nvPr>
+          <p:nvPr/>
         </p:nvSpPr>
         <p:spPr>
           <a:xfrm>
-            <a:off x="2421922" y="407457"/>
-            <a:ext cx="8134865" cy="721485"/>
+            <a:off x="985695" y="1188705"/>
+            <a:ext cx="4810055" cy="5526419"/>
           </a:xfrm>
-          <a:ln w="28575">
-            <a:noFill/>
-          </a:ln>
+          <a:prstGeom prst="rect">
+            <a:avLst/>
+          </a:prstGeom>
         </p:spPr>
         <p:txBody>
-          <a:bodyPr>
-            <a:normAutofit/>
+          <a:bodyPr vert="horz" lIns="91440" tIns="45720" rIns="91440" bIns="45720" rtlCol="0">
+            <a:noAutofit/>
           </a:bodyPr>
-          <a:lstStyle/>
-          <a:p>
-            <a:pPr algn="ctr"/>
-            <a:r>
-              <a:rPr lang="pt-PT" sz="3600" b="1" dirty="0">
+          <a:lstStyle>
+            <a:lvl1pPr marL="228600" indent="-228600" algn="l" defTabSz="914400" rtl="0" eaLnBrk="1" latinLnBrk="0" hangingPunct="1">
+              <a:lnSpc>
+                <a:spcPct val="90000"/>
+              </a:lnSpc>
+              <a:spcBef>
+                <a:spcPts val="1000"/>
+              </a:spcBef>
+              <a:buFont typeface="Arial" panose="020B0604020202020204" pitchFamily="34" charset="0"/>
+              <a:buChar char="•"/>
+              <a:defRPr sz="2800" kern="1200">
                 <a:solidFill>
                   <a:schemeClr val="tx1"/>
                 </a:solidFill>
-                <a:cs typeface="Times New Roman" panose="02020603050405020304" pitchFamily="18" charset="0"/>
+                <a:latin typeface="+mn-lt"/>
+                <a:ea typeface="+mn-ea"/>
+                <a:cs typeface="+mn-cs"/>
+              </a:defRPr>
+            </a:lvl1pPr>
+            <a:lvl2pPr marL="685800" indent="-228600" algn="l" defTabSz="914400" rtl="0" eaLnBrk="1" latinLnBrk="0" hangingPunct="1">
+              <a:lnSpc>
+                <a:spcPct val="90000"/>
+              </a:lnSpc>
+              <a:spcBef>
+                <a:spcPts val="500"/>
+              </a:spcBef>
+              <a:buFont typeface="Arial" panose="020B0604020202020204" pitchFamily="34" charset="0"/>
+              <a:buChar char="•"/>
+              <a:defRPr sz="2400" kern="1200">
+                <a:solidFill>
+                  <a:schemeClr val="tx1"/>
+                </a:solidFill>
+                <a:latin typeface="+mn-lt"/>
+                <a:ea typeface="+mn-ea"/>
+                <a:cs typeface="+mn-cs"/>
+              </a:defRPr>
+            </a:lvl2pPr>
+            <a:lvl3pPr marL="1143000" indent="-228600" algn="l" defTabSz="914400" rtl="0" eaLnBrk="1" latinLnBrk="0" hangingPunct="1">
+              <a:lnSpc>
+                <a:spcPct val="90000"/>
+              </a:lnSpc>
+              <a:spcBef>
+                <a:spcPts val="500"/>
+              </a:spcBef>
+              <a:buFont typeface="Arial" panose="020B0604020202020204" pitchFamily="34" charset="0"/>
+              <a:buChar char="•"/>
+              <a:defRPr sz="2000" kern="1200">
+                <a:solidFill>
+                  <a:schemeClr val="tx1"/>
+                </a:solidFill>
+                <a:latin typeface="+mn-lt"/>
+                <a:ea typeface="+mn-ea"/>
+                <a:cs typeface="+mn-cs"/>
+              </a:defRPr>
+            </a:lvl3pPr>
+            <a:lvl4pPr marL="1600200" indent="-228600" algn="l" defTabSz="914400" rtl="0" eaLnBrk="1" latinLnBrk="0" hangingPunct="1">
+              <a:lnSpc>
+                <a:spcPct val="90000"/>
+              </a:lnSpc>
+              <a:spcBef>
+                <a:spcPts val="500"/>
+              </a:spcBef>
+              <a:buFont typeface="Arial" panose="020B0604020202020204" pitchFamily="34" charset="0"/>
+              <a:buChar char="•"/>
+              <a:defRPr sz="1800" kern="1200">
+                <a:solidFill>
+                  <a:schemeClr val="tx1"/>
+                </a:solidFill>
+                <a:latin typeface="+mn-lt"/>
+                <a:ea typeface="+mn-ea"/>
+                <a:cs typeface="+mn-cs"/>
+              </a:defRPr>
+            </a:lvl4pPr>
+            <a:lvl5pPr marL="2057400" indent="-228600" algn="l" defTabSz="914400" rtl="0" eaLnBrk="1" latinLnBrk="0" hangingPunct="1">
+              <a:lnSpc>
+                <a:spcPct val="90000"/>
+              </a:lnSpc>
+              <a:spcBef>
+                <a:spcPts val="500"/>
+              </a:spcBef>
+              <a:buFont typeface="Arial" panose="020B0604020202020204" pitchFamily="34" charset="0"/>
+              <a:buChar char="•"/>
+              <a:defRPr sz="1800" kern="1200">
+                <a:solidFill>
+                  <a:schemeClr val="tx1"/>
+                </a:solidFill>
+                <a:latin typeface="+mn-lt"/>
+                <a:ea typeface="+mn-ea"/>
+                <a:cs typeface="+mn-cs"/>
+              </a:defRPr>
+            </a:lvl5pPr>
+            <a:lvl6pPr marL="2514600" indent="-228600" algn="l" defTabSz="914400" rtl="0" eaLnBrk="1" latinLnBrk="0" hangingPunct="1">
+              <a:lnSpc>
+                <a:spcPct val="90000"/>
+              </a:lnSpc>
+              <a:spcBef>
+                <a:spcPts val="500"/>
+              </a:spcBef>
+              <a:buFont typeface="Arial" panose="020B0604020202020204" pitchFamily="34" charset="0"/>
+              <a:buChar char="•"/>
+              <a:defRPr sz="1800" kern="1200">
+                <a:solidFill>
+                  <a:schemeClr val="tx1"/>
+                </a:solidFill>
+                <a:latin typeface="+mn-lt"/>
+                <a:ea typeface="+mn-ea"/>
+                <a:cs typeface="+mn-cs"/>
+              </a:defRPr>
+            </a:lvl6pPr>
+            <a:lvl7pPr marL="2971800" indent="-228600" algn="l" defTabSz="914400" rtl="0" eaLnBrk="1" latinLnBrk="0" hangingPunct="1">
+              <a:lnSpc>
+                <a:spcPct val="90000"/>
+              </a:lnSpc>
+              <a:spcBef>
+                <a:spcPts val="500"/>
+              </a:spcBef>
+              <a:buFont typeface="Arial" panose="020B0604020202020204" pitchFamily="34" charset="0"/>
+              <a:buChar char="•"/>
+              <a:defRPr sz="1800" kern="1200">
+                <a:solidFill>
+                  <a:schemeClr val="tx1"/>
+                </a:solidFill>
+                <a:latin typeface="+mn-lt"/>
+                <a:ea typeface="+mn-ea"/>
+                <a:cs typeface="+mn-cs"/>
+              </a:defRPr>
+            </a:lvl7pPr>
+            <a:lvl8pPr marL="3429000" indent="-228600" algn="l" defTabSz="914400" rtl="0" eaLnBrk="1" latinLnBrk="0" hangingPunct="1">
+              <a:lnSpc>
+                <a:spcPct val="90000"/>
+              </a:lnSpc>
+              <a:spcBef>
+                <a:spcPts val="500"/>
+              </a:spcBef>
+              <a:buFont typeface="Arial" panose="020B0604020202020204" pitchFamily="34" charset="0"/>
+              <a:buChar char="•"/>
+              <a:defRPr sz="1800" kern="1200">
+                <a:solidFill>
+                  <a:schemeClr val="tx1"/>
+                </a:solidFill>
+                <a:latin typeface="+mn-lt"/>
+                <a:ea typeface="+mn-ea"/>
+                <a:cs typeface="+mn-cs"/>
+              </a:defRPr>
+            </a:lvl8pPr>
+            <a:lvl9pPr marL="3886200" indent="-228600" algn="l" defTabSz="914400" rtl="0" eaLnBrk="1" latinLnBrk="0" hangingPunct="1">
+              <a:lnSpc>
+                <a:spcPct val="90000"/>
+              </a:lnSpc>
+              <a:spcBef>
+                <a:spcPts val="500"/>
+              </a:spcBef>
+              <a:buFont typeface="Arial" panose="020B0604020202020204" pitchFamily="34" charset="0"/>
+              <a:buChar char="•"/>
+              <a:defRPr sz="1800" kern="1200">
+                <a:solidFill>
+                  <a:schemeClr val="tx1"/>
+                </a:solidFill>
+                <a:latin typeface="+mn-lt"/>
+                <a:ea typeface="+mn-ea"/>
+                <a:cs typeface="+mn-cs"/>
+              </a:defRPr>
+            </a:lvl9pPr>
+          </a:lstStyle>
+          <a:p>
+            <a:r>
+              <a:rPr lang="pt-BR" sz="2200" dirty="0" smtClean="0">
+                <a:latin typeface="+mj-lt"/>
+              </a:rPr>
+              <a:t>Submeter </a:t>
+            </a:r>
+            <a:r>
+              <a:rPr lang="pt-BR" sz="2200" dirty="0">
+                <a:latin typeface="+mj-lt"/>
+              </a:rPr>
+              <a:t>a Proposta de TFC</a:t>
+            </a:r>
+          </a:p>
+          <a:p>
+            <a:r>
+              <a:rPr lang="pt-BR" sz="2200" dirty="0" smtClean="0">
+                <a:latin typeface="+mj-lt"/>
+              </a:rPr>
+              <a:t>Listar </a:t>
+            </a:r>
+            <a:r>
+              <a:rPr lang="pt-BR" sz="2200" dirty="0">
+                <a:latin typeface="+mj-lt"/>
+              </a:rPr>
+              <a:t>Propostas De TFC</a:t>
+            </a:r>
+          </a:p>
+          <a:p>
+            <a:r>
+              <a:rPr lang="pt-BR" sz="2200" dirty="0" smtClean="0">
+                <a:latin typeface="+mj-lt"/>
+              </a:rPr>
+              <a:t>Aprovar </a:t>
+            </a:r>
+            <a:r>
+              <a:rPr lang="pt-BR" sz="2200" dirty="0">
+                <a:latin typeface="+mj-lt"/>
+              </a:rPr>
+              <a:t>Tema Proposto</a:t>
+            </a:r>
+          </a:p>
+          <a:p>
+            <a:r>
+              <a:rPr lang="pt-BR" sz="2200" dirty="0" smtClean="0">
+                <a:latin typeface="+mj-lt"/>
+              </a:rPr>
+              <a:t>Meus </a:t>
+            </a:r>
+            <a:r>
+              <a:rPr lang="pt-BR" sz="2200" dirty="0">
+                <a:latin typeface="+mj-lt"/>
+              </a:rPr>
+              <a:t>Orientandos</a:t>
+            </a:r>
+          </a:p>
+          <a:p>
+            <a:r>
+              <a:rPr lang="pt-BR" sz="2200" dirty="0" smtClean="0">
+                <a:latin typeface="+mj-lt"/>
+              </a:rPr>
+              <a:t>Meu </a:t>
+            </a:r>
+            <a:r>
+              <a:rPr lang="pt-BR" sz="2200" dirty="0">
+                <a:latin typeface="+mj-lt"/>
+              </a:rPr>
+              <a:t>Tema</a:t>
+            </a:r>
+          </a:p>
+          <a:p>
+            <a:r>
+              <a:rPr lang="pt-BR" sz="2200" dirty="0" smtClean="0">
+                <a:latin typeface="+mj-lt"/>
+              </a:rPr>
+              <a:t>Submeter </a:t>
+            </a:r>
+            <a:r>
+              <a:rPr lang="pt-BR" sz="2200" dirty="0">
+                <a:latin typeface="+mj-lt"/>
+              </a:rPr>
+              <a:t>a versão final do TFC</a:t>
+            </a:r>
+          </a:p>
+          <a:p>
+            <a:r>
+              <a:rPr lang="pt-BR" sz="2200" dirty="0" smtClean="0">
+                <a:latin typeface="+mj-lt"/>
+              </a:rPr>
+              <a:t>Cadastrar </a:t>
+            </a:r>
+            <a:r>
+              <a:rPr lang="pt-BR" sz="2200" dirty="0">
+                <a:latin typeface="+mj-lt"/>
+              </a:rPr>
+              <a:t>Tarefa</a:t>
+            </a:r>
+          </a:p>
+          <a:p>
+            <a:r>
+              <a:rPr lang="pt-BR" sz="2200" dirty="0" smtClean="0">
+                <a:latin typeface="+mj-lt"/>
+              </a:rPr>
+              <a:t>Concluir </a:t>
+            </a:r>
+            <a:r>
+              <a:rPr lang="pt-BR" sz="2200" dirty="0">
+                <a:latin typeface="+mj-lt"/>
+              </a:rPr>
+              <a:t>Tarefa</a:t>
+            </a:r>
+          </a:p>
+          <a:p>
+            <a:r>
+              <a:rPr lang="pt-BR" sz="2200" dirty="0" smtClean="0">
+                <a:latin typeface="+mj-lt"/>
+              </a:rPr>
+              <a:t>Agendar </a:t>
+            </a:r>
+            <a:r>
+              <a:rPr lang="pt-BR" sz="2200" dirty="0">
+                <a:latin typeface="+mj-lt"/>
+              </a:rPr>
+              <a:t>Encontro</a:t>
+            </a:r>
+          </a:p>
+          <a:p>
+            <a:r>
+              <a:rPr lang="pt-BR" sz="2200" dirty="0" smtClean="0">
+                <a:latin typeface="+mj-lt"/>
+              </a:rPr>
+              <a:t>Listar  </a:t>
+            </a:r>
+            <a:r>
+              <a:rPr lang="pt-BR" sz="2200" dirty="0">
+                <a:latin typeface="+mj-lt"/>
+              </a:rPr>
+              <a:t>Encontro</a:t>
+            </a:r>
+          </a:p>
+          <a:p>
+            <a:r>
+              <a:rPr lang="pt-BR" sz="2200" dirty="0" smtClean="0">
+                <a:latin typeface="+mj-lt"/>
+              </a:rPr>
+              <a:t>Finalizar </a:t>
+            </a:r>
+            <a:r>
+              <a:rPr lang="pt-BR" sz="2200" dirty="0">
+                <a:latin typeface="+mj-lt"/>
+              </a:rPr>
+              <a:t>TFC</a:t>
+            </a:r>
+          </a:p>
+          <a:p>
+            <a:r>
+              <a:rPr lang="pt-BR" sz="2200" dirty="0" smtClean="0">
+                <a:latin typeface="+mj-lt"/>
+              </a:rPr>
+              <a:t>Cadastrar </a:t>
+            </a:r>
+            <a:r>
+              <a:rPr lang="pt-BR" sz="2200" dirty="0">
+                <a:latin typeface="+mj-lt"/>
+              </a:rPr>
+              <a:t>Banca</a:t>
+            </a:r>
+          </a:p>
+          <a:p>
+            <a:r>
+              <a:rPr lang="pt-BR" sz="2200" dirty="0" smtClean="0">
+                <a:latin typeface="+mj-lt"/>
+              </a:rPr>
+              <a:t>Lançar Nota</a:t>
+            </a:r>
+            <a:endParaRPr lang="pt-BR" sz="2200" dirty="0">
+              <a:latin typeface="+mj-lt"/>
+            </a:endParaRPr>
+          </a:p>
+        </p:txBody>
+      </p:sp>
+      <p:sp>
+        <p:nvSpPr>
+          <p:cNvPr id="13" name="Title 1">
+            <a:extLst>
+              <a:ext uri="{FF2B5EF4-FFF2-40B4-BE49-F238E27FC236}">
+                <a16:creationId xmlns:a16="http://schemas.microsoft.com/office/drawing/2014/main" id="{140BE472-35CF-3BF8-69CF-936BAD0CE102}"/>
+              </a:ext>
+            </a:extLst>
+          </p:cNvPr>
+          <p:cNvSpPr txBox="1">
+            <a:spLocks/>
+          </p:cNvSpPr>
+          <p:nvPr/>
+        </p:nvSpPr>
+        <p:spPr>
+          <a:xfrm>
+            <a:off x="640253" y="201097"/>
+            <a:ext cx="4867965" cy="772665"/>
+          </a:xfrm>
+          <a:prstGeom prst="rect">
+            <a:avLst/>
+          </a:prstGeom>
+        </p:spPr>
+        <p:txBody>
+          <a:bodyPr vert="horz" lIns="91440" tIns="45720" rIns="91440" bIns="45720" rtlCol="0" anchor="ctr">
+            <a:normAutofit fontScale="97500"/>
+          </a:bodyPr>
+          <a:lstStyle>
+            <a:lvl1pPr algn="l" defTabSz="914400" rtl="0" eaLnBrk="1" latinLnBrk="0" hangingPunct="1">
+              <a:lnSpc>
+                <a:spcPct val="90000"/>
+              </a:lnSpc>
+              <a:spcBef>
+                <a:spcPct val="0"/>
+              </a:spcBef>
+              <a:buNone/>
+              <a:defRPr sz="4400" kern="1200">
+                <a:solidFill>
+                  <a:schemeClr val="tx1"/>
+                </a:solidFill>
+                <a:latin typeface="+mj-lt"/>
+                <a:ea typeface="+mj-ea"/>
+                <a:cs typeface="+mj-cs"/>
+              </a:defRPr>
+            </a:lvl1pPr>
+          </a:lstStyle>
+          <a:p>
+            <a:pPr marL="0" marR="0" lvl="0" indent="0" algn="l" defTabSz="914400" rtl="0" eaLnBrk="1" fontAlgn="auto" latinLnBrk="0" hangingPunct="1">
+              <a:lnSpc>
+                <a:spcPct val="90000"/>
+              </a:lnSpc>
+              <a:spcBef>
+                <a:spcPct val="0"/>
+              </a:spcBef>
+              <a:spcAft>
+                <a:spcPts val="0"/>
+              </a:spcAft>
+              <a:buClrTx/>
+              <a:buSzTx/>
+              <a:buFontTx/>
+              <a:buNone/>
+              <a:tabLst/>
+              <a:defRPr/>
+            </a:pPr>
+            <a:r>
+              <a:rPr kumimoji="0" lang="pt-PT" sz="3600" b="1" i="0" u="none" strike="noStrike" kern="1200" cap="none" spc="0" normalizeH="0" baseline="0" noProof="0" smtClean="0">
+                <a:ln>
+                  <a:noFill/>
+                </a:ln>
+                <a:solidFill>
+                  <a:sysClr val="window" lastClr="FFFFFF"/>
+                </a:solidFill>
+                <a:effectLst/>
+                <a:uLnTx/>
+                <a:uFillTx/>
+                <a:latin typeface="Calibri" panose="020F0502020204030204"/>
+                <a:ea typeface="+mj-ea"/>
+                <a:cs typeface="+mj-cs"/>
               </a:rPr>
               <a:t>REQUISITOS FUNCIONAIS</a:t>
             </a:r>
-            <a:endParaRPr lang="pt-PT" sz="3600" b="1" dirty="0">
+            <a:endParaRPr kumimoji="0" lang="pt-PT" sz="3600" b="1" i="0" u="none" strike="noStrike" kern="1200" cap="none" spc="0" normalizeH="0" baseline="0" noProof="0" dirty="0">
+              <a:ln>
+                <a:noFill/>
+              </a:ln>
               <a:solidFill>
-                <a:schemeClr val="tx1"/>
+                <a:sysClr val="window" lastClr="FFFFFF"/>
               </a:solidFill>
+              <a:effectLst/>
+              <a:uLnTx/>
+              <a:uFillTx/>
+              <a:latin typeface="Calibri" panose="020F0502020204030204"/>
+              <a:ea typeface="+mj-ea"/>
+              <a:cs typeface="+mj-cs"/>
             </a:endParaRPr>
           </a:p>
         </p:txBody>
       </p:sp>
+      <p:sp>
+        <p:nvSpPr>
+          <p:cNvPr id="14" name="Rectangle 7">
+            <a:extLst>
+              <a:ext uri="{FF2B5EF4-FFF2-40B4-BE49-F238E27FC236}">
+                <a16:creationId xmlns:a16="http://schemas.microsoft.com/office/drawing/2014/main" id="{5659FB29-AB4C-5D6A-EDD1-6725121B3CE7}"/>
+              </a:ext>
+            </a:extLst>
+          </p:cNvPr>
+          <p:cNvSpPr/>
+          <p:nvPr/>
+        </p:nvSpPr>
+        <p:spPr>
+          <a:xfrm>
+            <a:off x="6311014" y="166147"/>
+            <a:ext cx="5401424" cy="772665"/>
+          </a:xfrm>
+          <a:prstGeom prst="rect">
+            <a:avLst/>
+          </a:prstGeom>
+          <a:solidFill>
+            <a:schemeClr val="accent1">
+              <a:lumMod val="75000"/>
+            </a:schemeClr>
+          </a:solidFill>
+          <a:ln w="12700" cap="flat" cmpd="sng" algn="ctr">
+            <a:noFill/>
+            <a:prstDash val="solid"/>
+            <a:miter lim="800000"/>
+          </a:ln>
+          <a:effectLst/>
+        </p:spPr>
+        <p:txBody>
+          <a:bodyPr rtlCol="0" anchor="ctr"/>
+          <a:lstStyle/>
+          <a:p>
+            <a:pPr marL="0" marR="0" lvl="0" indent="0" algn="ctr" defTabSz="914400" eaLnBrk="1" fontAlgn="auto" latinLnBrk="0" hangingPunct="1">
+              <a:lnSpc>
+                <a:spcPct val="100000"/>
+              </a:lnSpc>
+              <a:spcBef>
+                <a:spcPts val="0"/>
+              </a:spcBef>
+              <a:spcAft>
+                <a:spcPts val="0"/>
+              </a:spcAft>
+              <a:buClrTx/>
+              <a:buSzTx/>
+              <a:buFontTx/>
+              <a:buNone/>
+              <a:tabLst/>
+              <a:defRPr/>
+            </a:pPr>
+            <a:endParaRPr kumimoji="0" lang="pt-PT" sz="1800" b="0" i="0" u="none" strike="noStrike" kern="0" cap="none" spc="0" normalizeH="0" baseline="0" noProof="0" smtClean="0">
+              <a:ln>
+                <a:noFill/>
+              </a:ln>
+              <a:solidFill>
+                <a:prstClr val="white"/>
+              </a:solidFill>
+              <a:effectLst/>
+              <a:uLnTx/>
+              <a:uFillTx/>
+              <a:latin typeface="Calibri" panose="020F0502020204030204"/>
+              <a:ea typeface="+mn-ea"/>
+              <a:cs typeface="+mn-cs"/>
+            </a:endParaRPr>
+          </a:p>
+        </p:txBody>
+      </p:sp>
+      <p:sp>
+        <p:nvSpPr>
+          <p:cNvPr id="15" name="Content Placeholder 2">
+            <a:extLst>
+              <a:ext uri="{FF2B5EF4-FFF2-40B4-BE49-F238E27FC236}">
+                <a16:creationId xmlns:a16="http://schemas.microsoft.com/office/drawing/2014/main" id="{AFDEFD42-D12B-CE5E-C915-71550F1845A3}"/>
+              </a:ext>
+            </a:extLst>
+          </p:cNvPr>
+          <p:cNvSpPr txBox="1">
+            <a:spLocks/>
+          </p:cNvSpPr>
+          <p:nvPr/>
+        </p:nvSpPr>
+        <p:spPr>
+          <a:xfrm>
+            <a:off x="6896104" y="1595290"/>
+            <a:ext cx="4508220" cy="2202010"/>
+          </a:xfrm>
+          <a:prstGeom prst="rect">
+            <a:avLst/>
+          </a:prstGeom>
+        </p:spPr>
+        <p:txBody>
+          <a:bodyPr vert="horz" lIns="91440" tIns="45720" rIns="91440" bIns="45720" rtlCol="0">
+            <a:noAutofit/>
+          </a:bodyPr>
+          <a:lstStyle>
+            <a:lvl1pPr marL="228600" indent="-228600" algn="l" defTabSz="914400" rtl="0" eaLnBrk="1" latinLnBrk="0" hangingPunct="1">
+              <a:lnSpc>
+                <a:spcPct val="90000"/>
+              </a:lnSpc>
+              <a:spcBef>
+                <a:spcPts val="1000"/>
+              </a:spcBef>
+              <a:buFont typeface="Arial" panose="020B0604020202020204" pitchFamily="34" charset="0"/>
+              <a:buChar char="•"/>
+              <a:defRPr sz="2800" kern="1200">
+                <a:solidFill>
+                  <a:schemeClr val="tx1"/>
+                </a:solidFill>
+                <a:latin typeface="+mn-lt"/>
+                <a:ea typeface="+mn-ea"/>
+                <a:cs typeface="+mn-cs"/>
+              </a:defRPr>
+            </a:lvl1pPr>
+            <a:lvl2pPr marL="685800" indent="-228600" algn="l" defTabSz="914400" rtl="0" eaLnBrk="1" latinLnBrk="0" hangingPunct="1">
+              <a:lnSpc>
+                <a:spcPct val="90000"/>
+              </a:lnSpc>
+              <a:spcBef>
+                <a:spcPts val="500"/>
+              </a:spcBef>
+              <a:buFont typeface="Arial" panose="020B0604020202020204" pitchFamily="34" charset="0"/>
+              <a:buChar char="•"/>
+              <a:defRPr sz="2400" kern="1200">
+                <a:solidFill>
+                  <a:schemeClr val="tx1"/>
+                </a:solidFill>
+                <a:latin typeface="+mn-lt"/>
+                <a:ea typeface="+mn-ea"/>
+                <a:cs typeface="+mn-cs"/>
+              </a:defRPr>
+            </a:lvl2pPr>
+            <a:lvl3pPr marL="1143000" indent="-228600" algn="l" defTabSz="914400" rtl="0" eaLnBrk="1" latinLnBrk="0" hangingPunct="1">
+              <a:lnSpc>
+                <a:spcPct val="90000"/>
+              </a:lnSpc>
+              <a:spcBef>
+                <a:spcPts val="500"/>
+              </a:spcBef>
+              <a:buFont typeface="Arial" panose="020B0604020202020204" pitchFamily="34" charset="0"/>
+              <a:buChar char="•"/>
+              <a:defRPr sz="2000" kern="1200">
+                <a:solidFill>
+                  <a:schemeClr val="tx1"/>
+                </a:solidFill>
+                <a:latin typeface="+mn-lt"/>
+                <a:ea typeface="+mn-ea"/>
+                <a:cs typeface="+mn-cs"/>
+              </a:defRPr>
+            </a:lvl3pPr>
+            <a:lvl4pPr marL="1600200" indent="-228600" algn="l" defTabSz="914400" rtl="0" eaLnBrk="1" latinLnBrk="0" hangingPunct="1">
+              <a:lnSpc>
+                <a:spcPct val="90000"/>
+              </a:lnSpc>
+              <a:spcBef>
+                <a:spcPts val="500"/>
+              </a:spcBef>
+              <a:buFont typeface="Arial" panose="020B0604020202020204" pitchFamily="34" charset="0"/>
+              <a:buChar char="•"/>
+              <a:defRPr sz="1800" kern="1200">
+                <a:solidFill>
+                  <a:schemeClr val="tx1"/>
+                </a:solidFill>
+                <a:latin typeface="+mn-lt"/>
+                <a:ea typeface="+mn-ea"/>
+                <a:cs typeface="+mn-cs"/>
+              </a:defRPr>
+            </a:lvl4pPr>
+            <a:lvl5pPr marL="2057400" indent="-228600" algn="l" defTabSz="914400" rtl="0" eaLnBrk="1" latinLnBrk="0" hangingPunct="1">
+              <a:lnSpc>
+                <a:spcPct val="90000"/>
+              </a:lnSpc>
+              <a:spcBef>
+                <a:spcPts val="500"/>
+              </a:spcBef>
+              <a:buFont typeface="Arial" panose="020B0604020202020204" pitchFamily="34" charset="0"/>
+              <a:buChar char="•"/>
+              <a:defRPr sz="1800" kern="1200">
+                <a:solidFill>
+                  <a:schemeClr val="tx1"/>
+                </a:solidFill>
+                <a:latin typeface="+mn-lt"/>
+                <a:ea typeface="+mn-ea"/>
+                <a:cs typeface="+mn-cs"/>
+              </a:defRPr>
+            </a:lvl5pPr>
+            <a:lvl6pPr marL="2514600" indent="-228600" algn="l" defTabSz="914400" rtl="0" eaLnBrk="1" latinLnBrk="0" hangingPunct="1">
+              <a:lnSpc>
+                <a:spcPct val="90000"/>
+              </a:lnSpc>
+              <a:spcBef>
+                <a:spcPts val="500"/>
+              </a:spcBef>
+              <a:buFont typeface="Arial" panose="020B0604020202020204" pitchFamily="34" charset="0"/>
+              <a:buChar char="•"/>
+              <a:defRPr sz="1800" kern="1200">
+                <a:solidFill>
+                  <a:schemeClr val="tx1"/>
+                </a:solidFill>
+                <a:latin typeface="+mn-lt"/>
+                <a:ea typeface="+mn-ea"/>
+                <a:cs typeface="+mn-cs"/>
+              </a:defRPr>
+            </a:lvl6pPr>
+            <a:lvl7pPr marL="2971800" indent="-228600" algn="l" defTabSz="914400" rtl="0" eaLnBrk="1" latinLnBrk="0" hangingPunct="1">
+              <a:lnSpc>
+                <a:spcPct val="90000"/>
+              </a:lnSpc>
+              <a:spcBef>
+                <a:spcPts val="500"/>
+              </a:spcBef>
+              <a:buFont typeface="Arial" panose="020B0604020202020204" pitchFamily="34" charset="0"/>
+              <a:buChar char="•"/>
+              <a:defRPr sz="1800" kern="1200">
+                <a:solidFill>
+                  <a:schemeClr val="tx1"/>
+                </a:solidFill>
+                <a:latin typeface="+mn-lt"/>
+                <a:ea typeface="+mn-ea"/>
+                <a:cs typeface="+mn-cs"/>
+              </a:defRPr>
+            </a:lvl7pPr>
+            <a:lvl8pPr marL="3429000" indent="-228600" algn="l" defTabSz="914400" rtl="0" eaLnBrk="1" latinLnBrk="0" hangingPunct="1">
+              <a:lnSpc>
+                <a:spcPct val="90000"/>
+              </a:lnSpc>
+              <a:spcBef>
+                <a:spcPts val="500"/>
+              </a:spcBef>
+              <a:buFont typeface="Arial" panose="020B0604020202020204" pitchFamily="34" charset="0"/>
+              <a:buChar char="•"/>
+              <a:defRPr sz="1800" kern="1200">
+                <a:solidFill>
+                  <a:schemeClr val="tx1"/>
+                </a:solidFill>
+                <a:latin typeface="+mn-lt"/>
+                <a:ea typeface="+mn-ea"/>
+                <a:cs typeface="+mn-cs"/>
+              </a:defRPr>
+            </a:lvl8pPr>
+            <a:lvl9pPr marL="3886200" indent="-228600" algn="l" defTabSz="914400" rtl="0" eaLnBrk="1" latinLnBrk="0" hangingPunct="1">
+              <a:lnSpc>
+                <a:spcPct val="90000"/>
+              </a:lnSpc>
+              <a:spcBef>
+                <a:spcPts val="500"/>
+              </a:spcBef>
+              <a:buFont typeface="Arial" panose="020B0604020202020204" pitchFamily="34" charset="0"/>
+              <a:buChar char="•"/>
+              <a:defRPr sz="1800" kern="1200">
+                <a:solidFill>
+                  <a:schemeClr val="tx1"/>
+                </a:solidFill>
+                <a:latin typeface="+mn-lt"/>
+                <a:ea typeface="+mn-ea"/>
+                <a:cs typeface="+mn-cs"/>
+              </a:defRPr>
+            </a:lvl9pPr>
+          </a:lstStyle>
+          <a:p>
+            <a:pPr algn="just">
+              <a:lnSpc>
+                <a:spcPct val="110000"/>
+              </a:lnSpc>
+            </a:pPr>
+            <a:r>
+              <a:rPr lang="pt-PT" sz="2400" dirty="0">
+                <a:solidFill>
+                  <a:prstClr val="black"/>
+                </a:solidFill>
+                <a:latin typeface="Arial" panose="020B0604020202020204" pitchFamily="34" charset="0"/>
+                <a:ea typeface="Arial" panose="020B0604020202020204" pitchFamily="34" charset="0"/>
+              </a:rPr>
+              <a:t>Usabilidade</a:t>
+            </a:r>
+          </a:p>
+          <a:p>
+            <a:pPr algn="just">
+              <a:lnSpc>
+                <a:spcPct val="110000"/>
+              </a:lnSpc>
+            </a:pPr>
+            <a:r>
+              <a:rPr lang="pt-PT" sz="2400" dirty="0">
+                <a:solidFill>
+                  <a:prstClr val="black"/>
+                </a:solidFill>
+                <a:latin typeface="Arial" panose="020B0604020202020204" pitchFamily="34" charset="0"/>
+              </a:rPr>
+              <a:t>Segurança</a:t>
+            </a:r>
+          </a:p>
+          <a:p>
+            <a:pPr algn="just">
+              <a:lnSpc>
+                <a:spcPct val="110000"/>
+              </a:lnSpc>
+            </a:pPr>
+            <a:r>
+              <a:rPr lang="pt-PT" sz="2400" dirty="0">
+                <a:solidFill>
+                  <a:prstClr val="black"/>
+                </a:solidFill>
+                <a:latin typeface="Arial" panose="020B0604020202020204" pitchFamily="34" charset="0"/>
+              </a:rPr>
+              <a:t>Confiabilidade</a:t>
+            </a:r>
+          </a:p>
+          <a:p>
+            <a:pPr algn="just">
+              <a:lnSpc>
+                <a:spcPct val="110000"/>
+              </a:lnSpc>
+            </a:pPr>
+            <a:r>
+              <a:rPr lang="pt-PT" sz="2400" dirty="0">
+                <a:solidFill>
+                  <a:prstClr val="black"/>
+                </a:solidFill>
+                <a:latin typeface="Arial" panose="020B0604020202020204" pitchFamily="34" charset="0"/>
+              </a:rPr>
+              <a:t>Acessibilidade</a:t>
+            </a:r>
+            <a:endParaRPr lang="pt-PT" sz="2400" dirty="0">
+              <a:solidFill>
+                <a:prstClr val="black"/>
+              </a:solidFill>
+              <a:latin typeface="Calibri" panose="020F0502020204030204"/>
+            </a:endParaRPr>
+          </a:p>
+        </p:txBody>
+      </p:sp>
+      <p:sp>
+        <p:nvSpPr>
+          <p:cNvPr id="16" name="Title 1">
+            <a:extLst>
+              <a:ext uri="{FF2B5EF4-FFF2-40B4-BE49-F238E27FC236}">
+                <a16:creationId xmlns:a16="http://schemas.microsoft.com/office/drawing/2014/main" id="{04322570-570D-1354-B948-4483E514275E}"/>
+              </a:ext>
+            </a:extLst>
+          </p:cNvPr>
+          <p:cNvSpPr txBox="1">
+            <a:spLocks/>
+          </p:cNvSpPr>
+          <p:nvPr/>
+        </p:nvSpPr>
+        <p:spPr>
+          <a:xfrm>
+            <a:off x="6372523" y="237863"/>
+            <a:ext cx="5278406" cy="772665"/>
+          </a:xfrm>
+          <a:prstGeom prst="rect">
+            <a:avLst/>
+          </a:prstGeom>
+        </p:spPr>
+        <p:txBody>
+          <a:bodyPr vert="horz" lIns="91440" tIns="45720" rIns="91440" bIns="45720" rtlCol="0" anchor="ctr">
+            <a:normAutofit fontScale="82500" lnSpcReduction="10000"/>
+          </a:bodyPr>
+          <a:lstStyle>
+            <a:lvl1pPr algn="l" defTabSz="914400" rtl="0" eaLnBrk="1" latinLnBrk="0" hangingPunct="1">
+              <a:lnSpc>
+                <a:spcPct val="90000"/>
+              </a:lnSpc>
+              <a:spcBef>
+                <a:spcPct val="0"/>
+              </a:spcBef>
+              <a:buNone/>
+              <a:defRPr sz="4400" kern="1200">
+                <a:solidFill>
+                  <a:schemeClr val="tx1"/>
+                </a:solidFill>
+                <a:latin typeface="+mj-lt"/>
+                <a:ea typeface="+mj-ea"/>
+                <a:cs typeface="+mj-cs"/>
+              </a:defRPr>
+            </a:lvl1pPr>
+          </a:lstStyle>
+          <a:p>
+            <a:r>
+              <a:rPr lang="pt-PT" sz="3600" b="1" dirty="0">
+                <a:solidFill>
+                  <a:prstClr val="white"/>
+                </a:solidFill>
+                <a:latin typeface="Calibri" panose="020F0502020204030204"/>
+              </a:rPr>
+              <a:t>REQUISITOS NÃO FUNCIONAIS</a:t>
+            </a:r>
+          </a:p>
+        </p:txBody>
+      </p:sp>
+      <p:cxnSp>
+        <p:nvCxnSpPr>
+          <p:cNvPr id="17" name="Straight Connector 11">
+            <a:extLst>
+              <a:ext uri="{FF2B5EF4-FFF2-40B4-BE49-F238E27FC236}">
+                <a16:creationId xmlns:a16="http://schemas.microsoft.com/office/drawing/2014/main" id="{BF8985BB-C262-9C0B-EB7F-B35CDBB9DDE4}"/>
+              </a:ext>
+            </a:extLst>
+          </p:cNvPr>
+          <p:cNvCxnSpPr/>
+          <p:nvPr/>
+        </p:nvCxnSpPr>
+        <p:spPr>
+          <a:xfrm>
+            <a:off x="5951913" y="1296785"/>
+            <a:ext cx="0" cy="3873731"/>
+          </a:xfrm>
+          <a:prstGeom prst="line">
+            <a:avLst/>
+          </a:prstGeom>
+          <a:noFill/>
+          <a:ln w="28575" cap="flat" cmpd="sng" algn="ctr">
+            <a:solidFill>
+              <a:schemeClr val="accent1"/>
+            </a:solidFill>
+            <a:prstDash val="solid"/>
+            <a:miter lim="800000"/>
+          </a:ln>
+          <a:effectLst/>
+        </p:spPr>
+      </p:cxnSp>
     </p:spTree>
     <p:extLst>
       <p:ext uri="{BB962C8B-B14F-4D97-AF65-F5344CB8AC3E}">
-        <p14:creationId xmlns:p14="http://schemas.microsoft.com/office/powerpoint/2010/main" val="2208457372"/>
+        <p14:creationId xmlns:p14="http://schemas.microsoft.com/office/powerpoint/2010/main" val="2583592827"/>
       </p:ext>
     </p:extLst>
   </p:cSld>
@@ -10234,562 +9270,7 @@
 </p:sld>
 </file>
 
-<file path=ppt/slides/slide15.xml><?xml version="1.0" encoding="utf-8"?>
-<p:sld xmlns:a="http://schemas.openxmlformats.org/drawingml/2006/main" xmlns:r="http://schemas.openxmlformats.org/officeDocument/2006/relationships" xmlns:p="http://schemas.openxmlformats.org/presentationml/2006/main">
-  <p:cSld>
-    <p:spTree>
-      <p:nvGrpSpPr>
-        <p:cNvPr id="1" name=""/>
-        <p:cNvGrpSpPr/>
-        <p:nvPr/>
-      </p:nvGrpSpPr>
-      <p:grpSpPr>
-        <a:xfrm>
-          <a:off x="0" y="0"/>
-          <a:ext cx="0" cy="0"/>
-          <a:chOff x="0" y="0"/>
-          <a:chExt cx="0" cy="0"/>
-        </a:xfrm>
-      </p:grpSpPr>
-      <p:graphicFrame>
-        <p:nvGraphicFramePr>
-          <p:cNvPr id="6" name="Table 5">
-            <a:extLst>
-              <a:ext uri="{FF2B5EF4-FFF2-40B4-BE49-F238E27FC236}">
-                <a16:creationId xmlns:a16="http://schemas.microsoft.com/office/drawing/2014/main" id="{D5B5B6F0-A8B3-C8DC-CE19-450BAB82AD22}"/>
-              </a:ext>
-            </a:extLst>
-          </p:cNvPr>
-          <p:cNvGraphicFramePr>
-            <a:graphicFrameLocks noGrp="1"/>
-          </p:cNvGraphicFramePr>
-          <p:nvPr>
-            <p:extLst>
-              <p:ext uri="{D42A27DB-BD31-4B8C-83A1-F6EECF244321}">
-                <p14:modId xmlns:p14="http://schemas.microsoft.com/office/powerpoint/2010/main" val="2392601750"/>
-              </p:ext>
-            </p:extLst>
-          </p:nvPr>
-        </p:nvGraphicFramePr>
-        <p:xfrm>
-          <a:off x="1578258" y="1562381"/>
-          <a:ext cx="9859617" cy="3903549"/>
-        </p:xfrm>
-        <a:graphic>
-          <a:graphicData uri="http://schemas.openxmlformats.org/drawingml/2006/table">
-            <a:tbl>
-              <a:tblPr firstRow="1" firstCol="1" bandRow="1">
-                <a:tableStyleId>{5C22544A-7EE6-4342-B048-85BDC9FD1C3A}</a:tableStyleId>
-              </a:tblPr>
-              <a:tblGrid>
-                <a:gridCol w="920565">
-                  <a:extLst>
-                    <a:ext uri="{9D8B030D-6E8A-4147-A177-3AD203B41FA5}">
-                      <a16:colId xmlns:a16="http://schemas.microsoft.com/office/drawing/2014/main" val="4199152656"/>
-                    </a:ext>
-                  </a:extLst>
-                </a:gridCol>
-                <a:gridCol w="2005437">
-                  <a:extLst>
-                    <a:ext uri="{9D8B030D-6E8A-4147-A177-3AD203B41FA5}">
-                      <a16:colId xmlns:a16="http://schemas.microsoft.com/office/drawing/2014/main" val="2193420102"/>
-                    </a:ext>
-                  </a:extLst>
-                </a:gridCol>
-                <a:gridCol w="6933615">
-                  <a:extLst>
-                    <a:ext uri="{9D8B030D-6E8A-4147-A177-3AD203B41FA5}">
-                      <a16:colId xmlns:a16="http://schemas.microsoft.com/office/drawing/2014/main" val="4038813381"/>
-                    </a:ext>
-                  </a:extLst>
-                </a:gridCol>
-              </a:tblGrid>
-              <a:tr h="456200">
-                <a:tc>
-                  <a:txBody>
-                    <a:bodyPr/>
-                    <a:lstStyle/>
-                    <a:p>
-                      <a:pPr algn="ctr">
-                        <a:lnSpc>
-                          <a:spcPct val="150000"/>
-                        </a:lnSpc>
-                        <a:spcBef>
-                          <a:spcPts val="600"/>
-                        </a:spcBef>
-                        <a:spcAft>
-                          <a:spcPts val="600"/>
-                        </a:spcAft>
-                      </a:pPr>
-                      <a:r>
-                        <a:rPr lang="pt-PT" sz="1600" dirty="0">
-                          <a:effectLst/>
-                          <a:latin typeface="+mj-lt"/>
-                          <a:ea typeface="Calibri" panose="020F0502020204030204" pitchFamily="34" charset="0"/>
-                          <a:cs typeface="Arial" panose="020B0604020202020204" pitchFamily="34" charset="0"/>
-                        </a:rPr>
-                        <a:t>ID</a:t>
-                      </a:r>
-                    </a:p>
-                  </a:txBody>
-                  <a:tcPr marL="68580" marR="68580" marT="0" marB="0"/>
-                </a:tc>
-                <a:tc>
-                  <a:txBody>
-                    <a:bodyPr/>
-                    <a:lstStyle/>
-                    <a:p>
-                      <a:pPr algn="ctr">
-                        <a:lnSpc>
-                          <a:spcPct val="150000"/>
-                        </a:lnSpc>
-                        <a:spcBef>
-                          <a:spcPts val="600"/>
-                        </a:spcBef>
-                        <a:spcAft>
-                          <a:spcPts val="600"/>
-                        </a:spcAft>
-                      </a:pPr>
-                      <a:r>
-                        <a:rPr lang="pt-PT" sz="1600" b="1" dirty="0">
-                          <a:effectLst/>
-                          <a:latin typeface="+mj-lt"/>
-                          <a:ea typeface="Calibri" panose="020F0502020204030204" pitchFamily="34" charset="0"/>
-                          <a:cs typeface="Arial" panose="020B0604020202020204" pitchFamily="34" charset="0"/>
-                        </a:rPr>
-                        <a:t>REQUISITO</a:t>
-                      </a:r>
-                    </a:p>
-                  </a:txBody>
-                  <a:tcPr marL="68580" marR="68580" marT="0" marB="0"/>
-                </a:tc>
-                <a:tc>
-                  <a:txBody>
-                    <a:bodyPr/>
-                    <a:lstStyle/>
-                    <a:p>
-                      <a:pPr algn="ctr">
-                        <a:lnSpc>
-                          <a:spcPct val="150000"/>
-                        </a:lnSpc>
-                        <a:spcBef>
-                          <a:spcPts val="600"/>
-                        </a:spcBef>
-                        <a:spcAft>
-                          <a:spcPts val="600"/>
-                        </a:spcAft>
-                      </a:pPr>
-                      <a:r>
-                        <a:rPr lang="pt-PT" sz="1600" dirty="0">
-                          <a:effectLst/>
-                          <a:latin typeface="+mj-lt"/>
-                          <a:ea typeface="Calibri" panose="020F0502020204030204" pitchFamily="34" charset="0"/>
-                          <a:cs typeface="Arial" panose="020B0604020202020204" pitchFamily="34" charset="0"/>
-                        </a:rPr>
-                        <a:t>DESCRIÇÃO</a:t>
-                      </a:r>
-                    </a:p>
-                  </a:txBody>
-                  <a:tcPr marL="68580" marR="68580" marT="0" marB="0"/>
-                </a:tc>
-                <a:extLst>
-                  <a:ext uri="{0D108BD9-81ED-4DB2-BD59-A6C34878D82A}">
-                    <a16:rowId xmlns:a16="http://schemas.microsoft.com/office/drawing/2014/main" val="3759259505"/>
-                  </a:ext>
-                </a:extLst>
-              </a:tr>
-              <a:tr h="733245">
-                <a:tc>
-                  <a:txBody>
-                    <a:bodyPr/>
-                    <a:lstStyle/>
-                    <a:p>
-                      <a:pPr algn="l">
-                        <a:lnSpc>
-                          <a:spcPct val="150000"/>
-                        </a:lnSpc>
-                        <a:spcBef>
-                          <a:spcPts val="600"/>
-                        </a:spcBef>
-                        <a:spcAft>
-                          <a:spcPts val="600"/>
-                        </a:spcAft>
-                      </a:pPr>
-                      <a:r>
-                        <a:rPr lang="pt-PT" sz="1600" dirty="0">
-                          <a:effectLst/>
-                          <a:latin typeface="+mj-lt"/>
-                        </a:rPr>
-                        <a:t>RNF1</a:t>
-                      </a:r>
-                      <a:endParaRPr lang="pt-PT" sz="1600" dirty="0">
-                        <a:effectLst/>
-                        <a:latin typeface="+mj-lt"/>
-                        <a:ea typeface="Calibri" panose="020F0502020204030204" pitchFamily="34" charset="0"/>
-                        <a:cs typeface="Arial" panose="020B0604020202020204" pitchFamily="34" charset="0"/>
-                      </a:endParaRPr>
-                    </a:p>
-                  </a:txBody>
-                  <a:tcPr marL="68580" marR="68580" marT="0" marB="0"/>
-                </a:tc>
-                <a:tc>
-                  <a:txBody>
-                    <a:bodyPr/>
-                    <a:lstStyle/>
-                    <a:p>
-                      <a:pPr algn="l">
-                        <a:lnSpc>
-                          <a:spcPct val="150000"/>
-                        </a:lnSpc>
-                        <a:spcBef>
-                          <a:spcPts val="600"/>
-                        </a:spcBef>
-                        <a:spcAft>
-                          <a:spcPts val="600"/>
-                        </a:spcAft>
-                      </a:pPr>
-                      <a:r>
-                        <a:rPr lang="pt-PT" sz="1600" b="1" dirty="0">
-                          <a:effectLst/>
-                          <a:latin typeface="+mj-lt"/>
-                        </a:rPr>
-                        <a:t>SEGURANÇA</a:t>
-                      </a:r>
-                      <a:endParaRPr lang="pt-PT" sz="1600" b="1" dirty="0">
-                        <a:effectLst/>
-                        <a:latin typeface="+mj-lt"/>
-                        <a:ea typeface="Calibri" panose="020F0502020204030204" pitchFamily="34" charset="0"/>
-                        <a:cs typeface="Arial" panose="020B0604020202020204" pitchFamily="34" charset="0"/>
-                      </a:endParaRPr>
-                    </a:p>
-                  </a:txBody>
-                  <a:tcPr marL="68580" marR="68580" marT="0" marB="0"/>
-                </a:tc>
-                <a:tc>
-                  <a:txBody>
-                    <a:bodyPr/>
-                    <a:lstStyle/>
-                    <a:p>
-                      <a:pPr algn="l">
-                        <a:lnSpc>
-                          <a:spcPct val="150000"/>
-                        </a:lnSpc>
-                        <a:spcBef>
-                          <a:spcPts val="600"/>
-                        </a:spcBef>
-                        <a:spcAft>
-                          <a:spcPts val="600"/>
-                        </a:spcAft>
-                      </a:pPr>
-                      <a:r>
-                        <a:rPr lang="pt-BR" sz="1600" dirty="0">
-                          <a:effectLst/>
-                          <a:latin typeface="+mj-lt"/>
-                        </a:rPr>
-                        <a:t>A integridade e confidencialidade das informações são asseguradas através de mecanismos de controlo de acesso de usuários não autorizados, através de senha e  definição de acesso para cada usuário</a:t>
-                      </a:r>
-                      <a:r>
-                        <a:rPr lang="pt-PT" sz="1600" dirty="0">
-                          <a:effectLst/>
-                          <a:latin typeface="+mj-lt"/>
-                        </a:rPr>
-                        <a:t>. </a:t>
-                      </a:r>
-                      <a:endParaRPr lang="pt-PT" sz="1600" dirty="0">
-                        <a:effectLst/>
-                        <a:latin typeface="+mj-lt"/>
-                        <a:ea typeface="Calibri" panose="020F0502020204030204" pitchFamily="34" charset="0"/>
-                        <a:cs typeface="Arial" panose="020B0604020202020204" pitchFamily="34" charset="0"/>
-                      </a:endParaRPr>
-                    </a:p>
-                  </a:txBody>
-                  <a:tcPr marL="68580" marR="68580" marT="0" marB="0"/>
-                </a:tc>
-                <a:extLst>
-                  <a:ext uri="{0D108BD9-81ED-4DB2-BD59-A6C34878D82A}">
-                    <a16:rowId xmlns:a16="http://schemas.microsoft.com/office/drawing/2014/main" val="3455286240"/>
-                  </a:ext>
-                </a:extLst>
-              </a:tr>
-              <a:tr h="1211414">
-                <a:tc>
-                  <a:txBody>
-                    <a:bodyPr/>
-                    <a:lstStyle/>
-                    <a:p>
-                      <a:pPr algn="l">
-                        <a:lnSpc>
-                          <a:spcPct val="150000"/>
-                        </a:lnSpc>
-                        <a:spcBef>
-                          <a:spcPts val="600"/>
-                        </a:spcBef>
-                        <a:spcAft>
-                          <a:spcPts val="600"/>
-                        </a:spcAft>
-                      </a:pPr>
-                      <a:r>
-                        <a:rPr lang="pt-PT" sz="1600" dirty="0">
-                          <a:effectLst/>
-                          <a:latin typeface="+mj-lt"/>
-                        </a:rPr>
-                        <a:t>RNF2</a:t>
-                      </a:r>
-                      <a:endParaRPr lang="pt-PT" sz="1600" dirty="0">
-                        <a:effectLst/>
-                        <a:latin typeface="+mj-lt"/>
-                        <a:ea typeface="Calibri" panose="020F0502020204030204" pitchFamily="34" charset="0"/>
-                        <a:cs typeface="Arial" panose="020B0604020202020204" pitchFamily="34" charset="0"/>
-                      </a:endParaRPr>
-                    </a:p>
-                  </a:txBody>
-                  <a:tcPr marL="68580" marR="68580" marT="0" marB="0"/>
-                </a:tc>
-                <a:tc>
-                  <a:txBody>
-                    <a:bodyPr/>
-                    <a:lstStyle/>
-                    <a:p>
-                      <a:pPr algn="l">
-                        <a:lnSpc>
-                          <a:spcPct val="150000"/>
-                        </a:lnSpc>
-                        <a:spcBef>
-                          <a:spcPts val="600"/>
-                        </a:spcBef>
-                        <a:spcAft>
-                          <a:spcPts val="600"/>
-                        </a:spcAft>
-                      </a:pPr>
-                      <a:r>
-                        <a:rPr lang="pt-PT" sz="1600" b="1" dirty="0">
-                          <a:effectLst/>
-                          <a:latin typeface="+mj-lt"/>
-                        </a:rPr>
-                        <a:t>DISPONIBILIDADE</a:t>
-                      </a:r>
-                      <a:endParaRPr lang="pt-PT" sz="1600" b="1" dirty="0">
-                        <a:effectLst/>
-                        <a:latin typeface="+mj-lt"/>
-                        <a:ea typeface="Calibri" panose="020F0502020204030204" pitchFamily="34" charset="0"/>
-                        <a:cs typeface="Arial" panose="020B0604020202020204" pitchFamily="34" charset="0"/>
-                      </a:endParaRPr>
-                    </a:p>
-                  </a:txBody>
-                  <a:tcPr marL="68580" marR="68580" marT="0" marB="0"/>
-                </a:tc>
-                <a:tc>
-                  <a:txBody>
-                    <a:bodyPr/>
-                    <a:lstStyle/>
-                    <a:p>
-                      <a:pPr algn="l">
-                        <a:lnSpc>
-                          <a:spcPct val="150000"/>
-                        </a:lnSpc>
-                        <a:spcBef>
-                          <a:spcPts val="600"/>
-                        </a:spcBef>
-                        <a:spcAft>
-                          <a:spcPts val="600"/>
-                        </a:spcAft>
-                      </a:pPr>
-                      <a:r>
-                        <a:rPr lang="pt-PT" sz="1600" dirty="0">
-                          <a:effectLst/>
-                          <a:latin typeface="+mj-lt"/>
-                        </a:rPr>
-                        <a:t>O MÓDULO DEVE ESTAR OBRIGATORIAMENTE DISPONÍVEL PARA ACOMODAR TRANSFERÊNCIAS EMERGENTES E NÃO SÓ, A QUALQUER MOMENTO</a:t>
-                      </a:r>
-                      <a:endParaRPr lang="pt-PT" sz="1600" dirty="0">
-                        <a:effectLst/>
-                        <a:latin typeface="+mj-lt"/>
-                        <a:ea typeface="Calibri" panose="020F0502020204030204" pitchFamily="34" charset="0"/>
-                        <a:cs typeface="Arial" panose="020B0604020202020204" pitchFamily="34" charset="0"/>
-                      </a:endParaRPr>
-                    </a:p>
-                  </a:txBody>
-                  <a:tcPr marL="68580" marR="68580" marT="0" marB="0"/>
-                </a:tc>
-                <a:extLst>
-                  <a:ext uri="{0D108BD9-81ED-4DB2-BD59-A6C34878D82A}">
-                    <a16:rowId xmlns:a16="http://schemas.microsoft.com/office/drawing/2014/main" val="910652268"/>
-                  </a:ext>
-                </a:extLst>
-              </a:tr>
-              <a:tr h="1183867">
-                <a:tc>
-                  <a:txBody>
-                    <a:bodyPr/>
-                    <a:lstStyle/>
-                    <a:p>
-                      <a:pPr algn="l">
-                        <a:lnSpc>
-                          <a:spcPct val="150000"/>
-                        </a:lnSpc>
-                        <a:spcBef>
-                          <a:spcPts val="600"/>
-                        </a:spcBef>
-                        <a:spcAft>
-                          <a:spcPts val="600"/>
-                        </a:spcAft>
-                      </a:pPr>
-                      <a:r>
-                        <a:rPr lang="pt-PT" sz="1600" dirty="0">
-                          <a:effectLst/>
-                          <a:latin typeface="+mj-lt"/>
-                        </a:rPr>
-                        <a:t>RNF3</a:t>
-                      </a:r>
-                      <a:endParaRPr lang="pt-PT" sz="1600" dirty="0">
-                        <a:effectLst/>
-                        <a:latin typeface="+mj-lt"/>
-                        <a:ea typeface="Calibri" panose="020F0502020204030204" pitchFamily="34" charset="0"/>
-                        <a:cs typeface="Arial" panose="020B0604020202020204" pitchFamily="34" charset="0"/>
-                      </a:endParaRPr>
-                    </a:p>
-                  </a:txBody>
-                  <a:tcPr marL="68580" marR="68580" marT="0" marB="0"/>
-                </a:tc>
-                <a:tc>
-                  <a:txBody>
-                    <a:bodyPr/>
-                    <a:lstStyle/>
-                    <a:p>
-                      <a:pPr algn="l">
-                        <a:lnSpc>
-                          <a:spcPct val="150000"/>
-                        </a:lnSpc>
-                        <a:spcBef>
-                          <a:spcPts val="600"/>
-                        </a:spcBef>
-                        <a:spcAft>
-                          <a:spcPts val="600"/>
-                        </a:spcAft>
-                      </a:pPr>
-                      <a:r>
-                        <a:rPr lang="pt-PT" sz="1600" b="1" dirty="0">
-                          <a:effectLst/>
-                          <a:latin typeface="+mj-lt"/>
-                        </a:rPr>
-                        <a:t>CONFIABILIDADE</a:t>
-                      </a:r>
-                      <a:endParaRPr lang="pt-PT" sz="1600" b="1" dirty="0">
-                        <a:effectLst/>
-                        <a:latin typeface="+mj-lt"/>
-                        <a:ea typeface="Calibri" panose="020F0502020204030204" pitchFamily="34" charset="0"/>
-                        <a:cs typeface="Arial" panose="020B0604020202020204" pitchFamily="34" charset="0"/>
-                      </a:endParaRPr>
-                    </a:p>
-                  </a:txBody>
-                  <a:tcPr marL="68580" marR="68580" marT="0" marB="0"/>
-                </a:tc>
-                <a:tc>
-                  <a:txBody>
-                    <a:bodyPr/>
-                    <a:lstStyle/>
-                    <a:p>
-                      <a:pPr algn="l">
-                        <a:lnSpc>
-                          <a:spcPct val="150000"/>
-                        </a:lnSpc>
-                        <a:spcBef>
-                          <a:spcPts val="600"/>
-                        </a:spcBef>
-                        <a:spcAft>
-                          <a:spcPts val="600"/>
-                        </a:spcAft>
-                      </a:pPr>
-                      <a:r>
-                        <a:rPr lang="pt-PT" sz="1600" dirty="0">
-                          <a:effectLst/>
-                          <a:latin typeface="+mj-lt"/>
-                        </a:rPr>
-                        <a:t>É CRUCIAL A CONFIABILIDADE PARA EVITAR ATRASOS OU FALHAS DURANTE AS TRANSFERÊNCIAS.</a:t>
-                      </a:r>
-                      <a:endParaRPr lang="pt-PT" sz="1600" dirty="0">
-                        <a:effectLst/>
-                        <a:latin typeface="+mj-lt"/>
-                        <a:ea typeface="Calibri" panose="020F0502020204030204" pitchFamily="34" charset="0"/>
-                        <a:cs typeface="Arial" panose="020B0604020202020204" pitchFamily="34" charset="0"/>
-                      </a:endParaRPr>
-                    </a:p>
-                  </a:txBody>
-                  <a:tcPr marL="68580" marR="68580" marT="0" marB="0"/>
-                </a:tc>
-                <a:extLst>
-                  <a:ext uri="{0D108BD9-81ED-4DB2-BD59-A6C34878D82A}">
-                    <a16:rowId xmlns:a16="http://schemas.microsoft.com/office/drawing/2014/main" val="2965115445"/>
-                  </a:ext>
-                </a:extLst>
-              </a:tr>
-            </a:tbl>
-          </a:graphicData>
-        </a:graphic>
-      </p:graphicFrame>
-      <p:sp>
-        <p:nvSpPr>
-          <p:cNvPr id="2" name="Título 1">
-            <a:extLst>
-              <a:ext uri="{FF2B5EF4-FFF2-40B4-BE49-F238E27FC236}">
-                <a16:creationId xmlns:a16="http://schemas.microsoft.com/office/drawing/2014/main" id="{289A17C2-32C9-B0B8-ED0A-DF209B99B010}"/>
-              </a:ext>
-            </a:extLst>
-          </p:cNvPr>
-          <p:cNvSpPr>
-            <a:spLocks noGrp="1"/>
-          </p:cNvSpPr>
-          <p:nvPr>
-            <p:ph type="title"/>
-          </p:nvPr>
-        </p:nvSpPr>
-        <p:spPr>
-          <a:xfrm>
-            <a:off x="2283899" y="243555"/>
-            <a:ext cx="8134865" cy="721485"/>
-          </a:xfrm>
-          <a:ln w="28575">
-            <a:noFill/>
-          </a:ln>
-        </p:spPr>
-        <p:txBody>
-          <a:bodyPr>
-            <a:normAutofit/>
-          </a:bodyPr>
-          <a:lstStyle/>
-          <a:p>
-            <a:pPr algn="ctr"/>
-            <a:r>
-              <a:rPr lang="pt-PT" sz="3600" b="1" dirty="0">
-                <a:solidFill>
-                  <a:schemeClr val="tx1"/>
-                </a:solidFill>
-                <a:cs typeface="Times New Roman" panose="02020603050405020304" pitchFamily="18" charset="0"/>
-              </a:rPr>
-              <a:t>REQUISITOS NÃO FUNCIONAIS</a:t>
-            </a:r>
-            <a:endParaRPr lang="pt-PT" sz="3600" b="1" dirty="0">
-              <a:solidFill>
-                <a:schemeClr val="tx1"/>
-              </a:solidFill>
-            </a:endParaRPr>
-          </a:p>
-        </p:txBody>
-      </p:sp>
-    </p:spTree>
-    <p:extLst>
-      <p:ext uri="{BB962C8B-B14F-4D97-AF65-F5344CB8AC3E}">
-        <p14:creationId xmlns:p14="http://schemas.microsoft.com/office/powerpoint/2010/main" val="1755120171"/>
-      </p:ext>
-    </p:extLst>
-  </p:cSld>
-  <p:clrMapOvr>
-    <a:masterClrMapping/>
-  </p:clrMapOvr>
-</p:sld>
-</file>
-
-<file path=ppt/slides/slide16.xml><?xml version="1.0" encoding="utf-8"?>
+<file path=ppt/slides/slide13.xml><?xml version="1.0" encoding="utf-8"?>
 <p:sld xmlns:a="http://schemas.openxmlformats.org/drawingml/2006/main" xmlns:r="http://schemas.openxmlformats.org/officeDocument/2006/relationships" xmlns:p="http://schemas.openxmlformats.org/presentationml/2006/main">
   <p:cSld>
     <p:spTree>
@@ -10821,14 +9302,14 @@
           <p:nvPr>
             <p:extLst>
               <p:ext uri="{D42A27DB-BD31-4B8C-83A1-F6EECF244321}">
-                <p14:modId xmlns:p14="http://schemas.microsoft.com/office/powerpoint/2010/main" val="1850607629"/>
+                <p14:modId xmlns:p14="http://schemas.microsoft.com/office/powerpoint/2010/main" val="4052657858"/>
               </p:ext>
             </p:extLst>
           </p:nvPr>
         </p:nvGraphicFramePr>
         <p:xfrm>
           <a:off x="1250950" y="1580259"/>
-          <a:ext cx="10179050" cy="3561996"/>
+          <a:ext cx="10179050" cy="3650178"/>
         </p:xfrm>
         <a:graphic>
           <a:graphicData uri="http://schemas.openxmlformats.org/drawingml/2006/table">
@@ -10870,7 +9351,7 @@
                         </a:spcAft>
                       </a:pPr>
                       <a:r>
-                        <a:rPr lang="pt-PT" sz="1600" dirty="0">
+                        <a:rPr lang="pt-PT" sz="2000" dirty="0">
                           <a:effectLst/>
                           <a:latin typeface="+mj-lt"/>
                           <a:ea typeface="Calibri" panose="020F0502020204030204" pitchFamily="34" charset="0"/>
@@ -10899,7 +9380,7 @@
                         </a:spcAft>
                       </a:pPr>
                       <a:r>
-                        <a:rPr lang="pt-PT" sz="1600" dirty="0">
+                        <a:rPr lang="pt-PT" sz="2000" dirty="0">
                           <a:effectLst/>
                           <a:latin typeface="+mj-lt"/>
                           <a:ea typeface="Calibri" panose="020F0502020204030204" pitchFamily="34" charset="0"/>
@@ -10917,7 +9398,7 @@
                   </a:ext>
                 </a:extLst>
               </a:tr>
-              <a:tr h="731980">
+              <a:tr h="1034693">
                 <a:tc>
                   <a:txBody>
                     <a:bodyPr/>
@@ -10935,13 +9416,13 @@
                         </a:spcAft>
                       </a:pPr>
                       <a:r>
-                        <a:rPr lang="pt-PT" sz="1600" dirty="0">
+                        <a:rPr lang="pt-PT" sz="2000" dirty="0">
                           <a:effectLst/>
                           <a:latin typeface="+mj-lt"/>
                         </a:rPr>
                         <a:t>RN1</a:t>
                       </a:r>
-                      <a:endParaRPr lang="pt-PT" sz="1600" dirty="0">
+                      <a:endParaRPr lang="pt-PT" sz="2000" dirty="0">
                         <a:effectLst/>
                         <a:latin typeface="+mj-lt"/>
                         <a:ea typeface="Calibri" panose="020F0502020204030204" pitchFamily="34" charset="0"/>
@@ -10968,13 +9449,27 @@
                         </a:spcAft>
                       </a:pPr>
                       <a:r>
-                        <a:rPr lang="pt-PT" sz="1600" dirty="0">
+                        <a:rPr lang="pt-PT" sz="2000" dirty="0" smtClean="0">
                           <a:effectLst/>
                           <a:latin typeface="+mj-lt"/>
                         </a:rPr>
-                        <a:t>O administrador é o único que poderá fazer o cadastro das unidades hospitalares no sistema, dos funcionários, das ambulâncias do hospital, dos serviços oferecidos pelo hospital e do usuário para o módulo.</a:t>
+                        <a:t>O coordenador é o responsável aprovar uma proposta de tema para o </a:t>
                       </a:r>
-                      <a:endParaRPr lang="pt-PT" sz="1600" dirty="0">
+                      <a:r>
+                        <a:rPr lang="pt-PT" sz="2000" dirty="0" err="1" smtClean="0">
+                          <a:effectLst/>
+                          <a:latin typeface="+mj-lt"/>
+                        </a:rPr>
+                        <a:t>projecto</a:t>
+                      </a:r>
+                      <a:r>
+                        <a:rPr lang="pt-PT" sz="2000" dirty="0" smtClean="0">
+                          <a:effectLst/>
+                          <a:latin typeface="+mj-lt"/>
+                        </a:rPr>
+                        <a:t> de conclusão de curso</a:t>
+                      </a:r>
+                      <a:endParaRPr lang="pt-PT" sz="2000" dirty="0">
                         <a:effectLst/>
                         <a:latin typeface="+mj-lt"/>
                         <a:ea typeface="Calibri" panose="020F0502020204030204" pitchFamily="34" charset="0"/>
@@ -10990,7 +9485,7 @@
                   </a:ext>
                 </a:extLst>
               </a:tr>
-              <a:tr h="803411">
+              <a:tr h="543823">
                 <a:tc>
                   <a:txBody>
                     <a:bodyPr/>
@@ -11008,13 +9503,13 @@
                         </a:spcAft>
                       </a:pPr>
                       <a:r>
-                        <a:rPr lang="pt-PT" sz="1600">
+                        <a:rPr lang="pt-PT" sz="2000">
                           <a:effectLst/>
                           <a:latin typeface="+mj-lt"/>
                         </a:rPr>
                         <a:t>RN2</a:t>
                       </a:r>
-                      <a:endParaRPr lang="pt-PT" sz="1600">
+                      <a:endParaRPr lang="pt-PT" sz="2000">
                         <a:effectLst/>
                         <a:latin typeface="+mj-lt"/>
                         <a:ea typeface="Calibri" panose="020F0502020204030204" pitchFamily="34" charset="0"/>
@@ -11041,13 +9536,13 @@
                         </a:spcAft>
                       </a:pPr>
                       <a:r>
-                        <a:rPr lang="pt-PT" sz="1600" dirty="0">
+                        <a:rPr lang="pt-PT" sz="2000" dirty="0" smtClean="0">
                           <a:effectLst/>
                           <a:latin typeface="+mj-lt"/>
                         </a:rPr>
-                        <a:t>Nenhuma transferência é feita sem o Médico responsável e só o mesmo médico é que faz ou o administrador em caso de exceção</a:t>
+                        <a:t>Só é possível atribuir tarefas a uma proposta aprovada</a:t>
                       </a:r>
-                      <a:endParaRPr lang="pt-PT" sz="1600" dirty="0">
+                      <a:endParaRPr lang="pt-PT" sz="2000" dirty="0">
                         <a:effectLst/>
                         <a:latin typeface="+mj-lt"/>
                         <a:ea typeface="Calibri" panose="020F0502020204030204" pitchFamily="34" charset="0"/>
@@ -11081,13 +9576,13 @@
                         </a:spcAft>
                       </a:pPr>
                       <a:r>
-                        <a:rPr lang="pt-PT" sz="1600">
+                        <a:rPr lang="pt-PT" sz="2000">
                           <a:effectLst/>
                           <a:latin typeface="+mj-lt"/>
                         </a:rPr>
                         <a:t>RN3</a:t>
                       </a:r>
-                      <a:endParaRPr lang="pt-PT" sz="1600">
+                      <a:endParaRPr lang="pt-PT" sz="2000">
                         <a:effectLst/>
                         <a:latin typeface="+mj-lt"/>
                         <a:ea typeface="Calibri" panose="020F0502020204030204" pitchFamily="34" charset="0"/>
@@ -11114,13 +9609,13 @@
                         </a:spcAft>
                       </a:pPr>
                       <a:r>
-                        <a:rPr lang="pt-PT" sz="1600" dirty="0">
+                        <a:rPr lang="pt-PT" sz="2000" dirty="0" smtClean="0">
                           <a:effectLst/>
                           <a:latin typeface="+mj-lt"/>
                         </a:rPr>
-                        <a:t>O usuário padrão faz os cadastros dos pacientes e demais de acordo ao seu perfil</a:t>
+                        <a:t>O estudante só pode enviar a versão final do TFC após o Orientador marcar como concluído</a:t>
                       </a:r>
-                      <a:endParaRPr lang="pt-PT" sz="1600" dirty="0">
+                      <a:endParaRPr lang="pt-PT" sz="2000" dirty="0">
                         <a:effectLst/>
                         <a:latin typeface="+mj-lt"/>
                         <a:ea typeface="Calibri" panose="020F0502020204030204" pitchFamily="34" charset="0"/>
@@ -11154,13 +9649,13 @@
                         </a:spcAft>
                       </a:pPr>
                       <a:r>
-                        <a:rPr lang="pt-PT" sz="1600" dirty="0">
+                        <a:rPr lang="pt-PT" sz="2000" dirty="0">
                           <a:effectLst/>
                           <a:latin typeface="+mj-lt"/>
                         </a:rPr>
                         <a:t>RN4</a:t>
                       </a:r>
-                      <a:endParaRPr lang="pt-PT" sz="1600" dirty="0">
+                      <a:endParaRPr lang="pt-PT" sz="2000" dirty="0">
                         <a:effectLst/>
                         <a:latin typeface="+mj-lt"/>
                         <a:ea typeface="Calibri" panose="020F0502020204030204" pitchFamily="34" charset="0"/>
@@ -11187,13 +9682,13 @@
                         </a:spcAft>
                       </a:pPr>
                       <a:r>
-                        <a:rPr lang="pt-PT" sz="1600" dirty="0">
+                        <a:rPr lang="pt-PT" sz="2000" dirty="0" smtClean="0">
                           <a:effectLst/>
                           <a:latin typeface="+mj-lt"/>
                         </a:rPr>
-                        <a:t>É crucial o preenchimento de todos os campos de cada formulário que compõe o módulo </a:t>
+                        <a:t>O coordenador é o responsável por criar bancas</a:t>
                       </a:r>
-                      <a:endParaRPr lang="pt-PT" sz="1600" dirty="0">
+                      <a:endParaRPr lang="pt-PT" sz="2000" dirty="0">
                         <a:effectLst/>
                         <a:latin typeface="+mj-lt"/>
                         <a:ea typeface="Calibri" panose="020F0502020204030204" pitchFamily="34" charset="0"/>
@@ -11275,7 +9770,7 @@
 </p:sld>
 </file>
 
-<file path=ppt/slides/slide17.xml><?xml version="1.0" encoding="utf-8"?>
+<file path=ppt/slides/slide14.xml><?xml version="1.0" encoding="utf-8"?>
 <p:sld xmlns:a="http://schemas.openxmlformats.org/drawingml/2006/main" xmlns:r="http://schemas.openxmlformats.org/officeDocument/2006/relationships" xmlns:p="http://schemas.openxmlformats.org/presentationml/2006/main">
   <p:cSld>
     <p:spTree>
@@ -11349,7 +9844,7 @@
 </p:sld>
 </file>
 
-<file path=ppt/slides/slide18.xml><?xml version="1.0" encoding="utf-8"?>
+<file path=ppt/slides/slide15.xml><?xml version="1.0" encoding="utf-8"?>
 <p:sld xmlns:a="http://schemas.openxmlformats.org/drawingml/2006/main" xmlns:r="http://schemas.openxmlformats.org/officeDocument/2006/relationships" xmlns:p="http://schemas.openxmlformats.org/presentationml/2006/main">
   <p:cSld>
     <p:spTree>
@@ -11418,7 +9913,7 @@
 </p:sld>
 </file>
 
-<file path=ppt/slides/slide19.xml><?xml version="1.0" encoding="utf-8"?>
+<file path=ppt/slides/slide16.xml><?xml version="1.0" encoding="utf-8"?>
 <p:sld xmlns:a="http://schemas.openxmlformats.org/drawingml/2006/main" xmlns:r="http://schemas.openxmlformats.org/officeDocument/2006/relationships" xmlns:p="http://schemas.openxmlformats.org/presentationml/2006/main">
   <p:cSld>
     <p:spTree>
@@ -11437,7 +9932,7 @@
       </p:grpSpPr>
       <p:sp>
         <p:nvSpPr>
-          <p:cNvPr id="5" name="Marcador de Posição de Conteúdo 2"/>
+          <p:cNvPr id="4" name="Marcador de Posição de Conteúdo 2"/>
           <p:cNvSpPr txBox="1">
             <a:spLocks/>
           </p:cNvSpPr>
@@ -11445,7 +9940,7 @@
         </p:nvSpPr>
         <p:spPr>
           <a:xfrm>
-            <a:off x="2627870" y="175075"/>
+            <a:off x="2627870" y="2972866"/>
             <a:ext cx="8113383" cy="739325"/>
           </a:xfrm>
           <a:prstGeom prst="rect">
@@ -11722,13 +10217,43 @@
           </a:p>
         </p:txBody>
       </p:sp>
+    </p:spTree>
+    <p:extLst>
+      <p:ext uri="{BB962C8B-B14F-4D97-AF65-F5344CB8AC3E}">
+        <p14:creationId xmlns:p14="http://schemas.microsoft.com/office/powerpoint/2010/main" val="3498278140"/>
+      </p:ext>
+    </p:extLst>
+  </p:cSld>
+  <p:clrMapOvr>
+    <a:masterClrMapping/>
+  </p:clrMapOvr>
+</p:sld>
+</file>
+
+<file path=ppt/slides/slide17.xml><?xml version="1.0" encoding="utf-8"?>
+<p:sld xmlns:a="http://schemas.openxmlformats.org/drawingml/2006/main" xmlns:r="http://schemas.openxmlformats.org/officeDocument/2006/relationships" xmlns:p="http://schemas.openxmlformats.org/presentationml/2006/main">
+  <p:cSld>
+    <p:spTree>
+      <p:nvGrpSpPr>
+        <p:cNvPr id="1" name=""/>
+        <p:cNvGrpSpPr/>
+        <p:nvPr/>
+      </p:nvGrpSpPr>
+      <p:grpSpPr>
+        <a:xfrm>
+          <a:off x="0" y="0"/>
+          <a:ext cx="0" cy="0"/>
+          <a:chOff x="0" y="0"/>
+          <a:chExt cx="0" cy="0"/>
+        </a:xfrm>
+      </p:grpSpPr>
       <p:pic>
         <p:nvPicPr>
           <p:cNvPr id="6" name="Picture 1"/>
           <p:cNvPicPr/>
           <p:nvPr/>
         </p:nvPicPr>
-        <p:blipFill>
+        <p:blipFill rotWithShape="1">
           <a:blip r:embed="rId2">
             <a:extLst>
               <a:ext uri="{28A0092B-C50C-407E-A947-70E740481C1C}">
@@ -11736,15 +10261,13 @@
               </a:ext>
             </a:extLst>
           </a:blip>
-          <a:srcRect/>
-          <a:stretch>
-            <a:fillRect/>
-          </a:stretch>
+          <a:srcRect l="4876" t="4709" r="4386" b="5832"/>
+          <a:stretch/>
         </p:blipFill>
         <p:spPr bwMode="auto">
           <a:xfrm>
-            <a:off x="2471452" y="914400"/>
-            <a:ext cx="7249095" cy="5603966"/>
+            <a:off x="1860646" y="145576"/>
+            <a:ext cx="8916536" cy="6655558"/>
           </a:xfrm>
           <a:prstGeom prst="rect">
             <a:avLst/>
@@ -11768,7 +10291,7 @@
 </p:sld>
 </file>
 
-<file path=ppt/slides/slide2.xml><?xml version="1.0" encoding="utf-8"?>
+<file path=ppt/slides/slide18.xml><?xml version="1.0" encoding="utf-8"?>
 <p:sld xmlns:a="http://schemas.openxmlformats.org/drawingml/2006/main" xmlns:r="http://schemas.openxmlformats.org/officeDocument/2006/relationships" xmlns:p="http://schemas.openxmlformats.org/presentationml/2006/main">
   <p:cSld>
     <p:spTree>
@@ -11787,289 +10310,7 @@
       </p:grpSpPr>
       <p:sp>
         <p:nvSpPr>
-          <p:cNvPr id="2" name="Título 1"/>
-          <p:cNvSpPr>
-            <a:spLocks noGrp="1"/>
-          </p:cNvSpPr>
-          <p:nvPr>
-            <p:ph type="title"/>
-          </p:nvPr>
-        </p:nvSpPr>
-        <p:spPr>
-          <a:xfrm>
-            <a:off x="3263832" y="808734"/>
-            <a:ext cx="6137190" cy="617951"/>
-          </a:xfrm>
-          <a:ln w="28575">
-            <a:noFill/>
-          </a:ln>
-        </p:spPr>
-        <p:txBody>
-          <a:bodyPr>
-            <a:noAutofit/>
-          </a:bodyPr>
-          <a:lstStyle/>
-          <a:p>
-            <a:pPr algn="ctr"/>
-            <a:r>
-              <a:rPr lang="pt-PT" sz="3600" b="1" dirty="0">
-                <a:solidFill>
-                  <a:schemeClr val="tx1"/>
-                </a:solidFill>
-                <a:cs typeface="Times New Roman" panose="02020603050405020304" pitchFamily="18" charset="0"/>
-              </a:rPr>
-              <a:t>SUMÁRIO</a:t>
-            </a:r>
-          </a:p>
-        </p:txBody>
-      </p:sp>
-      <p:sp>
-        <p:nvSpPr>
-          <p:cNvPr id="3" name="CaixaDeTexto 2">
-            <a:extLst>
-              <a:ext uri="{FF2B5EF4-FFF2-40B4-BE49-F238E27FC236}">
-                <a16:creationId xmlns:a16="http://schemas.microsoft.com/office/drawing/2014/main" id="{7DD07E06-D70A-F4DC-8604-09D102B32006}"/>
-              </a:ext>
-            </a:extLst>
-          </p:cNvPr>
-          <p:cNvSpPr txBox="1"/>
-          <p:nvPr/>
-        </p:nvSpPr>
-        <p:spPr>
-          <a:xfrm>
-            <a:off x="1725283" y="2004874"/>
-            <a:ext cx="4607144" cy="3631763"/>
-          </a:xfrm>
-          <a:prstGeom prst="rect">
-            <a:avLst/>
-          </a:prstGeom>
-          <a:noFill/>
-        </p:spPr>
-        <p:txBody>
-          <a:bodyPr wrap="square" rtlCol="0">
-            <a:spAutoFit/>
-          </a:bodyPr>
-          <a:lstStyle/>
-          <a:p>
-            <a:pPr>
-              <a:lnSpc>
-                <a:spcPct val="150000"/>
-              </a:lnSpc>
-              <a:buFont typeface="Wingdings" panose="05000000000000000000" pitchFamily="2" charset="2"/>
-              <a:buChar char="Ø"/>
-            </a:pPr>
-            <a:r>
-              <a:rPr lang="pt-PT" sz="2800" dirty="0">
-                <a:latin typeface="+mj-lt"/>
-                <a:cs typeface="Times New Roman" panose="02020603050405020304" pitchFamily="18" charset="0"/>
-              </a:rPr>
-              <a:t>Introdução</a:t>
-            </a:r>
-          </a:p>
-          <a:p>
-            <a:pPr>
-              <a:lnSpc>
-                <a:spcPct val="150000"/>
-              </a:lnSpc>
-            </a:pPr>
-            <a:endParaRPr lang="pt-PT" sz="2800" dirty="0">
-              <a:latin typeface="+mj-lt"/>
-              <a:cs typeface="Times New Roman" panose="02020603050405020304" pitchFamily="18" charset="0"/>
-            </a:endParaRPr>
-          </a:p>
-          <a:p>
-            <a:pPr>
-              <a:lnSpc>
-                <a:spcPct val="150000"/>
-              </a:lnSpc>
-              <a:buFont typeface="Wingdings" panose="05000000000000000000" pitchFamily="2" charset="2"/>
-              <a:buChar char="Ø"/>
-            </a:pPr>
-            <a:r>
-              <a:rPr lang="pt-PT" sz="2800" dirty="0">
-                <a:latin typeface="+mj-lt"/>
-                <a:cs typeface="Times New Roman" panose="02020603050405020304" pitchFamily="18" charset="0"/>
-              </a:rPr>
-              <a:t>Descrição do Problema</a:t>
-            </a:r>
-          </a:p>
-          <a:p>
-            <a:pPr>
-              <a:lnSpc>
-                <a:spcPct val="150000"/>
-              </a:lnSpc>
-            </a:pPr>
-            <a:r>
-              <a:rPr lang="pt-PT" sz="2800" dirty="0">
-                <a:solidFill>
-                  <a:srgbClr val="FF0000"/>
-                </a:solidFill>
-                <a:latin typeface="+mj-lt"/>
-                <a:cs typeface="Times New Roman" panose="02020603050405020304" pitchFamily="18" charset="0"/>
-              </a:rPr>
-              <a:t> </a:t>
-            </a:r>
-          </a:p>
-          <a:p>
-            <a:pPr>
-              <a:lnSpc>
-                <a:spcPct val="150000"/>
-              </a:lnSpc>
-              <a:buFont typeface="Wingdings" panose="05000000000000000000" pitchFamily="2" charset="2"/>
-              <a:buChar char="Ø"/>
-            </a:pPr>
-            <a:r>
-              <a:rPr lang="pt-PT" sz="2800" dirty="0">
-                <a:latin typeface="+mj-lt"/>
-                <a:cs typeface="Times New Roman" panose="02020603050405020304" pitchFamily="18" charset="0"/>
-              </a:rPr>
-              <a:t>Objectivos</a:t>
-            </a:r>
-          </a:p>
-          <a:p>
-            <a:endParaRPr lang="en-US" sz="2000" dirty="0">
-              <a:latin typeface="+mj-lt"/>
-            </a:endParaRPr>
-          </a:p>
-        </p:txBody>
-      </p:sp>
-      <p:sp>
-        <p:nvSpPr>
-          <p:cNvPr id="7" name="CaixaDeTexto 6">
-            <a:extLst>
-              <a:ext uri="{FF2B5EF4-FFF2-40B4-BE49-F238E27FC236}">
-                <a16:creationId xmlns:a16="http://schemas.microsoft.com/office/drawing/2014/main" id="{760A80CC-F09B-2A7F-0BDE-BA8B2480780F}"/>
-              </a:ext>
-            </a:extLst>
-          </p:cNvPr>
-          <p:cNvSpPr txBox="1"/>
-          <p:nvPr/>
-        </p:nvSpPr>
-        <p:spPr>
-          <a:xfrm>
-            <a:off x="7064294" y="2004874"/>
-            <a:ext cx="3485811" cy="3693319"/>
-          </a:xfrm>
-          <a:prstGeom prst="rect">
-            <a:avLst/>
-          </a:prstGeom>
-          <a:noFill/>
-        </p:spPr>
-        <p:txBody>
-          <a:bodyPr wrap="square" rtlCol="0">
-            <a:spAutoFit/>
-          </a:bodyPr>
-          <a:lstStyle/>
-          <a:p>
-            <a:pPr>
-              <a:lnSpc>
-                <a:spcPct val="150000"/>
-              </a:lnSpc>
-              <a:buFont typeface="Wingdings" panose="05000000000000000000" pitchFamily="2" charset="2"/>
-              <a:buChar char="Ø"/>
-            </a:pPr>
-            <a:r>
-              <a:rPr lang="pt-PT" sz="2800" dirty="0">
-                <a:latin typeface="+mj-lt"/>
-                <a:cs typeface="Times New Roman" panose="02020603050405020304" pitchFamily="18" charset="0"/>
-              </a:rPr>
-              <a:t>Resultados</a:t>
-            </a:r>
-          </a:p>
-          <a:p>
-            <a:pPr>
-              <a:lnSpc>
-                <a:spcPct val="150000"/>
-              </a:lnSpc>
-            </a:pPr>
-            <a:endParaRPr lang="pt-PT" sz="2800" dirty="0">
-              <a:latin typeface="+mj-lt"/>
-              <a:cs typeface="Times New Roman" panose="02020603050405020304" pitchFamily="18" charset="0"/>
-            </a:endParaRPr>
-          </a:p>
-          <a:p>
-            <a:pPr>
-              <a:lnSpc>
-                <a:spcPct val="150000"/>
-              </a:lnSpc>
-              <a:buFont typeface="Wingdings" panose="05000000000000000000" pitchFamily="2" charset="2"/>
-              <a:buChar char="Ø"/>
-            </a:pPr>
-            <a:r>
-              <a:rPr lang="pt-PT" sz="2800" dirty="0">
-                <a:latin typeface="+mj-lt"/>
-                <a:cs typeface="Times New Roman" panose="02020603050405020304" pitchFamily="18" charset="0"/>
-              </a:rPr>
-              <a:t>Conclusão</a:t>
-            </a:r>
-          </a:p>
-          <a:p>
-            <a:pPr>
-              <a:lnSpc>
-                <a:spcPct val="150000"/>
-              </a:lnSpc>
-            </a:pPr>
-            <a:endParaRPr lang="pt-PT" sz="2800" dirty="0">
-              <a:latin typeface="+mj-lt"/>
-              <a:cs typeface="Times New Roman" panose="02020603050405020304" pitchFamily="18" charset="0"/>
-            </a:endParaRPr>
-          </a:p>
-          <a:p>
-            <a:pPr>
-              <a:lnSpc>
-                <a:spcPct val="150000"/>
-              </a:lnSpc>
-              <a:buFont typeface="Wingdings" panose="05000000000000000000" pitchFamily="2" charset="2"/>
-              <a:buChar char="Ø"/>
-            </a:pPr>
-            <a:r>
-              <a:rPr lang="pt-PT" sz="2800" dirty="0">
-                <a:latin typeface="+mj-lt"/>
-                <a:cs typeface="Times New Roman" panose="02020603050405020304" pitchFamily="18" charset="0"/>
-              </a:rPr>
-              <a:t>Recomendações </a:t>
-            </a:r>
-          </a:p>
-          <a:p>
-            <a:endParaRPr lang="en-US" sz="2400" dirty="0">
-              <a:latin typeface="+mj-lt"/>
-            </a:endParaRPr>
-          </a:p>
-        </p:txBody>
-      </p:sp>
-    </p:spTree>
-    <p:extLst>
-      <p:ext uri="{BB962C8B-B14F-4D97-AF65-F5344CB8AC3E}">
-        <p14:creationId xmlns:p14="http://schemas.microsoft.com/office/powerpoint/2010/main" val="4289748491"/>
-      </p:ext>
-    </p:extLst>
-  </p:cSld>
-  <p:clrMapOvr>
-    <a:masterClrMapping/>
-  </p:clrMapOvr>
-</p:sld>
-</file>
-
-<file path=ppt/slides/slide20.xml><?xml version="1.0" encoding="utf-8"?>
-<p:sld xmlns:a="http://schemas.openxmlformats.org/drawingml/2006/main" xmlns:r="http://schemas.openxmlformats.org/officeDocument/2006/relationships" xmlns:p="http://schemas.openxmlformats.org/presentationml/2006/main">
-  <p:cSld>
-    <p:spTree>
-      <p:nvGrpSpPr>
-        <p:cNvPr id="1" name=""/>
-        <p:cNvGrpSpPr/>
-        <p:nvPr/>
-      </p:nvGrpSpPr>
-      <p:grpSpPr>
-        <a:xfrm>
-          <a:off x="0" y="0"/>
-          <a:ext cx="0" cy="0"/>
-          <a:chOff x="0" y="0"/>
-          <a:chExt cx="0" cy="0"/>
-        </a:xfrm>
-      </p:grpSpPr>
-      <p:sp>
-        <p:nvSpPr>
-          <p:cNvPr id="5" name="Marcador de Posição de Conteúdo 2"/>
+          <p:cNvPr id="4" name="Marcador de Posição de Conteúdo 2"/>
           <p:cNvSpPr txBox="1">
             <a:spLocks/>
           </p:cNvSpPr>
@@ -12077,7 +10318,7 @@
         </p:nvSpPr>
         <p:spPr>
           <a:xfrm>
-            <a:off x="2627870" y="175075"/>
+            <a:off x="2627870" y="3082048"/>
             <a:ext cx="8113383" cy="739325"/>
           </a:xfrm>
           <a:prstGeom prst="rect">
@@ -12354,6 +10595,36 @@
           </a:p>
         </p:txBody>
       </p:sp>
+    </p:spTree>
+    <p:extLst>
+      <p:ext uri="{BB962C8B-B14F-4D97-AF65-F5344CB8AC3E}">
+        <p14:creationId xmlns:p14="http://schemas.microsoft.com/office/powerpoint/2010/main" val="1378764420"/>
+      </p:ext>
+    </p:extLst>
+  </p:cSld>
+  <p:clrMapOvr>
+    <a:masterClrMapping/>
+  </p:clrMapOvr>
+</p:sld>
+</file>
+
+<file path=ppt/slides/slide19.xml><?xml version="1.0" encoding="utf-8"?>
+<p:sld xmlns:a="http://schemas.openxmlformats.org/drawingml/2006/main" xmlns:r="http://schemas.openxmlformats.org/officeDocument/2006/relationships" xmlns:p="http://schemas.openxmlformats.org/presentationml/2006/main">
+  <p:cSld>
+    <p:spTree>
+      <p:nvGrpSpPr>
+        <p:cNvPr id="1" name=""/>
+        <p:cNvGrpSpPr/>
+        <p:nvPr/>
+      </p:nvGrpSpPr>
+      <p:grpSpPr>
+        <a:xfrm>
+          <a:off x="0" y="0"/>
+          <a:ext cx="0" cy="0"/>
+          <a:chOff x="0" y="0"/>
+          <a:chExt cx="0" cy="0"/>
+        </a:xfrm>
+      </p:grpSpPr>
       <p:pic>
         <p:nvPicPr>
           <p:cNvPr id="2" name="Picture 1">
@@ -12368,7 +10639,7 @@
           </p:cNvPicPr>
           <p:nvPr/>
         </p:nvPicPr>
-        <p:blipFill>
+        <p:blipFill rotWithShape="1">
           <a:blip r:embed="rId2">
             <a:extLst>
               <a:ext uri="{28A0092B-C50C-407E-A947-70E740481C1C}">
@@ -12376,14 +10647,13 @@
               </a:ext>
             </a:extLst>
           </a:blip>
-          <a:stretch>
-            <a:fillRect/>
-          </a:stretch>
+          <a:srcRect l="5415" t="6673" r="2195" b="5335"/>
+          <a:stretch/>
         </p:blipFill>
         <p:spPr bwMode="auto">
           <a:xfrm>
-            <a:off x="1927069" y="1105534"/>
-            <a:ext cx="9130137" cy="5577391"/>
+            <a:off x="2092658" y="282054"/>
+            <a:ext cx="8789158" cy="6355307"/>
           </a:xfrm>
           <a:prstGeom prst="rect">
             <a:avLst/>
@@ -12407,7 +10677,7 @@
 </p:sld>
 </file>
 
-<file path=ppt/slides/slide21.xml><?xml version="1.0" encoding="utf-8"?>
+<file path=ppt/slides/slide2.xml><?xml version="1.0" encoding="utf-8"?>
 <p:sld xmlns:a="http://schemas.openxmlformats.org/drawingml/2006/main" xmlns:r="http://schemas.openxmlformats.org/officeDocument/2006/relationships" xmlns:p="http://schemas.openxmlformats.org/presentationml/2006/main">
   <p:cSld>
     <p:spTree>
@@ -12426,7 +10696,289 @@
       </p:grpSpPr>
       <p:sp>
         <p:nvSpPr>
-          <p:cNvPr id="5" name="Marcador de Posição de Conteúdo 2"/>
+          <p:cNvPr id="2" name="Título 1"/>
+          <p:cNvSpPr>
+            <a:spLocks noGrp="1"/>
+          </p:cNvSpPr>
+          <p:nvPr>
+            <p:ph type="title"/>
+          </p:nvPr>
+        </p:nvSpPr>
+        <p:spPr>
+          <a:xfrm>
+            <a:off x="3263832" y="808734"/>
+            <a:ext cx="6137190" cy="617951"/>
+          </a:xfrm>
+          <a:ln w="28575">
+            <a:noFill/>
+          </a:ln>
+        </p:spPr>
+        <p:txBody>
+          <a:bodyPr>
+            <a:noAutofit/>
+          </a:bodyPr>
+          <a:lstStyle/>
+          <a:p>
+            <a:pPr algn="ctr"/>
+            <a:r>
+              <a:rPr lang="pt-PT" sz="3600" b="1" dirty="0">
+                <a:solidFill>
+                  <a:schemeClr val="tx1"/>
+                </a:solidFill>
+                <a:cs typeface="Times New Roman" panose="02020603050405020304" pitchFamily="18" charset="0"/>
+              </a:rPr>
+              <a:t>SUMÁRIO</a:t>
+            </a:r>
+          </a:p>
+        </p:txBody>
+      </p:sp>
+      <p:sp>
+        <p:nvSpPr>
+          <p:cNvPr id="3" name="CaixaDeTexto 2">
+            <a:extLst>
+              <a:ext uri="{FF2B5EF4-FFF2-40B4-BE49-F238E27FC236}">
+                <a16:creationId xmlns:a16="http://schemas.microsoft.com/office/drawing/2014/main" id="{7DD07E06-D70A-F4DC-8604-09D102B32006}"/>
+              </a:ext>
+            </a:extLst>
+          </p:cNvPr>
+          <p:cNvSpPr txBox="1"/>
+          <p:nvPr/>
+        </p:nvSpPr>
+        <p:spPr>
+          <a:xfrm>
+            <a:off x="1725283" y="2004874"/>
+            <a:ext cx="4607144" cy="3631763"/>
+          </a:xfrm>
+          <a:prstGeom prst="rect">
+            <a:avLst/>
+          </a:prstGeom>
+          <a:noFill/>
+        </p:spPr>
+        <p:txBody>
+          <a:bodyPr wrap="square" rtlCol="0">
+            <a:spAutoFit/>
+          </a:bodyPr>
+          <a:lstStyle/>
+          <a:p>
+            <a:pPr>
+              <a:lnSpc>
+                <a:spcPct val="150000"/>
+              </a:lnSpc>
+              <a:buFont typeface="Wingdings" panose="05000000000000000000" pitchFamily="2" charset="2"/>
+              <a:buChar char="Ø"/>
+            </a:pPr>
+            <a:r>
+              <a:rPr lang="pt-PT" sz="2800" dirty="0">
+                <a:latin typeface="+mj-lt"/>
+                <a:cs typeface="Times New Roman" panose="02020603050405020304" pitchFamily="18" charset="0"/>
+              </a:rPr>
+              <a:t>Introdução</a:t>
+            </a:r>
+          </a:p>
+          <a:p>
+            <a:pPr>
+              <a:lnSpc>
+                <a:spcPct val="150000"/>
+              </a:lnSpc>
+            </a:pPr>
+            <a:endParaRPr lang="pt-PT" sz="2800" dirty="0">
+              <a:latin typeface="+mj-lt"/>
+              <a:cs typeface="Times New Roman" panose="02020603050405020304" pitchFamily="18" charset="0"/>
+            </a:endParaRPr>
+          </a:p>
+          <a:p>
+            <a:pPr>
+              <a:lnSpc>
+                <a:spcPct val="150000"/>
+              </a:lnSpc>
+              <a:buFont typeface="Wingdings" panose="05000000000000000000" pitchFamily="2" charset="2"/>
+              <a:buChar char="Ø"/>
+            </a:pPr>
+            <a:r>
+              <a:rPr lang="pt-PT" sz="2800" dirty="0">
+                <a:latin typeface="+mj-lt"/>
+                <a:cs typeface="Times New Roman" panose="02020603050405020304" pitchFamily="18" charset="0"/>
+              </a:rPr>
+              <a:t>Descrição do Problema</a:t>
+            </a:r>
+          </a:p>
+          <a:p>
+            <a:pPr>
+              <a:lnSpc>
+                <a:spcPct val="150000"/>
+              </a:lnSpc>
+            </a:pPr>
+            <a:r>
+              <a:rPr lang="pt-PT" sz="2800" dirty="0">
+                <a:solidFill>
+                  <a:srgbClr val="FF0000"/>
+                </a:solidFill>
+                <a:latin typeface="+mj-lt"/>
+                <a:cs typeface="Times New Roman" panose="02020603050405020304" pitchFamily="18" charset="0"/>
+              </a:rPr>
+              <a:t> </a:t>
+            </a:r>
+          </a:p>
+          <a:p>
+            <a:pPr>
+              <a:lnSpc>
+                <a:spcPct val="150000"/>
+              </a:lnSpc>
+              <a:buFont typeface="Wingdings" panose="05000000000000000000" pitchFamily="2" charset="2"/>
+              <a:buChar char="Ø"/>
+            </a:pPr>
+            <a:r>
+              <a:rPr lang="pt-PT" sz="2800" dirty="0">
+                <a:latin typeface="+mj-lt"/>
+                <a:cs typeface="Times New Roman" panose="02020603050405020304" pitchFamily="18" charset="0"/>
+              </a:rPr>
+              <a:t>Objectivos</a:t>
+            </a:r>
+          </a:p>
+          <a:p>
+            <a:endParaRPr lang="en-US" sz="2000" dirty="0">
+              <a:latin typeface="+mj-lt"/>
+            </a:endParaRPr>
+          </a:p>
+        </p:txBody>
+      </p:sp>
+      <p:sp>
+        <p:nvSpPr>
+          <p:cNvPr id="7" name="CaixaDeTexto 6">
+            <a:extLst>
+              <a:ext uri="{FF2B5EF4-FFF2-40B4-BE49-F238E27FC236}">
+                <a16:creationId xmlns:a16="http://schemas.microsoft.com/office/drawing/2014/main" id="{760A80CC-F09B-2A7F-0BDE-BA8B2480780F}"/>
+              </a:ext>
+            </a:extLst>
+          </p:cNvPr>
+          <p:cNvSpPr txBox="1"/>
+          <p:nvPr/>
+        </p:nvSpPr>
+        <p:spPr>
+          <a:xfrm>
+            <a:off x="7064294" y="2004874"/>
+            <a:ext cx="3485811" cy="3693319"/>
+          </a:xfrm>
+          <a:prstGeom prst="rect">
+            <a:avLst/>
+          </a:prstGeom>
+          <a:noFill/>
+        </p:spPr>
+        <p:txBody>
+          <a:bodyPr wrap="square" rtlCol="0">
+            <a:spAutoFit/>
+          </a:bodyPr>
+          <a:lstStyle/>
+          <a:p>
+            <a:pPr>
+              <a:lnSpc>
+                <a:spcPct val="150000"/>
+              </a:lnSpc>
+              <a:buFont typeface="Wingdings" panose="05000000000000000000" pitchFamily="2" charset="2"/>
+              <a:buChar char="Ø"/>
+            </a:pPr>
+            <a:r>
+              <a:rPr lang="pt-PT" sz="2800" dirty="0">
+                <a:latin typeface="+mj-lt"/>
+                <a:cs typeface="Times New Roman" panose="02020603050405020304" pitchFamily="18" charset="0"/>
+              </a:rPr>
+              <a:t>Resultados</a:t>
+            </a:r>
+          </a:p>
+          <a:p>
+            <a:pPr>
+              <a:lnSpc>
+                <a:spcPct val="150000"/>
+              </a:lnSpc>
+            </a:pPr>
+            <a:endParaRPr lang="pt-PT" sz="2800" dirty="0">
+              <a:latin typeface="+mj-lt"/>
+              <a:cs typeface="Times New Roman" panose="02020603050405020304" pitchFamily="18" charset="0"/>
+            </a:endParaRPr>
+          </a:p>
+          <a:p>
+            <a:pPr>
+              <a:lnSpc>
+                <a:spcPct val="150000"/>
+              </a:lnSpc>
+              <a:buFont typeface="Wingdings" panose="05000000000000000000" pitchFamily="2" charset="2"/>
+              <a:buChar char="Ø"/>
+            </a:pPr>
+            <a:r>
+              <a:rPr lang="pt-PT" sz="2800" dirty="0">
+                <a:latin typeface="+mj-lt"/>
+                <a:cs typeface="Times New Roman" panose="02020603050405020304" pitchFamily="18" charset="0"/>
+              </a:rPr>
+              <a:t>Conclusão</a:t>
+            </a:r>
+          </a:p>
+          <a:p>
+            <a:pPr>
+              <a:lnSpc>
+                <a:spcPct val="150000"/>
+              </a:lnSpc>
+            </a:pPr>
+            <a:endParaRPr lang="pt-PT" sz="2800" dirty="0">
+              <a:latin typeface="+mj-lt"/>
+              <a:cs typeface="Times New Roman" panose="02020603050405020304" pitchFamily="18" charset="0"/>
+            </a:endParaRPr>
+          </a:p>
+          <a:p>
+            <a:pPr>
+              <a:lnSpc>
+                <a:spcPct val="150000"/>
+              </a:lnSpc>
+              <a:buFont typeface="Wingdings" panose="05000000000000000000" pitchFamily="2" charset="2"/>
+              <a:buChar char="Ø"/>
+            </a:pPr>
+            <a:r>
+              <a:rPr lang="pt-PT" sz="2800" dirty="0">
+                <a:latin typeface="+mj-lt"/>
+                <a:cs typeface="Times New Roman" panose="02020603050405020304" pitchFamily="18" charset="0"/>
+              </a:rPr>
+              <a:t>Recomendações </a:t>
+            </a:r>
+          </a:p>
+          <a:p>
+            <a:endParaRPr lang="en-US" sz="2400" dirty="0">
+              <a:latin typeface="+mj-lt"/>
+            </a:endParaRPr>
+          </a:p>
+        </p:txBody>
+      </p:sp>
+    </p:spTree>
+    <p:extLst>
+      <p:ext uri="{BB962C8B-B14F-4D97-AF65-F5344CB8AC3E}">
+        <p14:creationId xmlns:p14="http://schemas.microsoft.com/office/powerpoint/2010/main" val="4289748491"/>
+      </p:ext>
+    </p:extLst>
+  </p:cSld>
+  <p:clrMapOvr>
+    <a:masterClrMapping/>
+  </p:clrMapOvr>
+</p:sld>
+</file>
+
+<file path=ppt/slides/slide20.xml><?xml version="1.0" encoding="utf-8"?>
+<p:sld xmlns:a="http://schemas.openxmlformats.org/drawingml/2006/main" xmlns:r="http://schemas.openxmlformats.org/officeDocument/2006/relationships" xmlns:p="http://schemas.openxmlformats.org/presentationml/2006/main">
+  <p:cSld>
+    <p:spTree>
+      <p:nvGrpSpPr>
+        <p:cNvPr id="1" name=""/>
+        <p:cNvGrpSpPr/>
+        <p:nvPr/>
+      </p:nvGrpSpPr>
+      <p:grpSpPr>
+        <a:xfrm>
+          <a:off x="0" y="0"/>
+          <a:ext cx="0" cy="0"/>
+          <a:chOff x="0" y="0"/>
+          <a:chExt cx="0" cy="0"/>
+        </a:xfrm>
+      </p:grpSpPr>
+      <p:sp>
+        <p:nvSpPr>
+          <p:cNvPr id="4" name="Marcador de Posição de Conteúdo 2"/>
           <p:cNvSpPr txBox="1">
             <a:spLocks/>
           </p:cNvSpPr>
@@ -12434,7 +10986,7 @@
         </p:nvSpPr>
         <p:spPr>
           <a:xfrm>
-            <a:off x="2627870" y="175075"/>
+            <a:off x="2627870" y="3086596"/>
             <a:ext cx="8113383" cy="739325"/>
           </a:xfrm>
           <a:prstGeom prst="rect">
@@ -12711,6 +11263,36 @@
           </a:p>
         </p:txBody>
       </p:sp>
+    </p:spTree>
+    <p:extLst>
+      <p:ext uri="{BB962C8B-B14F-4D97-AF65-F5344CB8AC3E}">
+        <p14:creationId xmlns:p14="http://schemas.microsoft.com/office/powerpoint/2010/main" val="2623982284"/>
+      </p:ext>
+    </p:extLst>
+  </p:cSld>
+  <p:clrMapOvr>
+    <a:masterClrMapping/>
+  </p:clrMapOvr>
+</p:sld>
+</file>
+
+<file path=ppt/slides/slide21.xml><?xml version="1.0" encoding="utf-8"?>
+<p:sld xmlns:a="http://schemas.openxmlformats.org/drawingml/2006/main" xmlns:r="http://schemas.openxmlformats.org/officeDocument/2006/relationships" xmlns:p="http://schemas.openxmlformats.org/presentationml/2006/main">
+  <p:cSld>
+    <p:spTree>
+      <p:nvGrpSpPr>
+        <p:cNvPr id="1" name=""/>
+        <p:cNvGrpSpPr/>
+        <p:nvPr/>
+      </p:nvGrpSpPr>
+      <p:grpSpPr>
+        <a:xfrm>
+          <a:off x="0" y="0"/>
+          <a:ext cx="0" cy="0"/>
+          <a:chOff x="0" y="0"/>
+          <a:chExt cx="0" cy="0"/>
+        </a:xfrm>
+      </p:grpSpPr>
       <p:pic>
         <p:nvPicPr>
           <p:cNvPr id="2" name="Picture 1">
@@ -12733,15 +11315,14 @@
               </a:ext>
             </a:extLst>
           </a:blip>
-          <a:srcRect/>
           <a:stretch>
             <a:fillRect/>
           </a:stretch>
         </p:blipFill>
         <p:spPr bwMode="auto">
           <a:xfrm>
-            <a:off x="1851493" y="914400"/>
-            <a:ext cx="9131306" cy="5602287"/>
+            <a:off x="1059976" y="145576"/>
+            <a:ext cx="10526973" cy="6371111"/>
           </a:xfrm>
           <a:prstGeom prst="rect">
             <a:avLst/>
@@ -12784,7 +11365,7 @@
       </p:grpSpPr>
       <p:sp>
         <p:nvSpPr>
-          <p:cNvPr id="5" name="Marcador de Posição de Conteúdo 2"/>
+          <p:cNvPr id="4" name="Marcador de Posição de Conteúdo 2"/>
           <p:cNvSpPr txBox="1">
             <a:spLocks/>
           </p:cNvSpPr>
@@ -12792,7 +11373,7 @@
         </p:nvSpPr>
         <p:spPr>
           <a:xfrm>
-            <a:off x="2627870" y="175075"/>
+            <a:off x="2627870" y="2722657"/>
             <a:ext cx="8113383" cy="739325"/>
           </a:xfrm>
           <a:prstGeom prst="rect">
@@ -13069,6 +11650,36 @@
           </a:p>
         </p:txBody>
       </p:sp>
+    </p:spTree>
+    <p:extLst>
+      <p:ext uri="{BB962C8B-B14F-4D97-AF65-F5344CB8AC3E}">
+        <p14:creationId xmlns:p14="http://schemas.microsoft.com/office/powerpoint/2010/main" val="2572957011"/>
+      </p:ext>
+    </p:extLst>
+  </p:cSld>
+  <p:clrMapOvr>
+    <a:masterClrMapping/>
+  </p:clrMapOvr>
+</p:sld>
+</file>
+
+<file path=ppt/slides/slide23.xml><?xml version="1.0" encoding="utf-8"?>
+<p:sld xmlns:a="http://schemas.openxmlformats.org/drawingml/2006/main" xmlns:r="http://schemas.openxmlformats.org/officeDocument/2006/relationships" xmlns:p="http://schemas.openxmlformats.org/presentationml/2006/main">
+  <p:cSld>
+    <p:spTree>
+      <p:nvGrpSpPr>
+        <p:cNvPr id="1" name=""/>
+        <p:cNvGrpSpPr/>
+        <p:nvPr/>
+      </p:nvGrpSpPr>
+      <p:grpSpPr>
+        <a:xfrm>
+          <a:off x="0" y="0"/>
+          <a:ext cx="0" cy="0"/>
+          <a:chOff x="0" y="0"/>
+          <a:chExt cx="0" cy="0"/>
+        </a:xfrm>
+      </p:grpSpPr>
       <p:pic>
         <p:nvPicPr>
           <p:cNvPr id="6" name="Picture 5">
@@ -13097,8 +11708,8 @@
         </p:blipFill>
         <p:spPr>
           <a:xfrm>
-            <a:off x="1730757" y="741872"/>
-            <a:ext cx="9010495" cy="5830377"/>
+            <a:off x="377589" y="113731"/>
+            <a:ext cx="11495964" cy="6651009"/>
           </a:xfrm>
           <a:prstGeom prst="rect">
             <a:avLst/>
@@ -13118,7 +11729,7 @@
 </p:sld>
 </file>
 
-<file path=ppt/slides/slide23.xml><?xml version="1.0" encoding="utf-8"?>
+<file path=ppt/slides/slide24.xml><?xml version="1.0" encoding="utf-8"?>
 <p:sld xmlns:a="http://schemas.openxmlformats.org/drawingml/2006/main" xmlns:r="http://schemas.openxmlformats.org/officeDocument/2006/relationships" xmlns:p="http://schemas.openxmlformats.org/presentationml/2006/main">
   <p:cSld>
     <p:spTree>
@@ -13435,7 +12046,7 @@
 </p:sld>
 </file>
 
-<file path=ppt/slides/slide24.xml><?xml version="1.0" encoding="utf-8"?>
+<file path=ppt/slides/slide25.xml><?xml version="1.0" encoding="utf-8"?>
 <p:sld xmlns:a="http://schemas.openxmlformats.org/drawingml/2006/main" xmlns:r="http://schemas.openxmlformats.org/officeDocument/2006/relationships" xmlns:p="http://schemas.openxmlformats.org/presentationml/2006/main">
   <p:cSld>
     <p:spTree>
@@ -13752,7 +12363,7 @@
 </p:sld>
 </file>
 
-<file path=ppt/slides/slide25.xml><?xml version="1.0" encoding="utf-8"?>
+<file path=ppt/slides/slide26.xml><?xml version="1.0" encoding="utf-8"?>
 <p:sld xmlns:a="http://schemas.openxmlformats.org/drawingml/2006/main" xmlns:r="http://schemas.openxmlformats.org/officeDocument/2006/relationships" xmlns:p="http://schemas.openxmlformats.org/presentationml/2006/main">
   <p:cSld>
     <p:spTree>
@@ -14089,16 +12700,22 @@
               <a:buChar char="Ø"/>
             </a:pPr>
             <a:r>
+              <a:rPr lang="pt-BR" sz="2400" dirty="0">
+                <a:latin typeface="+mj-lt"/>
+              </a:rPr>
+              <a:t>Enviar notificações usando o RabbitMQ para envio de notificação ou SignalIR para troca de mensagens em </a:t>
+            </a:r>
+            <a:r>
               <a:rPr lang="pt-BR" sz="2400">
                 <a:latin typeface="+mj-lt"/>
               </a:rPr>
-              <a:t>Enviar </a:t>
-            </a:r>
-            <a:r>
-              <a:rPr lang="pt-BR" sz="2400" dirty="0">
+              <a:t>tempo </a:t>
+            </a:r>
+            <a:r>
+              <a:rPr lang="pt-BR" sz="2400" smtClean="0">
                 <a:latin typeface="+mj-lt"/>
               </a:rPr>
-              <a:t>notificações usando o RabbitMQ para envio de notificação ou SignalIR para troca de mensagens em tempo real</a:t>
+              <a:t>real</a:t>
             </a:r>
             <a:endParaRPr lang="pt-PT" sz="2400" dirty="0">
               <a:latin typeface="+mj-lt"/>
@@ -14110,237 +12727,6 @@
     <p:extLst>
       <p:ext uri="{BB962C8B-B14F-4D97-AF65-F5344CB8AC3E}">
         <p14:creationId xmlns:p14="http://schemas.microsoft.com/office/powerpoint/2010/main" val="2323946052"/>
-      </p:ext>
-    </p:extLst>
-  </p:cSld>
-  <p:clrMapOvr>
-    <a:masterClrMapping/>
-  </p:clrMapOvr>
-</p:sld>
-</file>
-
-<file path=ppt/slides/slide26.xml><?xml version="1.0" encoding="utf-8"?>
-<p:sld xmlns:a="http://schemas.openxmlformats.org/drawingml/2006/main" xmlns:r="http://schemas.openxmlformats.org/officeDocument/2006/relationships" xmlns:p="http://schemas.openxmlformats.org/presentationml/2006/main">
-  <p:cSld>
-    <p:spTree>
-      <p:nvGrpSpPr>
-        <p:cNvPr id="1" name=""/>
-        <p:cNvGrpSpPr/>
-        <p:nvPr/>
-      </p:nvGrpSpPr>
-      <p:grpSpPr>
-        <a:xfrm>
-          <a:off x="0" y="0"/>
-          <a:ext cx="0" cy="0"/>
-          <a:chOff x="0" y="0"/>
-          <a:chExt cx="0" cy="0"/>
-        </a:xfrm>
-      </p:grpSpPr>
-      <p:sp>
-        <p:nvSpPr>
-          <p:cNvPr id="2" name="CaixaDeTexto 1"/>
-          <p:cNvSpPr txBox="1"/>
-          <p:nvPr/>
-        </p:nvSpPr>
-        <p:spPr>
-          <a:xfrm>
-            <a:off x="2570205" y="930876"/>
-            <a:ext cx="8163698" cy="5214551"/>
-          </a:xfrm>
-          <a:prstGeom prst="rect">
-            <a:avLst/>
-          </a:prstGeom>
-          <a:solidFill>
-            <a:schemeClr val="accent1"/>
-          </a:solidFill>
-          <a:ln>
-            <a:noFill/>
-          </a:ln>
-          <a:effectLst>
-            <a:outerShdw blurRad="107950" dist="12700" dir="5400000" algn="ctr">
-              <a:srgbClr val="000000"/>
-            </a:outerShdw>
-          </a:effectLst>
-          <a:scene3d>
-            <a:camera prst="orthographicFront">
-              <a:rot lat="0" lon="0" rev="0"/>
-            </a:camera>
-            <a:lightRig rig="soft" dir="t">
-              <a:rot lat="0" lon="0" rev="0"/>
-            </a:lightRig>
-          </a:scene3d>
-          <a:sp3d contourW="44450" prstMaterial="matte">
-            <a:bevelT w="63500" h="63500" prst="artDeco"/>
-            <a:contourClr>
-              <a:srgbClr val="FFFFFF"/>
-            </a:contourClr>
-          </a:sp3d>
-        </p:spPr>
-        <p:txBody>
-          <a:bodyPr wrap="square" rtlCol="0">
-            <a:spAutoFit/>
-          </a:bodyPr>
-          <a:lstStyle/>
-          <a:p>
-            <a:endParaRPr lang="pt-BR" dirty="0"/>
-          </a:p>
-        </p:txBody>
-      </p:sp>
-      <p:sp>
-        <p:nvSpPr>
-          <p:cNvPr id="3" name="Elipse 2"/>
-          <p:cNvSpPr/>
-          <p:nvPr/>
-        </p:nvSpPr>
-        <p:spPr>
-          <a:xfrm>
-            <a:off x="3355675" y="1345721"/>
-            <a:ext cx="6315547" cy="4214820"/>
-          </a:xfrm>
-          <a:prstGeom prst="ellipse">
-            <a:avLst/>
-          </a:prstGeom>
-          <a:solidFill>
-            <a:schemeClr val="bg1"/>
-          </a:solidFill>
-        </p:spPr>
-        <p:style>
-          <a:lnRef idx="2">
-            <a:schemeClr val="accent1">
-              <a:shade val="50000"/>
-            </a:schemeClr>
-          </a:lnRef>
-          <a:fillRef idx="1">
-            <a:schemeClr val="accent1"/>
-          </a:fillRef>
-          <a:effectRef idx="0">
-            <a:schemeClr val="accent1"/>
-          </a:effectRef>
-          <a:fontRef idx="minor">
-            <a:schemeClr val="lt1"/>
-          </a:fontRef>
-        </p:style>
-        <p:txBody>
-          <a:bodyPr rtlCol="0" anchor="ctr"/>
-          <a:lstStyle/>
-          <a:p>
-            <a:pPr algn="ctr"/>
-            <a:endParaRPr lang="pt-PT" sz="5400" b="1" dirty="0">
-              <a:ln>
-                <a:solidFill>
-                  <a:schemeClr val="accent1"/>
-                </a:solidFill>
-              </a:ln>
-              <a:solidFill>
-                <a:schemeClr val="accent1"/>
-              </a:solidFill>
-              <a:effectLst>
-                <a:reflection blurRad="6350" stA="55000" endA="50" endPos="85000" dir="5400000" sy="-100000" algn="bl" rotWithShape="0"/>
-              </a:effectLst>
-            </a:endParaRPr>
-          </a:p>
-          <a:p>
-            <a:pPr algn="ctr"/>
-            <a:r>
-              <a:rPr lang="pt-BR" sz="2800" dirty="0">
-                <a:ln w="0"/>
-                <a:solidFill>
-                  <a:schemeClr val="tx1"/>
-                </a:solidFill>
-                <a:effectLst>
-                  <a:outerShdw blurRad="38100" dist="19050" dir="2700000" algn="tl" rotWithShape="0">
-                    <a:schemeClr val="dk1">
-                      <a:alpha val="40000"/>
-                    </a:schemeClr>
-                  </a:outerShdw>
-                </a:effectLst>
-                <a:latin typeface="+mj-lt"/>
-              </a:rPr>
-              <a:t>“Junta-se aos Rijos</a:t>
-            </a:r>
-          </a:p>
-          <a:p>
-            <a:pPr algn="ctr"/>
-            <a:r>
-              <a:rPr lang="pt-BR" sz="2800" dirty="0">
-                <a:ln w="0"/>
-                <a:solidFill>
-                  <a:schemeClr val="tx1"/>
-                </a:solidFill>
-                <a:effectLst>
-                  <a:outerShdw blurRad="38100" dist="19050" dir="2700000" algn="tl" rotWithShape="0">
-                    <a:schemeClr val="dk1">
-                      <a:alpha val="40000"/>
-                    </a:schemeClr>
-                  </a:outerShdw>
-                </a:effectLst>
-                <a:latin typeface="+mj-lt"/>
-              </a:rPr>
-              <a:t>Caso não sejas um, </a:t>
-            </a:r>
-          </a:p>
-          <a:p>
-            <a:pPr algn="ctr"/>
-            <a:r>
-              <a:rPr lang="pt-BR" sz="2800" dirty="0">
-                <a:ln w="0"/>
-                <a:solidFill>
-                  <a:schemeClr val="tx1"/>
-                </a:solidFill>
-                <a:effectLst>
-                  <a:outerShdw blurRad="38100" dist="19050" dir="2700000" algn="tl" rotWithShape="0">
-                    <a:schemeClr val="dk1">
-                      <a:alpha val="40000"/>
-                    </a:schemeClr>
-                  </a:outerShdw>
-                </a:effectLst>
-                <a:latin typeface="+mj-lt"/>
-              </a:rPr>
-              <a:t>Pelo menos irão confundir-te com um”.</a:t>
-            </a:r>
-          </a:p>
-          <a:p>
-            <a:pPr algn="ctr"/>
-            <a:r>
-              <a:rPr lang="pt-BR" sz="2800" dirty="0">
-                <a:ln w="0"/>
-                <a:solidFill>
-                  <a:schemeClr val="tx1"/>
-                </a:solidFill>
-                <a:effectLst>
-                  <a:outerShdw blurRad="38100" dist="19050" dir="2700000" algn="tl" rotWithShape="0">
-                    <a:schemeClr val="dk1">
-                      <a:alpha val="40000"/>
-                    </a:schemeClr>
-                  </a:outerShdw>
-                </a:effectLst>
-                <a:latin typeface="+mj-lt"/>
-              </a:rPr>
-              <a:t>(Amiraldes Xavier)</a:t>
-            </a:r>
-          </a:p>
-          <a:p>
-            <a:pPr algn="ctr"/>
-            <a:endParaRPr lang="pt-BR" sz="5400" b="1" dirty="0">
-              <a:ln>
-                <a:solidFill>
-                  <a:schemeClr val="accent1"/>
-                </a:solidFill>
-              </a:ln>
-              <a:solidFill>
-                <a:srgbClr val="FFFF00"/>
-              </a:solidFill>
-              <a:effectLst>
-                <a:reflection blurRad="6350" stA="55000" endA="50" endPos="85000" dir="5400000" sy="-100000" algn="bl" rotWithShape="0"/>
-              </a:effectLst>
-            </a:endParaRPr>
-          </a:p>
-        </p:txBody>
-      </p:sp>
-    </p:spTree>
-    <p:extLst>
-      <p:ext uri="{BB962C8B-B14F-4D97-AF65-F5344CB8AC3E}">
-        <p14:creationId xmlns:p14="http://schemas.microsoft.com/office/powerpoint/2010/main" val="2167890268"/>
       </p:ext>
     </p:extLst>
   </p:cSld>
@@ -14701,7 +13087,7 @@
         <p:spPr>
           <a:xfrm>
             <a:off x="1366187" y="1480036"/>
-            <a:ext cx="10033687" cy="2793842"/>
+            <a:ext cx="10033687" cy="2862322"/>
           </a:xfrm>
           <a:prstGeom prst="rect">
             <a:avLst/>
@@ -14730,7 +13116,21 @@
                 <a:latin typeface="+mj-lt"/>
                 <a:ea typeface="Calibri" panose="020F0502020204030204" pitchFamily="34" charset="0"/>
               </a:rPr>
-              <a:t>A falta de um sistema digital para o acompanhamento e controle de Trabalhos de Fim de Curso na Universidade Técnica de Angola(UTANGA) tem dificultado a instituição no acompanhamento e controle do progresso dos TFC, bem como na partilha de informações entre orientadores e Orientandos.</a:t>
+              <a:t>A falta de um sistema digital para o acompanhamento e controle de Trabalhos de Fim de Curso na Universidade Técnica de Angola(UTANGA) tem dificultado a instituição no acompanhamento e controle </a:t>
+            </a:r>
+            <a:r>
+              <a:rPr lang="pt-PT" sz="2400" dirty="0" smtClean="0">
+                <a:latin typeface="+mj-lt"/>
+                <a:ea typeface="Calibri" panose="020F0502020204030204" pitchFamily="34" charset="0"/>
+              </a:rPr>
+              <a:t>dos </a:t>
+            </a:r>
+            <a:r>
+              <a:rPr lang="pt-PT" sz="2400" dirty="0">
+                <a:latin typeface="+mj-lt"/>
+                <a:ea typeface="Calibri" panose="020F0502020204030204" pitchFamily="34" charset="0"/>
+              </a:rPr>
+              <a:t>TFC, bem como na partilha de informações entre orientadores e Orientandos.</a:t>
             </a:r>
             <a:endParaRPr lang="pt-BR" sz="2000" dirty="0">
               <a:latin typeface="+mj-lt"/>
@@ -14816,7 +13216,15 @@
                 <a:ea typeface="Calibri" panose="020F0502020204030204" pitchFamily="34" charset="0"/>
                 <a:cs typeface="Times New Roman" panose="02020603050405020304" pitchFamily="18" charset="0"/>
               </a:rPr>
-              <a:t>Desta forma surge a seguinte questão: Como melhorar a gestão e o controle do processo de trabalho de fim de curso da UTANGA garantindo a centralização de dados e a gestão mais eficiente?</a:t>
+              <a:t>Desta forma surge a seguinte questão: </a:t>
+            </a:r>
+            <a:r>
+              <a:rPr lang="pt-PT" sz="2000" b="1" dirty="0" smtClean="0">
+                <a:latin typeface="+mj-lt"/>
+                <a:ea typeface="Calibri" panose="020F0502020204030204" pitchFamily="34" charset="0"/>
+                <a:cs typeface="Times New Roman" panose="02020603050405020304" pitchFamily="18" charset="0"/>
+              </a:rPr>
+              <a:t>Como melhorar a gestão e o controle do processo de trabalho de fim de curso da UTANGA garantindo a centralização de dados e a gestão mais eficiente?</a:t>
             </a:r>
             <a:endParaRPr kumimoji="0" lang="pt-PT" sz="2000" b="1" i="0" strike="noStrike" cap="none" normalizeH="0" baseline="0" dirty="0">
               <a:ln>
@@ -15408,137 +13816,6 @@
 </file>
 
 <file path=ppt/slides/slide7.xml><?xml version="1.0" encoding="utf-8"?>
-<p:sld xmlns:a="http://schemas.openxmlformats.org/drawingml/2006/main" xmlns:r="http://schemas.openxmlformats.org/officeDocument/2006/relationships" xmlns:p="http://schemas.openxmlformats.org/presentationml/2006/main" show="0">
-  <p:cSld>
-    <p:spTree>
-      <p:nvGrpSpPr>
-        <p:cNvPr id="1" name=""/>
-        <p:cNvGrpSpPr/>
-        <p:nvPr/>
-      </p:nvGrpSpPr>
-      <p:grpSpPr>
-        <a:xfrm>
-          <a:off x="0" y="0"/>
-          <a:ext cx="0" cy="0"/>
-          <a:chOff x="0" y="0"/>
-          <a:chExt cx="0" cy="0"/>
-        </a:xfrm>
-      </p:grpSpPr>
-      <p:sp>
-        <p:nvSpPr>
-          <p:cNvPr id="2" name="Título 1">
-            <a:extLst>
-              <a:ext uri="{FF2B5EF4-FFF2-40B4-BE49-F238E27FC236}">
-                <a16:creationId xmlns:a16="http://schemas.microsoft.com/office/drawing/2014/main" id="{AE811A15-45DE-4779-B30F-0891953379B3}"/>
-              </a:ext>
-            </a:extLst>
-          </p:cNvPr>
-          <p:cNvSpPr>
-            <a:spLocks noGrp="1"/>
-          </p:cNvSpPr>
-          <p:nvPr>
-            <p:ph type="title"/>
-          </p:nvPr>
-        </p:nvSpPr>
-        <p:spPr>
-          <a:xfrm>
-            <a:off x="2430541" y="687186"/>
-            <a:ext cx="7926449" cy="597917"/>
-          </a:xfrm>
-          <a:ln w="28575">
-            <a:noFill/>
-          </a:ln>
-        </p:spPr>
-        <p:txBody>
-          <a:bodyPr>
-            <a:noAutofit/>
-          </a:bodyPr>
-          <a:lstStyle/>
-          <a:p>
-            <a:pPr algn="ctr"/>
-            <a:r>
-              <a:rPr lang="pt-PT" sz="3600" b="1" dirty="0">
-                <a:solidFill>
-                  <a:schemeClr val="tx1"/>
-                </a:solidFill>
-                <a:cs typeface="Times New Roman" panose="02020603050405020304" pitchFamily="18" charset="0"/>
-              </a:rPr>
-              <a:t>Justificativa</a:t>
-            </a:r>
-          </a:p>
-        </p:txBody>
-      </p:sp>
-      <p:sp>
-        <p:nvSpPr>
-          <p:cNvPr id="4" name="CaixaDeTexto 3"/>
-          <p:cNvSpPr txBox="1"/>
-          <p:nvPr/>
-        </p:nvSpPr>
-        <p:spPr>
-          <a:xfrm>
-            <a:off x="1366187" y="1480036"/>
-            <a:ext cx="10033687" cy="5009833"/>
-          </a:xfrm>
-          <a:prstGeom prst="rect">
-            <a:avLst/>
-          </a:prstGeom>
-          <a:noFill/>
-        </p:spPr>
-        <p:txBody>
-          <a:bodyPr wrap="square" rtlCol="0">
-            <a:spAutoFit/>
-          </a:bodyPr>
-          <a:lstStyle/>
-          <a:p>
-            <a:pPr algn="just">
-              <a:lnSpc>
-                <a:spcPct val="150000"/>
-              </a:lnSpc>
-              <a:spcBef>
-                <a:spcPts val="600"/>
-              </a:spcBef>
-              <a:spcAft>
-                <a:spcPts val="600"/>
-              </a:spcAft>
-            </a:pPr>
-            <a:r>
-              <a:rPr lang="pt-PT" sz="2400" dirty="0">
-                <a:latin typeface="+mj-lt"/>
-              </a:rPr>
-              <a:t>Ao desenvolver esse módulo web de gestão de transferência de pacientes de uma unidade hospitalar para outra, pretendemos melhorar significativamente no atendimento, a integração e partilha de informações será de mais valia e vai repercutir na melhor preparação e agilidade para a </a:t>
-            </a:r>
-            <a:r>
-              <a:rPr lang="pt-PT" sz="2400" dirty="0" err="1">
-                <a:latin typeface="+mj-lt"/>
-              </a:rPr>
-              <a:t>recepção</a:t>
-            </a:r>
-            <a:r>
-              <a:rPr lang="pt-PT" sz="2400" dirty="0">
-                <a:latin typeface="+mj-lt"/>
-              </a:rPr>
-              <a:t> dos pacientes, as informações estarão melhor organizadas e armazenadas no sistema, o que facilitará nos balanços diários, semanais, mensais e anuais, dando um panorama mais claro dos dados estatísticos de modo a que os órgãos de tutela possam tomar as melhores decisões.</a:t>
-            </a:r>
-            <a:endParaRPr lang="pt-BR" sz="2000" dirty="0">
-              <a:latin typeface="+mj-lt"/>
-            </a:endParaRPr>
-          </a:p>
-        </p:txBody>
-      </p:sp>
-    </p:spTree>
-    <p:extLst>
-      <p:ext uri="{BB962C8B-B14F-4D97-AF65-F5344CB8AC3E}">
-        <p14:creationId xmlns:p14="http://schemas.microsoft.com/office/powerpoint/2010/main" val="3292096240"/>
-      </p:ext>
-    </p:extLst>
-  </p:cSld>
-  <p:clrMapOvr>
-    <a:masterClrMapping/>
-  </p:clrMapOvr>
-</p:sld>
-</file>
-
-<file path=ppt/slides/slide8.xml><?xml version="1.0" encoding="utf-8"?>
 <p:sld xmlns:a="http://schemas.openxmlformats.org/drawingml/2006/main" xmlns:r="http://schemas.openxmlformats.org/officeDocument/2006/relationships" xmlns:p="http://schemas.openxmlformats.org/presentationml/2006/main">
   <p:cSld>
     <p:spTree>
@@ -15608,7 +13885,7 @@
         <p:spPr>
           <a:xfrm>
             <a:off x="1366187" y="1480036"/>
-            <a:ext cx="10033687" cy="3901837"/>
+            <a:ext cx="10033687" cy="3970318"/>
           </a:xfrm>
           <a:prstGeom prst="rect">
             <a:avLst/>
@@ -15636,7 +13913,37 @@
               <a:rPr lang="pt-PT" sz="2400" dirty="0">
                 <a:latin typeface="+mj-lt"/>
               </a:rPr>
-              <a:t>Com o sistema de gestão de trabalho de fim do curso (TFC) implementado facilitará a universidade acompanhar os alunos inscritos na disciplina TFC, acompanhar progresso do TFC, comunicar aos envolvidos sobre determinados assuntos, bem como visualizar a interação entre orientando e orientadores. Para alunos dará a eles a possibilidade de enviar seu tema para aprovação, escolher tutor, receber tarefas do seu tutor, dentre outras funções.</a:t>
+              <a:t>Com o sistema de gestão de trabalho de fim do curso (TFC) implementado facilitará a universidade acompanhar os alunos inscritos na disciplina TFC, acompanhar progresso do TFC, comunicar aos </a:t>
+            </a:r>
+            <a:r>
+              <a:rPr lang="pt-PT" sz="2400" dirty="0" smtClean="0">
+                <a:latin typeface="+mj-lt"/>
+              </a:rPr>
+              <a:t>envolvidos, </a:t>
+            </a:r>
+            <a:r>
+              <a:rPr lang="pt-PT" sz="2400" dirty="0">
+                <a:latin typeface="+mj-lt"/>
+              </a:rPr>
+              <a:t>bem como visualizar a interação entre </a:t>
+            </a:r>
+            <a:r>
+              <a:rPr lang="pt-PT" sz="2400" dirty="0" smtClean="0">
+                <a:latin typeface="+mj-lt"/>
+              </a:rPr>
+              <a:t>alunos </a:t>
+            </a:r>
+            <a:r>
+              <a:rPr lang="pt-PT" sz="2400" dirty="0">
+                <a:latin typeface="+mj-lt"/>
+              </a:rPr>
+              <a:t>e orientadores. Para alunos dará a eles a possibilidade de enviar seu tema para aprovação, escolher tutor, receber tarefas do seu </a:t>
+            </a:r>
+            <a:r>
+              <a:rPr lang="pt-PT" sz="2400" dirty="0" smtClean="0">
+                <a:latin typeface="+mj-lt"/>
+              </a:rPr>
+              <a:t>tutor e enviar a versão final do TFC.</a:t>
             </a:r>
             <a:endParaRPr lang="pt-BR" sz="2000" dirty="0">
               <a:latin typeface="+mj-lt"/>
@@ -15648,6 +13955,192 @@
     <p:extLst>
       <p:ext uri="{BB962C8B-B14F-4D97-AF65-F5344CB8AC3E}">
         <p14:creationId xmlns:p14="http://schemas.microsoft.com/office/powerpoint/2010/main" val="2598920935"/>
+      </p:ext>
+    </p:extLst>
+  </p:cSld>
+  <p:clrMapOvr>
+    <a:masterClrMapping/>
+  </p:clrMapOvr>
+</p:sld>
+</file>
+
+<file path=ppt/slides/slide8.xml><?xml version="1.0" encoding="utf-8"?>
+<p:sld xmlns:a="http://schemas.openxmlformats.org/drawingml/2006/main" xmlns:r="http://schemas.openxmlformats.org/officeDocument/2006/relationships" xmlns:p="http://schemas.openxmlformats.org/presentationml/2006/main">
+  <p:cSld>
+    <p:spTree>
+      <p:nvGrpSpPr>
+        <p:cNvPr id="1" name=""/>
+        <p:cNvGrpSpPr/>
+        <p:nvPr/>
+      </p:nvGrpSpPr>
+      <p:grpSpPr>
+        <a:xfrm>
+          <a:off x="0" y="0"/>
+          <a:ext cx="0" cy="0"/>
+          <a:chOff x="0" y="0"/>
+          <a:chExt cx="0" cy="0"/>
+        </a:xfrm>
+      </p:grpSpPr>
+      <p:sp>
+        <p:nvSpPr>
+          <p:cNvPr id="2" name="Título 1"/>
+          <p:cNvSpPr>
+            <a:spLocks noGrp="1"/>
+          </p:cNvSpPr>
+          <p:nvPr>
+            <p:ph type="title"/>
+          </p:nvPr>
+        </p:nvSpPr>
+        <p:spPr>
+          <a:xfrm>
+            <a:off x="3239528" y="505952"/>
+            <a:ext cx="6198973" cy="647345"/>
+          </a:xfrm>
+          <a:ln>
+            <a:noFill/>
+          </a:ln>
+        </p:spPr>
+        <p:txBody>
+          <a:bodyPr>
+            <a:noAutofit/>
+          </a:bodyPr>
+          <a:lstStyle/>
+          <a:p>
+            <a:pPr algn="ctr"/>
+            <a:r>
+              <a:rPr lang="pt-PT" sz="3600" b="1" dirty="0"/>
+              <a:t>CAMPO DE ESTUDO </a:t>
+            </a:r>
+            <a:br>
+              <a:rPr lang="pt-PT" sz="3600" b="1" dirty="0"/>
+            </a:br>
+            <a:endParaRPr lang="pt-BR" sz="3600" dirty="0"/>
+          </a:p>
+        </p:txBody>
+      </p:sp>
+      <p:sp>
+        <p:nvSpPr>
+          <p:cNvPr id="5" name="CaixaDeTexto 4"/>
+          <p:cNvSpPr txBox="1"/>
+          <p:nvPr/>
+        </p:nvSpPr>
+        <p:spPr>
+          <a:xfrm>
+            <a:off x="1600540" y="1887126"/>
+            <a:ext cx="9476948" cy="2677656"/>
+          </a:xfrm>
+          <a:prstGeom prst="rect">
+            <a:avLst/>
+          </a:prstGeom>
+          <a:noFill/>
+        </p:spPr>
+        <p:txBody>
+          <a:bodyPr wrap="square" rtlCol="0">
+            <a:spAutoFit/>
+          </a:bodyPr>
+          <a:lstStyle/>
+          <a:p>
+            <a:pPr marL="342900" lvl="0" indent="-342900" algn="just">
+              <a:spcBef>
+                <a:spcPts val="600"/>
+              </a:spcBef>
+              <a:buFont typeface="Symbol" panose="05050102010706020507" pitchFamily="18" charset="2"/>
+              <a:buChar char=""/>
+            </a:pPr>
+            <a:r>
+              <a:rPr lang="pt-PT" sz="2400" b="1" dirty="0">
+                <a:latin typeface="+mj-lt"/>
+                <a:ea typeface="Calibri" panose="020F0502020204030204" pitchFamily="34" charset="0"/>
+              </a:rPr>
+              <a:t>A Universidade Técnica de Angola (UTANGA)</a:t>
+            </a:r>
+            <a:r>
+              <a:rPr lang="pt-PT" sz="2400" dirty="0">
+                <a:latin typeface="+mj-lt"/>
+                <a:ea typeface="Calibri" panose="020F0502020204030204" pitchFamily="34" charset="0"/>
+              </a:rPr>
+              <a:t> é uma universidade angolana com sede no bairro do </a:t>
+            </a:r>
+            <a:r>
+              <a:rPr lang="pt-PT" sz="2400" dirty="0" err="1">
+                <a:latin typeface="+mj-lt"/>
+                <a:ea typeface="Calibri" panose="020F0502020204030204" pitchFamily="34" charset="0"/>
+              </a:rPr>
+              <a:t>Capolo</a:t>
+            </a:r>
+            <a:r>
+              <a:rPr lang="pt-PT" sz="2400" dirty="0">
+                <a:latin typeface="+mj-lt"/>
+                <a:ea typeface="Calibri" panose="020F0502020204030204" pitchFamily="34" charset="0"/>
+              </a:rPr>
+              <a:t> II, Quilamba </a:t>
+            </a:r>
+            <a:r>
+              <a:rPr lang="pt-PT" sz="2400" dirty="0" err="1">
+                <a:latin typeface="+mj-lt"/>
+                <a:ea typeface="Calibri" panose="020F0502020204030204" pitchFamily="34" charset="0"/>
+              </a:rPr>
+              <a:t>Quiaxi</a:t>
+            </a:r>
+            <a:r>
+              <a:rPr lang="pt-PT" sz="2400" dirty="0">
+                <a:latin typeface="+mj-lt"/>
+                <a:ea typeface="Calibri" panose="020F0502020204030204" pitchFamily="34" charset="0"/>
+              </a:rPr>
+              <a:t>, na província de Luanda.</a:t>
+            </a:r>
+            <a:r>
+              <a:rPr lang="pt-BR" sz="2400" dirty="0">
+                <a:effectLst/>
+                <a:latin typeface="+mj-lt"/>
+                <a:ea typeface="Calibri" panose="020F0502020204030204" pitchFamily="34" charset="0"/>
+              </a:rPr>
+              <a:t> </a:t>
+            </a:r>
+            <a:r>
+              <a:rPr lang="pt-PT" sz="2400" dirty="0">
+                <a:latin typeface="+mj-lt"/>
+                <a:ea typeface="Calibri" panose="020F0502020204030204" pitchFamily="34" charset="0"/>
+              </a:rPr>
+              <a:t>Fundada aos 7 de maio de 2007, tendo como </a:t>
+            </a:r>
+            <a:r>
+              <a:rPr lang="pt-PT" sz="2400" dirty="0" err="1">
+                <a:latin typeface="+mj-lt"/>
+                <a:ea typeface="Calibri" panose="020F0502020204030204" pitchFamily="34" charset="0"/>
+              </a:rPr>
+              <a:t>actual</a:t>
+            </a:r>
+            <a:r>
+              <a:rPr lang="pt-PT" sz="2400" dirty="0">
+                <a:latin typeface="+mj-lt"/>
+                <a:ea typeface="Calibri" panose="020F0502020204030204" pitchFamily="34" charset="0"/>
+              </a:rPr>
+              <a:t> reitor(a), Dr. Ilídio Pascoal Simão. </a:t>
+            </a:r>
+            <a:endParaRPr lang="pt-BR" sz="2400" dirty="0">
+              <a:latin typeface="+mj-lt"/>
+              <a:ea typeface="Calibri" panose="020F0502020204030204" pitchFamily="34" charset="0"/>
+            </a:endParaRPr>
+          </a:p>
+          <a:p>
+            <a:pPr algn="just"/>
+            <a:endParaRPr lang="pt-PT" sz="2400" dirty="0">
+              <a:latin typeface="+mj-lt"/>
+            </a:endParaRPr>
+          </a:p>
+          <a:p>
+            <a:pPr algn="just"/>
+            <a:endParaRPr lang="pt-BR" sz="2400" dirty="0">
+              <a:latin typeface="+mj-lt"/>
+            </a:endParaRPr>
+          </a:p>
+        </p:txBody>
+      </p:sp>
+    </p:spTree>
+    <p:extLst>
+      <p:ext uri="{BB962C8B-B14F-4D97-AF65-F5344CB8AC3E}">
+        <p14:creationId xmlns:p14="http://schemas.microsoft.com/office/powerpoint/2010/main" val="3942514712"/>
       </p:ext>
     </p:extLst>
   </p:cSld>
@@ -15702,7 +14195,7 @@
             <a:pPr algn="ctr"/>
             <a:r>
               <a:rPr lang="pt-PT" sz="3600" b="1" dirty="0"/>
-              <a:t>CAMPO DE ESTUDO </a:t>
+              <a:t>METODOLOGIA</a:t>
             </a:r>
             <a:br>
               <a:rPr lang="pt-PT" sz="3600" b="1" dirty="0"/>
@@ -15720,7 +14213,7 @@
         <p:spPr>
           <a:xfrm>
             <a:off x="1600540" y="1887126"/>
-            <a:ext cx="9476948" cy="2677656"/>
+            <a:ext cx="9476948" cy="2616101"/>
           </a:xfrm>
           <a:prstGeom prst="rect">
             <a:avLst/>
@@ -15741,46 +14234,11 @@
               <a:buChar char=""/>
             </a:pPr>
             <a:r>
-              <a:rPr lang="pt-PT" sz="2400" b="1" dirty="0">
+              <a:rPr lang="pt-BR" sz="2400" b="1" dirty="0">
                 <a:latin typeface="+mj-lt"/>
                 <a:ea typeface="Calibri" panose="020F0502020204030204" pitchFamily="34" charset="0"/>
               </a:rPr>
-              <a:t>A Universidade Técnica de Angola (UTANGA)</a:t>
-            </a:r>
-            <a:r>
-              <a:rPr lang="pt-PT" sz="2400" dirty="0">
-                <a:latin typeface="+mj-lt"/>
-                <a:ea typeface="Calibri" panose="020F0502020204030204" pitchFamily="34" charset="0"/>
-              </a:rPr>
-              <a:t> é uma universidade angolana com sede no bairro do </a:t>
-            </a:r>
-            <a:r>
-              <a:rPr lang="pt-PT" sz="2400" dirty="0" err="1">
-                <a:latin typeface="+mj-lt"/>
-                <a:ea typeface="Calibri" panose="020F0502020204030204" pitchFamily="34" charset="0"/>
-              </a:rPr>
-              <a:t>Capolo</a:t>
-            </a:r>
-            <a:r>
-              <a:rPr lang="pt-PT" sz="2400" dirty="0">
-                <a:latin typeface="+mj-lt"/>
-                <a:ea typeface="Calibri" panose="020F0502020204030204" pitchFamily="34" charset="0"/>
-              </a:rPr>
-              <a:t> II, Quilamba </a:t>
-            </a:r>
-            <a:r>
-              <a:rPr lang="pt-PT" sz="2400" dirty="0" err="1">
-                <a:latin typeface="+mj-lt"/>
-                <a:ea typeface="Calibri" panose="020F0502020204030204" pitchFamily="34" charset="0"/>
-              </a:rPr>
-              <a:t>Quiaxi</a:t>
-            </a:r>
-            <a:r>
-              <a:rPr lang="pt-PT" sz="2400" dirty="0">
-                <a:latin typeface="+mj-lt"/>
-                <a:ea typeface="Calibri" panose="020F0502020204030204" pitchFamily="34" charset="0"/>
-              </a:rPr>
-              <a:t>, na província de Luanda.</a:t>
+              <a:t>Pesquisa Qualitativa</a:t>
             </a:r>
             <a:r>
               <a:rPr lang="pt-BR" sz="2400" dirty="0">
@@ -15790,42 +14248,83 @@
               </a:rPr>
               <a:t> </a:t>
             </a:r>
-            <a:r>
-              <a:rPr lang="pt-PT" sz="2400" dirty="0">
-                <a:latin typeface="+mj-lt"/>
-                <a:ea typeface="Calibri" panose="020F0502020204030204" pitchFamily="34" charset="0"/>
-              </a:rPr>
-              <a:t>Fundada aos 7 de maio de 2007, tendo como </a:t>
-            </a:r>
-            <a:r>
-              <a:rPr lang="pt-PT" sz="2400" dirty="0" err="1">
-                <a:latin typeface="+mj-lt"/>
-                <a:ea typeface="Calibri" panose="020F0502020204030204" pitchFamily="34" charset="0"/>
-              </a:rPr>
-              <a:t>actual</a:t>
-            </a:r>
-            <a:r>
-              <a:rPr lang="pt-PT" sz="2400" dirty="0">
-                <a:latin typeface="+mj-lt"/>
-                <a:ea typeface="Calibri" panose="020F0502020204030204" pitchFamily="34" charset="0"/>
-              </a:rPr>
-              <a:t> reitor(a), Dr. Ilídio Pascoal Simão. </a:t>
-            </a:r>
             <a:endParaRPr lang="pt-BR" sz="2400" dirty="0">
               <a:latin typeface="+mj-lt"/>
               <a:ea typeface="Calibri" panose="020F0502020204030204" pitchFamily="34" charset="0"/>
             </a:endParaRPr>
           </a:p>
           <a:p>
-            <a:pPr algn="just"/>
+            <a:pPr marL="342900" lvl="0" indent="-342900" algn="just">
+              <a:spcBef>
+                <a:spcPts val="600"/>
+              </a:spcBef>
+              <a:buFont typeface="Symbol" panose="05050102010706020507" pitchFamily="18" charset="2"/>
+              <a:buChar char=""/>
+            </a:pPr>
             <a:endParaRPr lang="pt-PT" sz="2400" dirty="0">
+              <a:effectLst/>
               <a:latin typeface="+mj-lt"/>
+              <a:ea typeface="Calibri" panose="020F0502020204030204" pitchFamily="34" charset="0"/>
             </a:endParaRPr>
           </a:p>
           <a:p>
-            <a:pPr algn="just"/>
-            <a:endParaRPr lang="pt-BR" sz="2400" dirty="0">
+            <a:pPr marL="342900" lvl="0" indent="-342900" algn="just">
+              <a:spcAft>
+                <a:spcPts val="600"/>
+              </a:spcAft>
+              <a:buFont typeface="Symbol" panose="05050102010706020507" pitchFamily="18" charset="2"/>
+              <a:buChar char=""/>
+            </a:pPr>
+            <a:r>
+              <a:rPr lang="pt-BR" sz="2400" b="1" dirty="0">
+                <a:latin typeface="+mj-lt"/>
+                <a:ea typeface="Calibri" panose="020F0502020204030204" pitchFamily="34" charset="0"/>
+              </a:rPr>
+              <a:t>Pesquisa Exploratória </a:t>
+            </a:r>
+          </a:p>
+          <a:p>
+            <a:pPr marL="342900" lvl="0" indent="-342900" algn="just">
+              <a:spcAft>
+                <a:spcPts val="600"/>
+              </a:spcAft>
+              <a:buFont typeface="Symbol" panose="05050102010706020507" pitchFamily="18" charset="2"/>
+              <a:buChar char=""/>
+            </a:pPr>
+            <a:endParaRPr lang="pt-BR" sz="2400" b="1" dirty="0">
+              <a:effectLst/>
               <a:latin typeface="+mj-lt"/>
+              <a:ea typeface="Calibri" panose="020F0502020204030204" pitchFamily="34" charset="0"/>
+            </a:endParaRPr>
+          </a:p>
+          <a:p>
+            <a:pPr marL="342900" lvl="0" indent="-342900" algn="just">
+              <a:spcAft>
+                <a:spcPts val="600"/>
+              </a:spcAft>
+              <a:buFont typeface="Symbol" panose="05050102010706020507" pitchFamily="18" charset="2"/>
+              <a:buChar char=""/>
+            </a:pPr>
+            <a:r>
+              <a:rPr lang="pt-BR" sz="2400" b="1" dirty="0">
+                <a:latin typeface="+mj-lt"/>
+                <a:ea typeface="Calibri" panose="020F0502020204030204" pitchFamily="34" charset="0"/>
+              </a:rPr>
+              <a:t>Entrevistas.</a:t>
+            </a:r>
+          </a:p>
+          <a:p>
+            <a:pPr marL="342900" lvl="0" indent="-342900" algn="just">
+              <a:spcAft>
+                <a:spcPts val="600"/>
+              </a:spcAft>
+              <a:buFont typeface="Symbol" panose="05050102010706020507" pitchFamily="18" charset="2"/>
+              <a:buChar char=""/>
+            </a:pPr>
+            <a:endParaRPr lang="pt-BR" sz="2400" b="1" dirty="0">
+              <a:effectLst/>
+              <a:latin typeface="+mj-lt"/>
+              <a:ea typeface="Calibri" panose="020F0502020204030204" pitchFamily="34" charset="0"/>
             </a:endParaRPr>
           </a:p>
         </p:txBody>
@@ -15833,7 +14332,7 @@
     </p:spTree>
     <p:extLst>
       <p:ext uri="{BB962C8B-B14F-4D97-AF65-F5344CB8AC3E}">
-        <p14:creationId xmlns:p14="http://schemas.microsoft.com/office/powerpoint/2010/main" val="3942514712"/>
+        <p14:creationId xmlns:p14="http://schemas.microsoft.com/office/powerpoint/2010/main" val="2053198314"/>
       </p:ext>
     </p:extLst>
   </p:cSld>

--- a/Apresentação/TFC.pptx
+++ b/Apresentação/TFC.pptx
@@ -267,7 +267,7 @@
           <a:p>
             <a:fld id="{8D980AF6-012E-48EC-B6FF-B729D5392FE6}" type="datetimeFigureOut">
               <a:rPr lang="pt-BR" smtClean="0"/>
-              <a:t>22/05/2024</a:t>
+              <a:t>24/05/2024</a:t>
             </a:fld>
             <a:endParaRPr lang="pt-BR"/>
           </a:p>
@@ -1906,7 +1906,7 @@
             <a:fld id="{5A5E2DE2-A0B4-45FD-A905-FEFD5975439B}" type="datetimeFigureOut">
               <a:rPr lang="pt-PT" smtClean="0"/>
               <a:pPr/>
-              <a:t>22/05/2024</a:t>
+              <a:t>24/05/2024</a:t>
             </a:fld>
             <a:endParaRPr lang="pt-PT" dirty="0"/>
           </a:p>
@@ -2146,7 +2146,7 @@
             <a:fld id="{5A5E2DE2-A0B4-45FD-A905-FEFD5975439B}" type="datetimeFigureOut">
               <a:rPr lang="pt-PT" smtClean="0"/>
               <a:pPr/>
-              <a:t>22/05/2024</a:t>
+              <a:t>24/05/2024</a:t>
             </a:fld>
             <a:endParaRPr lang="pt-PT" dirty="0"/>
           </a:p>
@@ -2328,7 +2328,7 @@
             <a:fld id="{5A5E2DE2-A0B4-45FD-A905-FEFD5975439B}" type="datetimeFigureOut">
               <a:rPr lang="pt-PT" smtClean="0"/>
               <a:pPr/>
-              <a:t>22/05/2024</a:t>
+              <a:t>24/05/2024</a:t>
             </a:fld>
             <a:endParaRPr lang="pt-PT" dirty="0"/>
           </a:p>
@@ -2500,7 +2500,7 @@
             <a:fld id="{5A5E2DE2-A0B4-45FD-A905-FEFD5975439B}" type="datetimeFigureOut">
               <a:rPr lang="pt-PT" smtClean="0"/>
               <a:pPr/>
-              <a:t>22/05/2024</a:t>
+              <a:t>24/05/2024</a:t>
             </a:fld>
             <a:endParaRPr lang="pt-PT" dirty="0"/>
           </a:p>
@@ -2770,7 +2770,7 @@
             <a:fld id="{5A5E2DE2-A0B4-45FD-A905-FEFD5975439B}" type="datetimeFigureOut">
               <a:rPr lang="pt-PT" smtClean="0"/>
               <a:pPr/>
-              <a:t>22/05/2024</a:t>
+              <a:t>24/05/2024</a:t>
             </a:fld>
             <a:endParaRPr lang="pt-PT" dirty="0"/>
           </a:p>
@@ -3973,7 +3973,7 @@
             <a:fld id="{5A5E2DE2-A0B4-45FD-A905-FEFD5975439B}" type="datetimeFigureOut">
               <a:rPr lang="pt-PT" smtClean="0"/>
               <a:pPr/>
-              <a:t>22/05/2024</a:t>
+              <a:t>24/05/2024</a:t>
             </a:fld>
             <a:endParaRPr lang="pt-PT" dirty="0"/>
           </a:p>
@@ -4365,7 +4365,7 @@
             <a:fld id="{5A5E2DE2-A0B4-45FD-A905-FEFD5975439B}" type="datetimeFigureOut">
               <a:rPr lang="pt-PT" smtClean="0"/>
               <a:pPr/>
-              <a:t>22/05/2024</a:t>
+              <a:t>24/05/2024</a:t>
             </a:fld>
             <a:endParaRPr lang="pt-PT" dirty="0"/>
           </a:p>
@@ -4490,7 +4490,7 @@
             <a:fld id="{5A5E2DE2-A0B4-45FD-A905-FEFD5975439B}" type="datetimeFigureOut">
               <a:rPr lang="pt-PT" smtClean="0"/>
               <a:pPr/>
-              <a:t>22/05/2024</a:t>
+              <a:t>24/05/2024</a:t>
             </a:fld>
             <a:endParaRPr lang="pt-PT" dirty="0"/>
           </a:p>
@@ -4587,7 +4587,7 @@
             <a:fld id="{5A5E2DE2-A0B4-45FD-A905-FEFD5975439B}" type="datetimeFigureOut">
               <a:rPr lang="pt-PT" smtClean="0"/>
               <a:pPr/>
-              <a:t>22/05/2024</a:t>
+              <a:t>24/05/2024</a:t>
             </a:fld>
             <a:endParaRPr lang="pt-PT" dirty="0"/>
           </a:p>
@@ -5352,7 +5352,7 @@
             <a:fld id="{5A5E2DE2-A0B4-45FD-A905-FEFD5975439B}" type="datetimeFigureOut">
               <a:rPr lang="pt-PT" smtClean="0"/>
               <a:pPr/>
-              <a:t>22/05/2024</a:t>
+              <a:t>24/05/2024</a:t>
             </a:fld>
             <a:endParaRPr lang="pt-PT" dirty="0"/>
           </a:p>
@@ -6194,7 +6194,7 @@
             <a:fld id="{5A5E2DE2-A0B4-45FD-A905-FEFD5975439B}" type="datetimeFigureOut">
               <a:rPr lang="pt-PT" smtClean="0"/>
               <a:pPr/>
-              <a:t>22/05/2024</a:t>
+              <a:t>24/05/2024</a:t>
             </a:fld>
             <a:endParaRPr lang="pt-PT" dirty="0"/>
           </a:p>
@@ -6423,7 +6423,7 @@
             <a:fld id="{5A5E2DE2-A0B4-45FD-A905-FEFD5975439B}" type="datetimeFigureOut">
               <a:rPr lang="pt-PT" smtClean="0"/>
               <a:pPr/>
-              <a:t>22/05/2024</a:t>
+              <a:t>24/05/2024</a:t>
             </a:fld>
             <a:endParaRPr lang="pt-PT" dirty="0"/>
           </a:p>
@@ -7907,6 +7907,13 @@
   <p:clrMapOvr>
     <a:masterClrMapping/>
   </p:clrMapOvr>
+  <p:timing>
+    <p:tnLst>
+      <p:par>
+        <p:cTn id="1" dur="indefinite" restart="never" nodeType="tmRoot"/>
+      </p:par>
+    </p:tnLst>
+  </p:timing>
 </p:sld>
 </file>
 
@@ -10956,6 +10963,13 @@
   <p:clrMapOvr>
     <a:masterClrMapping/>
   </p:clrMapOvr>
+  <p:timing>
+    <p:tnLst>
+      <p:par>
+        <p:cTn id="1" dur="indefinite" restart="never" nodeType="tmRoot"/>
+      </p:par>
+    </p:tnLst>
+  </p:timing>
 </p:sld>
 </file>
 
@@ -12753,55 +12767,6 @@
           <a:chExt cx="0" cy="0"/>
         </a:xfrm>
       </p:grpSpPr>
-      <p:pic>
-        <p:nvPicPr>
-          <p:cNvPr id="5" name="Marcador de Posição de Conteúdo 4">
-            <a:extLst>
-              <a:ext uri="{FF2B5EF4-FFF2-40B4-BE49-F238E27FC236}">
-                <a16:creationId xmlns:a16="http://schemas.microsoft.com/office/drawing/2014/main" id="{1D6EAF38-566F-0488-0BDF-3892014436C8}"/>
-              </a:ext>
-            </a:extLst>
-          </p:cNvPr>
-          <p:cNvPicPr>
-            <a:picLocks noGrp="1" noChangeAspect="1"/>
-          </p:cNvPicPr>
-          <p:nvPr>
-            <p:ph idx="1"/>
-          </p:nvPr>
-        </p:nvPicPr>
-        <p:blipFill>
-          <a:blip r:embed="rId2">
-            <a:extLst>
-              <a:ext uri="{28A0092B-C50C-407E-A947-70E740481C1C}">
-                <a14:useLocalDpi xmlns:a14="http://schemas.microsoft.com/office/drawing/2010/main" val="0"/>
-              </a:ext>
-            </a:extLst>
-          </a:blip>
-          <a:srcRect/>
-          <a:stretch/>
-        </p:blipFill>
-        <p:spPr>
-          <a:xfrm>
-            <a:off x="7610622" y="776734"/>
-            <a:ext cx="4093698" cy="4878478"/>
-          </a:xfrm>
-          <a:solidFill>
-            <a:schemeClr val="accent1"/>
-          </a:solidFill>
-          <a:ln>
-            <a:solidFill>
-              <a:schemeClr val="bg1"/>
-            </a:solidFill>
-          </a:ln>
-          <a:effectLst>
-            <a:outerShdw blurRad="50800" dist="38100" dir="2700000" algn="tl" rotWithShape="0">
-              <a:prstClr val="black">
-                <a:alpha val="40000"/>
-              </a:prstClr>
-            </a:outerShdw>
-          </a:effectLst>
-        </p:spPr>
-      </p:pic>
       <p:sp>
         <p:nvSpPr>
           <p:cNvPr id="3" name="CaixaDeTexto 2"/>
@@ -12848,8 +12813,8 @@
         </p:nvSpPr>
         <p:spPr bwMode="auto">
           <a:xfrm>
-            <a:off x="1353502" y="2257125"/>
-            <a:ext cx="5964572" cy="2793842"/>
+            <a:off x="1353502" y="2811124"/>
+            <a:ext cx="5964572" cy="1685846"/>
           </a:xfrm>
           <a:prstGeom prst="rect">
             <a:avLst/>
@@ -12909,12 +12874,16 @@
               </a:spcAft>
             </a:pPr>
             <a:r>
-              <a:rPr lang="pt-PT" sz="2400" dirty="0">
+              <a:rPr lang="pt-PT" sz="2400" dirty="0" smtClean="0">
                 <a:latin typeface="+mj-lt"/>
                 <a:ea typeface="Calibri" panose="020F0502020204030204" pitchFamily="34" charset="0"/>
               </a:rPr>
-              <a:t>Atualmente, empresas estão valorizando os softwares de gestão para melhorar suas operações, reconhecendo sua importância crescente impulsionada pela demanda por soluções de alta qualidade. </a:t>
-            </a:r>
+              <a:t>TFC, que significa Trabalho de Fim de Curso é uma avaliação feita ao estudante no fim da licenciatura. </a:t>
+            </a:r>
+            <a:endParaRPr lang="pt-PT" sz="2400" dirty="0">
+              <a:latin typeface="+mj-lt"/>
+              <a:ea typeface="Calibri" panose="020F0502020204030204" pitchFamily="34" charset="0"/>
+            </a:endParaRPr>
           </a:p>
         </p:txBody>
       </p:sp>
@@ -12931,86 +12900,7 @@
   <p:timing>
     <p:tnLst>
       <p:par>
-        <p:cTn id="1" dur="indefinite" restart="never" nodeType="tmRoot">
-          <p:childTnLst>
-            <p:seq concurrent="1" nextAc="seek">
-              <p:cTn id="2" dur="indefinite" nodeType="mainSeq">
-                <p:childTnLst>
-                  <p:par>
-                    <p:cTn id="3" fill="hold">
-                      <p:stCondLst>
-                        <p:cond delay="indefinite"/>
-                        <p:cond evt="onBegin" delay="0">
-                          <p:tn val="2"/>
-                        </p:cond>
-                      </p:stCondLst>
-                      <p:childTnLst>
-                        <p:par>
-                          <p:cTn id="4" fill="hold">
-                            <p:stCondLst>
-                              <p:cond delay="0"/>
-                            </p:stCondLst>
-                            <p:childTnLst>
-                              <p:par>
-                                <p:cTn id="5" presetID="21" presetClass="entr" presetSubtype="1" fill="hold" nodeType="withEffect">
-                                  <p:stCondLst>
-                                    <p:cond delay="0"/>
-                                  </p:stCondLst>
-                                  <p:childTnLst>
-                                    <p:set>
-                                      <p:cBhvr>
-                                        <p:cTn id="6" dur="1" fill="hold">
-                                          <p:stCondLst>
-                                            <p:cond delay="0"/>
-                                          </p:stCondLst>
-                                        </p:cTn>
-                                        <p:tgtEl>
-                                          <p:spTgt spid="5"/>
-                                        </p:tgtEl>
-                                        <p:attrNameLst>
-                                          <p:attrName>style.visibility</p:attrName>
-                                        </p:attrNameLst>
-                                      </p:cBhvr>
-                                      <p:to>
-                                        <p:strVal val="visible"/>
-                                      </p:to>
-                                    </p:set>
-                                    <p:animEffect transition="in" filter="wheel(1)">
-                                      <p:cBhvr>
-                                        <p:cTn id="7" dur="2000"/>
-                                        <p:tgtEl>
-                                          <p:spTgt spid="5"/>
-                                        </p:tgtEl>
-                                      </p:cBhvr>
-                                    </p:animEffect>
-                                  </p:childTnLst>
-                                </p:cTn>
-                              </p:par>
-                            </p:childTnLst>
-                          </p:cTn>
-                        </p:par>
-                      </p:childTnLst>
-                    </p:cTn>
-                  </p:par>
-                </p:childTnLst>
-              </p:cTn>
-              <p:prevCondLst>
-                <p:cond evt="onPrev" delay="0">
-                  <p:tgtEl>
-                    <p:sldTgt/>
-                  </p:tgtEl>
-                </p:cond>
-              </p:prevCondLst>
-              <p:nextCondLst>
-                <p:cond evt="onNext" delay="0">
-                  <p:tgtEl>
-                    <p:sldTgt/>
-                  </p:tgtEl>
-                </p:cond>
-              </p:nextCondLst>
-            </p:seq>
-          </p:childTnLst>
-        </p:cTn>
+        <p:cTn id="1" dur="indefinite" restart="never" nodeType="tmRoot"/>
       </p:par>
     </p:tnLst>
   </p:timing>
@@ -13130,7 +13020,14 @@
                 <a:latin typeface="+mj-lt"/>
                 <a:ea typeface="Calibri" panose="020F0502020204030204" pitchFamily="34" charset="0"/>
               </a:rPr>
-              <a:t>TFC, bem como na partilha de informações entre orientadores e Orientandos.</a:t>
+              <a:t>TFC, bem como na partilha de informações entre orientadores e </a:t>
+            </a:r>
+            <a:r>
+              <a:rPr lang="pt-PT" sz="2400" dirty="0" smtClean="0">
+                <a:latin typeface="+mj-lt"/>
+                <a:ea typeface="Calibri" panose="020F0502020204030204" pitchFamily="34" charset="0"/>
+              </a:rPr>
+              <a:t>Orientandos.</a:t>
             </a:r>
             <a:endParaRPr lang="pt-BR" sz="2000" dirty="0">
               <a:latin typeface="+mj-lt"/>
@@ -13148,8 +13045,8 @@
         </p:nvSpPr>
         <p:spPr bwMode="auto">
           <a:xfrm>
-            <a:off x="1376921" y="5161803"/>
-            <a:ext cx="10033687" cy="1420325"/>
+            <a:off x="1376921" y="5133302"/>
+            <a:ext cx="10033687" cy="1477328"/>
           </a:xfrm>
           <a:prstGeom prst="rect">
             <a:avLst/>
@@ -13224,7 +13121,23 @@
                 <a:ea typeface="Calibri" panose="020F0502020204030204" pitchFamily="34" charset="0"/>
                 <a:cs typeface="Times New Roman" panose="02020603050405020304" pitchFamily="18" charset="0"/>
               </a:rPr>
-              <a:t>Como melhorar a gestão e o controle do processo de trabalho de fim de curso da UTANGA garantindo a centralização de dados e a gestão mais eficiente?</a:t>
+              <a:t>Como melhorar a gestão e o controle do processo de trabalho de fim de curso da UTANGA garantindo a centralização de dados e a </a:t>
+            </a:r>
+            <a:r>
+              <a:rPr lang="pt-PT" sz="2000" b="1" dirty="0" smtClean="0">
+                <a:latin typeface="+mj-lt"/>
+                <a:ea typeface="Calibri" panose="020F0502020204030204" pitchFamily="34" charset="0"/>
+                <a:cs typeface="Times New Roman" panose="02020603050405020304" pitchFamily="18" charset="0"/>
+              </a:rPr>
+              <a:t>gestão </a:t>
+            </a:r>
+            <a:r>
+              <a:rPr lang="pt-PT" sz="2000" b="1" dirty="0" smtClean="0">
+                <a:latin typeface="+mj-lt"/>
+                <a:ea typeface="Calibri" panose="020F0502020204030204" pitchFamily="34" charset="0"/>
+                <a:cs typeface="Times New Roman" panose="02020603050405020304" pitchFamily="18" charset="0"/>
+              </a:rPr>
+              <a:t>eficiente?</a:t>
             </a:r>
             <a:endParaRPr kumimoji="0" lang="pt-PT" sz="2000" b="1" i="0" strike="noStrike" cap="none" normalizeH="0" baseline="0" dirty="0">
               <a:ln>
@@ -13378,7 +13291,51 @@
                 <a:ea typeface="Calibri" panose="020F0502020204030204" pitchFamily="34" charset="0"/>
                 <a:cs typeface="Times New Roman" panose="02020603050405020304" pitchFamily="18" charset="0"/>
               </a:rPr>
-              <a:t>Se implementarmos um sistema web para gestão e controle do processo de trabalho de fim de curso (TFC), irá possibilitar que os intervenientes tenham uma melhor interação, e informação necessárias disponível a tempo para garantir um melhor acompanhamento dos TFC. </a:t>
+              <a:t>Se implementarmos um sistema web para gestão e controle </a:t>
+            </a:r>
+            <a:r>
+              <a:rPr lang="pt-PT" sz="2400" kern="100" dirty="0" smtClean="0">
+                <a:solidFill>
+                  <a:schemeClr val="tx1"/>
+                </a:solidFill>
+                <a:latin typeface="+mj-lt"/>
+                <a:ea typeface="Calibri" panose="020F0502020204030204" pitchFamily="34" charset="0"/>
+                <a:cs typeface="Times New Roman" panose="02020603050405020304" pitchFamily="18" charset="0"/>
+              </a:rPr>
+              <a:t>dos </a:t>
+            </a:r>
+            <a:r>
+              <a:rPr lang="pt-PT" sz="2400" kern="100" dirty="0">
+                <a:solidFill>
+                  <a:schemeClr val="tx1"/>
+                </a:solidFill>
+                <a:latin typeface="+mj-lt"/>
+                <a:ea typeface="Calibri" panose="020F0502020204030204" pitchFamily="34" charset="0"/>
+                <a:cs typeface="Times New Roman" panose="02020603050405020304" pitchFamily="18" charset="0"/>
+              </a:rPr>
+              <a:t>trabalho de fim de curso (TFC), irá possibilitar que os intervenientes tenham uma melhor interação, e informação necessárias disponível a </a:t>
+            </a:r>
+            <a:r>
+              <a:rPr lang="pt-PT" sz="2400" kern="100" dirty="0" smtClean="0">
+                <a:solidFill>
+                  <a:schemeClr val="tx1"/>
+                </a:solidFill>
+                <a:latin typeface="+mj-lt"/>
+                <a:ea typeface="Calibri" panose="020F0502020204030204" pitchFamily="34" charset="0"/>
+                <a:cs typeface="Times New Roman" panose="02020603050405020304" pitchFamily="18" charset="0"/>
+              </a:rPr>
+              <a:t>tempo, </a:t>
+            </a:r>
+            <a:r>
+              <a:rPr lang="pt-PT" sz="2400" kern="100" dirty="0">
+                <a:solidFill>
+                  <a:schemeClr val="tx1"/>
+                </a:solidFill>
+                <a:latin typeface="+mj-lt"/>
+                <a:ea typeface="Calibri" panose="020F0502020204030204" pitchFamily="34" charset="0"/>
+                <a:cs typeface="Times New Roman" panose="02020603050405020304" pitchFamily="18" charset="0"/>
+              </a:rPr>
+              <a:t>para garantir um melhor acompanhamento dos TFC. </a:t>
             </a:r>
             <a:endParaRPr lang="pt-PT" sz="2400" kern="100" dirty="0">
               <a:latin typeface="+mj-lt"/>
@@ -13667,7 +13624,7 @@
         <p:spPr>
           <a:xfrm>
             <a:off x="1252151" y="3319848"/>
-            <a:ext cx="10132539" cy="2959208"/>
+            <a:ext cx="10132539" cy="3016210"/>
           </a:xfrm>
           <a:prstGeom prst="rect">
             <a:avLst/>
@@ -13696,7 +13653,28 @@
                 <a:latin typeface="+mj-lt"/>
                 <a:ea typeface="Calibri" panose="020F0502020204030204" pitchFamily="34" charset="0"/>
               </a:rPr>
-              <a:t>Entender os procedimentos envolvidos na transferência de pacientes de uma unidade hospitalar para outra.</a:t>
+              <a:t>Entender </a:t>
+            </a:r>
+            <a:r>
+              <a:rPr lang="pt-PT" sz="2000" dirty="0">
+                <a:latin typeface="+mj-lt"/>
+                <a:ea typeface="Calibri" panose="020F0502020204030204" pitchFamily="34" charset="0"/>
+              </a:rPr>
+              <a:t>o processo básico de elaboração, desenvolvimento e apresentação de </a:t>
+            </a:r>
+            <a:r>
+              <a:rPr lang="pt-PT" sz="2000" dirty="0" smtClean="0">
+                <a:latin typeface="+mj-lt"/>
+                <a:ea typeface="Calibri" panose="020F0502020204030204" pitchFamily="34" charset="0"/>
+              </a:rPr>
+              <a:t>monografias</a:t>
+            </a:r>
+            <a:r>
+              <a:rPr lang="pt-BR" sz="2000" dirty="0">
+                <a:latin typeface="+mj-lt"/>
+                <a:ea typeface="Calibri" panose="020F0502020204030204" pitchFamily="34" charset="0"/>
+              </a:rPr>
+              <a:t>;</a:t>
             </a:r>
             <a:endParaRPr lang="pt-PT" sz="2000" dirty="0">
               <a:effectLst/>
@@ -13718,7 +13696,23 @@
                 <a:latin typeface="+mj-lt"/>
                 <a:ea typeface="Calibri" panose="020F0502020204030204" pitchFamily="34" charset="0"/>
               </a:rPr>
-              <a:t>Identificar todos os requisitos descrevendo os mesmos;</a:t>
+              <a:t>Identificar </a:t>
+            </a:r>
+            <a:r>
+              <a:rPr lang="pt-BR" sz="2000" dirty="0" smtClean="0">
+                <a:effectLst/>
+                <a:latin typeface="+mj-lt"/>
+                <a:ea typeface="Calibri" panose="020F0502020204030204" pitchFamily="34" charset="0"/>
+              </a:rPr>
+              <a:t>os </a:t>
+            </a:r>
+            <a:r>
+              <a:rPr lang="pt-BR" sz="2000" dirty="0">
+                <a:effectLst/>
+                <a:latin typeface="+mj-lt"/>
+                <a:ea typeface="Calibri" panose="020F0502020204030204" pitchFamily="34" charset="0"/>
+              </a:rPr>
+              <a:t>requisitos descrevendo os mesmos;</a:t>
             </a:r>
             <a:endParaRPr lang="pt-PT" sz="2000" dirty="0">
               <a:effectLst/>
